--- a/doc/JSindo/usage_JSindo.pptx
+++ b/doc/JSindo/usage_JSindo.pptx
@@ -179,7 +179,7 @@
           </a:lstStyle>
           <a:p>
             <a:r>
-              <a:rPr lang="ja-JP" altLang="en-US" smtClean="0"/>
+              <a:rPr lang="ja-JP" altLang="en-US"/>
               <a:t>マスター タイトルの書式設定</a:t>
             </a:r>
             <a:endParaRPr lang="en-US" dirty="0"/>
@@ -244,7 +244,7 @@
           </a:lstStyle>
           <a:p>
             <a:r>
-              <a:rPr lang="ja-JP" altLang="en-US" smtClean="0"/>
+              <a:rPr lang="ja-JP" altLang="en-US"/>
               <a:t>マスター サブタイトルの書式設定</a:t>
             </a:r>
             <a:endParaRPr lang="en-US" dirty="0"/>
@@ -268,7 +268,7 @@
           <a:p>
             <a:fld id="{71D277D7-4148-D542-93DC-F1390B661C12}" type="datetimeFigureOut">
               <a:rPr kumimoji="1" lang="ja-JP" altLang="en-US" smtClean="0"/>
-              <a:t>2018/9/20</a:t>
+              <a:t>2019/5/3</a:t>
             </a:fld>
             <a:endParaRPr kumimoji="1" lang="ja-JP" altLang="en-US"/>
           </a:p>
@@ -357,7 +357,7 @@
           <a:lstStyle/>
           <a:p>
             <a:r>
-              <a:rPr lang="ja-JP" altLang="en-US" smtClean="0"/>
+              <a:rPr lang="ja-JP" altLang="en-US"/>
               <a:t>マスター タイトルの書式設定</a:t>
             </a:r>
             <a:endParaRPr lang="en-US" dirty="0"/>
@@ -381,67 +381,67 @@
           <a:p>
             <a:pPr lvl="0"/>
             <a:r>
-              <a:rPr lang="ja-JP" altLang="en-US" smtClean="0"/>
+              <a:rPr lang="ja-JP" altLang="en-US"/>
               <a:t>マスター テキストの書式設定</a:t>
             </a:r>
           </a:p>
           <a:p>
             <a:pPr lvl="1"/>
             <a:r>
-              <a:rPr lang="ja-JP" altLang="en-US" smtClean="0"/>
+              <a:rPr lang="ja-JP" altLang="en-US"/>
               <a:t>第 </a:t>
             </a:r>
             <a:r>
-              <a:rPr lang="en-US" altLang="ja-JP" smtClean="0"/>
+              <a:rPr lang="en-US" altLang="ja-JP"/>
               <a:t>2 </a:t>
             </a:r>
             <a:r>
-              <a:rPr lang="ja-JP" altLang="en-US" smtClean="0"/>
+              <a:rPr lang="ja-JP" altLang="en-US"/>
               <a:t>レベル</a:t>
             </a:r>
           </a:p>
           <a:p>
             <a:pPr lvl="2"/>
             <a:r>
-              <a:rPr lang="ja-JP" altLang="en-US" smtClean="0"/>
+              <a:rPr lang="ja-JP" altLang="en-US"/>
               <a:t>第 </a:t>
             </a:r>
             <a:r>
-              <a:rPr lang="en-US" altLang="ja-JP" smtClean="0"/>
+              <a:rPr lang="en-US" altLang="ja-JP"/>
               <a:t>3 </a:t>
             </a:r>
             <a:r>
-              <a:rPr lang="ja-JP" altLang="en-US" smtClean="0"/>
+              <a:rPr lang="ja-JP" altLang="en-US"/>
               <a:t>レベル</a:t>
             </a:r>
           </a:p>
           <a:p>
             <a:pPr lvl="3"/>
             <a:r>
-              <a:rPr lang="ja-JP" altLang="en-US" smtClean="0"/>
+              <a:rPr lang="ja-JP" altLang="en-US"/>
               <a:t>第 </a:t>
             </a:r>
             <a:r>
-              <a:rPr lang="en-US" altLang="ja-JP" smtClean="0"/>
+              <a:rPr lang="en-US" altLang="ja-JP"/>
               <a:t>4 </a:t>
             </a:r>
             <a:r>
-              <a:rPr lang="ja-JP" altLang="en-US" smtClean="0"/>
+              <a:rPr lang="ja-JP" altLang="en-US"/>
               <a:t>レベル</a:t>
             </a:r>
           </a:p>
           <a:p>
             <a:pPr lvl="4"/>
             <a:r>
-              <a:rPr lang="ja-JP" altLang="en-US" smtClean="0"/>
+              <a:rPr lang="ja-JP" altLang="en-US"/>
               <a:t>第 </a:t>
             </a:r>
             <a:r>
-              <a:rPr lang="en-US" altLang="ja-JP" smtClean="0"/>
+              <a:rPr lang="en-US" altLang="ja-JP"/>
               <a:t>5 </a:t>
             </a:r>
             <a:r>
-              <a:rPr lang="ja-JP" altLang="en-US" smtClean="0"/>
+              <a:rPr lang="ja-JP" altLang="en-US"/>
               <a:t>レベル</a:t>
             </a:r>
             <a:endParaRPr lang="en-US" dirty="0"/>
@@ -465,7 +465,7 @@
           <a:p>
             <a:fld id="{71D277D7-4148-D542-93DC-F1390B661C12}" type="datetimeFigureOut">
               <a:rPr kumimoji="1" lang="ja-JP" altLang="en-US" smtClean="0"/>
-              <a:t>2018/9/20</a:t>
+              <a:t>2019/5/3</a:t>
             </a:fld>
             <a:endParaRPr kumimoji="1" lang="ja-JP" altLang="en-US"/>
           </a:p>
@@ -559,7 +559,7 @@
           <a:lstStyle/>
           <a:p>
             <a:r>
-              <a:rPr lang="ja-JP" altLang="en-US" smtClean="0"/>
+              <a:rPr lang="ja-JP" altLang="en-US"/>
               <a:t>マスター タイトルの書式設定</a:t>
             </a:r>
             <a:endParaRPr lang="en-US" dirty="0"/>
@@ -588,67 +588,67 @@
           <a:p>
             <a:pPr lvl="0"/>
             <a:r>
-              <a:rPr lang="ja-JP" altLang="en-US" smtClean="0"/>
+              <a:rPr lang="ja-JP" altLang="en-US"/>
               <a:t>マスター テキストの書式設定</a:t>
             </a:r>
           </a:p>
           <a:p>
             <a:pPr lvl="1"/>
             <a:r>
-              <a:rPr lang="ja-JP" altLang="en-US" smtClean="0"/>
+              <a:rPr lang="ja-JP" altLang="en-US"/>
               <a:t>第 </a:t>
             </a:r>
             <a:r>
-              <a:rPr lang="en-US" altLang="ja-JP" smtClean="0"/>
+              <a:rPr lang="en-US" altLang="ja-JP"/>
               <a:t>2 </a:t>
             </a:r>
             <a:r>
-              <a:rPr lang="ja-JP" altLang="en-US" smtClean="0"/>
+              <a:rPr lang="ja-JP" altLang="en-US"/>
               <a:t>レベル</a:t>
             </a:r>
           </a:p>
           <a:p>
             <a:pPr lvl="2"/>
             <a:r>
-              <a:rPr lang="ja-JP" altLang="en-US" smtClean="0"/>
+              <a:rPr lang="ja-JP" altLang="en-US"/>
               <a:t>第 </a:t>
             </a:r>
             <a:r>
-              <a:rPr lang="en-US" altLang="ja-JP" smtClean="0"/>
+              <a:rPr lang="en-US" altLang="ja-JP"/>
               <a:t>3 </a:t>
             </a:r>
             <a:r>
-              <a:rPr lang="ja-JP" altLang="en-US" smtClean="0"/>
+              <a:rPr lang="ja-JP" altLang="en-US"/>
               <a:t>レベル</a:t>
             </a:r>
           </a:p>
           <a:p>
             <a:pPr lvl="3"/>
             <a:r>
-              <a:rPr lang="ja-JP" altLang="en-US" smtClean="0"/>
+              <a:rPr lang="ja-JP" altLang="en-US"/>
               <a:t>第 </a:t>
             </a:r>
             <a:r>
-              <a:rPr lang="en-US" altLang="ja-JP" smtClean="0"/>
+              <a:rPr lang="en-US" altLang="ja-JP"/>
               <a:t>4 </a:t>
             </a:r>
             <a:r>
-              <a:rPr lang="ja-JP" altLang="en-US" smtClean="0"/>
+              <a:rPr lang="ja-JP" altLang="en-US"/>
               <a:t>レベル</a:t>
             </a:r>
           </a:p>
           <a:p>
             <a:pPr lvl="4"/>
             <a:r>
-              <a:rPr lang="ja-JP" altLang="en-US" smtClean="0"/>
+              <a:rPr lang="ja-JP" altLang="en-US"/>
               <a:t>第 </a:t>
             </a:r>
             <a:r>
-              <a:rPr lang="en-US" altLang="ja-JP" smtClean="0"/>
+              <a:rPr lang="en-US" altLang="ja-JP"/>
               <a:t>5 </a:t>
             </a:r>
             <a:r>
-              <a:rPr lang="ja-JP" altLang="en-US" smtClean="0"/>
+              <a:rPr lang="ja-JP" altLang="en-US"/>
               <a:t>レベル</a:t>
             </a:r>
             <a:endParaRPr lang="en-US" dirty="0"/>
@@ -672,7 +672,7 @@
           <a:p>
             <a:fld id="{71D277D7-4148-D542-93DC-F1390B661C12}" type="datetimeFigureOut">
               <a:rPr kumimoji="1" lang="ja-JP" altLang="en-US" smtClean="0"/>
-              <a:t>2018/9/20</a:t>
+              <a:t>2019/5/3</a:t>
             </a:fld>
             <a:endParaRPr kumimoji="1" lang="ja-JP" altLang="en-US"/>
           </a:p>
@@ -761,7 +761,7 @@
           <a:lstStyle/>
           <a:p>
             <a:r>
-              <a:rPr lang="ja-JP" altLang="en-US" smtClean="0"/>
+              <a:rPr lang="ja-JP" altLang="en-US"/>
               <a:t>マスター タイトルの書式設定</a:t>
             </a:r>
             <a:endParaRPr lang="en-US" dirty="0"/>
@@ -785,67 +785,67 @@
           <a:p>
             <a:pPr lvl="0"/>
             <a:r>
-              <a:rPr lang="ja-JP" altLang="en-US" smtClean="0"/>
+              <a:rPr lang="ja-JP" altLang="en-US"/>
               <a:t>マスター テキストの書式設定</a:t>
             </a:r>
           </a:p>
           <a:p>
             <a:pPr lvl="1"/>
             <a:r>
-              <a:rPr lang="ja-JP" altLang="en-US" smtClean="0"/>
+              <a:rPr lang="ja-JP" altLang="en-US"/>
               <a:t>第 </a:t>
             </a:r>
             <a:r>
-              <a:rPr lang="en-US" altLang="ja-JP" smtClean="0"/>
+              <a:rPr lang="en-US" altLang="ja-JP"/>
               <a:t>2 </a:t>
             </a:r>
             <a:r>
-              <a:rPr lang="ja-JP" altLang="en-US" smtClean="0"/>
+              <a:rPr lang="ja-JP" altLang="en-US"/>
               <a:t>レベル</a:t>
             </a:r>
           </a:p>
           <a:p>
             <a:pPr lvl="2"/>
             <a:r>
-              <a:rPr lang="ja-JP" altLang="en-US" smtClean="0"/>
+              <a:rPr lang="ja-JP" altLang="en-US"/>
               <a:t>第 </a:t>
             </a:r>
             <a:r>
-              <a:rPr lang="en-US" altLang="ja-JP" smtClean="0"/>
+              <a:rPr lang="en-US" altLang="ja-JP"/>
               <a:t>3 </a:t>
             </a:r>
             <a:r>
-              <a:rPr lang="ja-JP" altLang="en-US" smtClean="0"/>
+              <a:rPr lang="ja-JP" altLang="en-US"/>
               <a:t>レベル</a:t>
             </a:r>
           </a:p>
           <a:p>
             <a:pPr lvl="3"/>
             <a:r>
-              <a:rPr lang="ja-JP" altLang="en-US" smtClean="0"/>
+              <a:rPr lang="ja-JP" altLang="en-US"/>
               <a:t>第 </a:t>
             </a:r>
             <a:r>
-              <a:rPr lang="en-US" altLang="ja-JP" smtClean="0"/>
+              <a:rPr lang="en-US" altLang="ja-JP"/>
               <a:t>4 </a:t>
             </a:r>
             <a:r>
-              <a:rPr lang="ja-JP" altLang="en-US" smtClean="0"/>
+              <a:rPr lang="ja-JP" altLang="en-US"/>
               <a:t>レベル</a:t>
             </a:r>
           </a:p>
           <a:p>
             <a:pPr lvl="4"/>
             <a:r>
-              <a:rPr lang="ja-JP" altLang="en-US" smtClean="0"/>
+              <a:rPr lang="ja-JP" altLang="en-US"/>
               <a:t>第 </a:t>
             </a:r>
             <a:r>
-              <a:rPr lang="en-US" altLang="ja-JP" smtClean="0"/>
+              <a:rPr lang="en-US" altLang="ja-JP"/>
               <a:t>5 </a:t>
             </a:r>
             <a:r>
-              <a:rPr lang="ja-JP" altLang="en-US" smtClean="0"/>
+              <a:rPr lang="ja-JP" altLang="en-US"/>
               <a:t>レベル</a:t>
             </a:r>
             <a:endParaRPr lang="en-US" dirty="0"/>
@@ -869,7 +869,7 @@
           <a:p>
             <a:fld id="{71D277D7-4148-D542-93DC-F1390B661C12}" type="datetimeFigureOut">
               <a:rPr kumimoji="1" lang="ja-JP" altLang="en-US" smtClean="0"/>
-              <a:t>2018/9/20</a:t>
+              <a:t>2019/5/3</a:t>
             </a:fld>
             <a:endParaRPr kumimoji="1" lang="ja-JP" altLang="en-US"/>
           </a:p>
@@ -967,7 +967,7 @@
           </a:lstStyle>
           <a:p>
             <a:r>
-              <a:rPr lang="ja-JP" altLang="en-US" smtClean="0"/>
+              <a:rPr lang="ja-JP" altLang="en-US"/>
               <a:t>マスター タイトルの書式設定</a:t>
             </a:r>
             <a:endParaRPr lang="en-US" dirty="0"/>
@@ -1085,7 +1085,7 @@
           <a:p>
             <a:pPr lvl="0"/>
             <a:r>
-              <a:rPr lang="ja-JP" altLang="en-US" smtClean="0"/>
+              <a:rPr lang="ja-JP" altLang="en-US"/>
               <a:t>マスター テキストの書式設定</a:t>
             </a:r>
           </a:p>
@@ -1108,7 +1108,7 @@
           <a:p>
             <a:fld id="{71D277D7-4148-D542-93DC-F1390B661C12}" type="datetimeFigureOut">
               <a:rPr kumimoji="1" lang="ja-JP" altLang="en-US" smtClean="0"/>
-              <a:t>2018/9/20</a:t>
+              <a:t>2019/5/3</a:t>
             </a:fld>
             <a:endParaRPr kumimoji="1" lang="ja-JP" altLang="en-US"/>
           </a:p>
@@ -1197,7 +1197,7 @@
           <a:lstStyle/>
           <a:p>
             <a:r>
-              <a:rPr lang="ja-JP" altLang="en-US" smtClean="0"/>
+              <a:rPr lang="ja-JP" altLang="en-US"/>
               <a:t>マスター タイトルの書式設定</a:t>
             </a:r>
             <a:endParaRPr lang="en-US" dirty="0"/>
@@ -1226,67 +1226,67 @@
           <a:p>
             <a:pPr lvl="0"/>
             <a:r>
-              <a:rPr lang="ja-JP" altLang="en-US" smtClean="0"/>
+              <a:rPr lang="ja-JP" altLang="en-US"/>
               <a:t>マスター テキストの書式設定</a:t>
             </a:r>
           </a:p>
           <a:p>
             <a:pPr lvl="1"/>
             <a:r>
-              <a:rPr lang="ja-JP" altLang="en-US" smtClean="0"/>
+              <a:rPr lang="ja-JP" altLang="en-US"/>
               <a:t>第 </a:t>
             </a:r>
             <a:r>
-              <a:rPr lang="en-US" altLang="ja-JP" smtClean="0"/>
+              <a:rPr lang="en-US" altLang="ja-JP"/>
               <a:t>2 </a:t>
             </a:r>
             <a:r>
-              <a:rPr lang="ja-JP" altLang="en-US" smtClean="0"/>
+              <a:rPr lang="ja-JP" altLang="en-US"/>
               <a:t>レベル</a:t>
             </a:r>
           </a:p>
           <a:p>
             <a:pPr lvl="2"/>
             <a:r>
-              <a:rPr lang="ja-JP" altLang="en-US" smtClean="0"/>
+              <a:rPr lang="ja-JP" altLang="en-US"/>
               <a:t>第 </a:t>
             </a:r>
             <a:r>
-              <a:rPr lang="en-US" altLang="ja-JP" smtClean="0"/>
+              <a:rPr lang="en-US" altLang="ja-JP"/>
               <a:t>3 </a:t>
             </a:r>
             <a:r>
-              <a:rPr lang="ja-JP" altLang="en-US" smtClean="0"/>
+              <a:rPr lang="ja-JP" altLang="en-US"/>
               <a:t>レベル</a:t>
             </a:r>
           </a:p>
           <a:p>
             <a:pPr lvl="3"/>
             <a:r>
-              <a:rPr lang="ja-JP" altLang="en-US" smtClean="0"/>
+              <a:rPr lang="ja-JP" altLang="en-US"/>
               <a:t>第 </a:t>
             </a:r>
             <a:r>
-              <a:rPr lang="en-US" altLang="ja-JP" smtClean="0"/>
+              <a:rPr lang="en-US" altLang="ja-JP"/>
               <a:t>4 </a:t>
             </a:r>
             <a:r>
-              <a:rPr lang="ja-JP" altLang="en-US" smtClean="0"/>
+              <a:rPr lang="ja-JP" altLang="en-US"/>
               <a:t>レベル</a:t>
             </a:r>
           </a:p>
           <a:p>
             <a:pPr lvl="4"/>
             <a:r>
-              <a:rPr lang="ja-JP" altLang="en-US" smtClean="0"/>
+              <a:rPr lang="ja-JP" altLang="en-US"/>
               <a:t>第 </a:t>
             </a:r>
             <a:r>
-              <a:rPr lang="en-US" altLang="ja-JP" smtClean="0"/>
+              <a:rPr lang="en-US" altLang="ja-JP"/>
               <a:t>5 </a:t>
             </a:r>
             <a:r>
-              <a:rPr lang="ja-JP" altLang="en-US" smtClean="0"/>
+              <a:rPr lang="ja-JP" altLang="en-US"/>
               <a:t>レベル</a:t>
             </a:r>
             <a:endParaRPr lang="en-US" dirty="0"/>
@@ -1315,67 +1315,67 @@
           <a:p>
             <a:pPr lvl="0"/>
             <a:r>
-              <a:rPr lang="ja-JP" altLang="en-US" smtClean="0"/>
+              <a:rPr lang="ja-JP" altLang="en-US"/>
               <a:t>マスター テキストの書式設定</a:t>
             </a:r>
           </a:p>
           <a:p>
             <a:pPr lvl="1"/>
             <a:r>
-              <a:rPr lang="ja-JP" altLang="en-US" smtClean="0"/>
+              <a:rPr lang="ja-JP" altLang="en-US"/>
               <a:t>第 </a:t>
             </a:r>
             <a:r>
-              <a:rPr lang="en-US" altLang="ja-JP" smtClean="0"/>
+              <a:rPr lang="en-US" altLang="ja-JP"/>
               <a:t>2 </a:t>
             </a:r>
             <a:r>
-              <a:rPr lang="ja-JP" altLang="en-US" smtClean="0"/>
+              <a:rPr lang="ja-JP" altLang="en-US"/>
               <a:t>レベル</a:t>
             </a:r>
           </a:p>
           <a:p>
             <a:pPr lvl="2"/>
             <a:r>
-              <a:rPr lang="ja-JP" altLang="en-US" smtClean="0"/>
+              <a:rPr lang="ja-JP" altLang="en-US"/>
               <a:t>第 </a:t>
             </a:r>
             <a:r>
-              <a:rPr lang="en-US" altLang="ja-JP" smtClean="0"/>
+              <a:rPr lang="en-US" altLang="ja-JP"/>
               <a:t>3 </a:t>
             </a:r>
             <a:r>
-              <a:rPr lang="ja-JP" altLang="en-US" smtClean="0"/>
+              <a:rPr lang="ja-JP" altLang="en-US"/>
               <a:t>レベル</a:t>
             </a:r>
           </a:p>
           <a:p>
             <a:pPr lvl="3"/>
             <a:r>
-              <a:rPr lang="ja-JP" altLang="en-US" smtClean="0"/>
+              <a:rPr lang="ja-JP" altLang="en-US"/>
               <a:t>第 </a:t>
             </a:r>
             <a:r>
-              <a:rPr lang="en-US" altLang="ja-JP" smtClean="0"/>
+              <a:rPr lang="en-US" altLang="ja-JP"/>
               <a:t>4 </a:t>
             </a:r>
             <a:r>
-              <a:rPr lang="ja-JP" altLang="en-US" smtClean="0"/>
+              <a:rPr lang="ja-JP" altLang="en-US"/>
               <a:t>レベル</a:t>
             </a:r>
           </a:p>
           <a:p>
             <a:pPr lvl="4"/>
             <a:r>
-              <a:rPr lang="ja-JP" altLang="en-US" smtClean="0"/>
+              <a:rPr lang="ja-JP" altLang="en-US"/>
               <a:t>第 </a:t>
             </a:r>
             <a:r>
-              <a:rPr lang="en-US" altLang="ja-JP" smtClean="0"/>
+              <a:rPr lang="en-US" altLang="ja-JP"/>
               <a:t>5 </a:t>
             </a:r>
             <a:r>
-              <a:rPr lang="ja-JP" altLang="en-US" smtClean="0"/>
+              <a:rPr lang="ja-JP" altLang="en-US"/>
               <a:t>レベル</a:t>
             </a:r>
             <a:endParaRPr lang="en-US" dirty="0"/>
@@ -1399,7 +1399,7 @@
           <a:p>
             <a:fld id="{71D277D7-4148-D542-93DC-F1390B661C12}" type="datetimeFigureOut">
               <a:rPr kumimoji="1" lang="ja-JP" altLang="en-US" smtClean="0"/>
-              <a:t>2018/9/20</a:t>
+              <a:t>2019/5/3</a:t>
             </a:fld>
             <a:endParaRPr kumimoji="1" lang="ja-JP" altLang="en-US"/>
           </a:p>
@@ -1493,7 +1493,7 @@
           <a:lstStyle/>
           <a:p>
             <a:r>
-              <a:rPr lang="ja-JP" altLang="en-US" smtClean="0"/>
+              <a:rPr lang="ja-JP" altLang="en-US"/>
               <a:t>マスター タイトルの書式設定</a:t>
             </a:r>
             <a:endParaRPr lang="en-US" dirty="0"/>
@@ -1559,7 +1559,7 @@
           <a:p>
             <a:pPr lvl="0"/>
             <a:r>
-              <a:rPr lang="ja-JP" altLang="en-US" smtClean="0"/>
+              <a:rPr lang="ja-JP" altLang="en-US"/>
               <a:t>マスター テキストの書式設定</a:t>
             </a:r>
           </a:p>
@@ -1587,67 +1587,67 @@
           <a:p>
             <a:pPr lvl="0"/>
             <a:r>
-              <a:rPr lang="ja-JP" altLang="en-US" smtClean="0"/>
+              <a:rPr lang="ja-JP" altLang="en-US"/>
               <a:t>マスター テキストの書式設定</a:t>
             </a:r>
           </a:p>
           <a:p>
             <a:pPr lvl="1"/>
             <a:r>
-              <a:rPr lang="ja-JP" altLang="en-US" smtClean="0"/>
+              <a:rPr lang="ja-JP" altLang="en-US"/>
               <a:t>第 </a:t>
             </a:r>
             <a:r>
-              <a:rPr lang="en-US" altLang="ja-JP" smtClean="0"/>
+              <a:rPr lang="en-US" altLang="ja-JP"/>
               <a:t>2 </a:t>
             </a:r>
             <a:r>
-              <a:rPr lang="ja-JP" altLang="en-US" smtClean="0"/>
+              <a:rPr lang="ja-JP" altLang="en-US"/>
               <a:t>レベル</a:t>
             </a:r>
           </a:p>
           <a:p>
             <a:pPr lvl="2"/>
             <a:r>
-              <a:rPr lang="ja-JP" altLang="en-US" smtClean="0"/>
+              <a:rPr lang="ja-JP" altLang="en-US"/>
               <a:t>第 </a:t>
             </a:r>
             <a:r>
-              <a:rPr lang="en-US" altLang="ja-JP" smtClean="0"/>
+              <a:rPr lang="en-US" altLang="ja-JP"/>
               <a:t>3 </a:t>
             </a:r>
             <a:r>
-              <a:rPr lang="ja-JP" altLang="en-US" smtClean="0"/>
+              <a:rPr lang="ja-JP" altLang="en-US"/>
               <a:t>レベル</a:t>
             </a:r>
           </a:p>
           <a:p>
             <a:pPr lvl="3"/>
             <a:r>
-              <a:rPr lang="ja-JP" altLang="en-US" smtClean="0"/>
+              <a:rPr lang="ja-JP" altLang="en-US"/>
               <a:t>第 </a:t>
             </a:r>
             <a:r>
-              <a:rPr lang="en-US" altLang="ja-JP" smtClean="0"/>
+              <a:rPr lang="en-US" altLang="ja-JP"/>
               <a:t>4 </a:t>
             </a:r>
             <a:r>
-              <a:rPr lang="ja-JP" altLang="en-US" smtClean="0"/>
+              <a:rPr lang="ja-JP" altLang="en-US"/>
               <a:t>レベル</a:t>
             </a:r>
           </a:p>
           <a:p>
             <a:pPr lvl="4"/>
             <a:r>
-              <a:rPr lang="ja-JP" altLang="en-US" smtClean="0"/>
+              <a:rPr lang="ja-JP" altLang="en-US"/>
               <a:t>第 </a:t>
             </a:r>
             <a:r>
-              <a:rPr lang="en-US" altLang="ja-JP" smtClean="0"/>
+              <a:rPr lang="en-US" altLang="ja-JP"/>
               <a:t>5 </a:t>
             </a:r>
             <a:r>
-              <a:rPr lang="ja-JP" altLang="en-US" smtClean="0"/>
+              <a:rPr lang="ja-JP" altLang="en-US"/>
               <a:t>レベル</a:t>
             </a:r>
             <a:endParaRPr lang="en-US" dirty="0"/>
@@ -1713,7 +1713,7 @@
           <a:p>
             <a:pPr lvl="0"/>
             <a:r>
-              <a:rPr lang="ja-JP" altLang="en-US" smtClean="0"/>
+              <a:rPr lang="ja-JP" altLang="en-US"/>
               <a:t>マスター テキストの書式設定</a:t>
             </a:r>
           </a:p>
@@ -1741,67 +1741,67 @@
           <a:p>
             <a:pPr lvl="0"/>
             <a:r>
-              <a:rPr lang="ja-JP" altLang="en-US" smtClean="0"/>
+              <a:rPr lang="ja-JP" altLang="en-US"/>
               <a:t>マスター テキストの書式設定</a:t>
             </a:r>
           </a:p>
           <a:p>
             <a:pPr lvl="1"/>
             <a:r>
-              <a:rPr lang="ja-JP" altLang="en-US" smtClean="0"/>
+              <a:rPr lang="ja-JP" altLang="en-US"/>
               <a:t>第 </a:t>
             </a:r>
             <a:r>
-              <a:rPr lang="en-US" altLang="ja-JP" smtClean="0"/>
+              <a:rPr lang="en-US" altLang="ja-JP"/>
               <a:t>2 </a:t>
             </a:r>
             <a:r>
-              <a:rPr lang="ja-JP" altLang="en-US" smtClean="0"/>
+              <a:rPr lang="ja-JP" altLang="en-US"/>
               <a:t>レベル</a:t>
             </a:r>
           </a:p>
           <a:p>
             <a:pPr lvl="2"/>
             <a:r>
-              <a:rPr lang="ja-JP" altLang="en-US" smtClean="0"/>
+              <a:rPr lang="ja-JP" altLang="en-US"/>
               <a:t>第 </a:t>
             </a:r>
             <a:r>
-              <a:rPr lang="en-US" altLang="ja-JP" smtClean="0"/>
+              <a:rPr lang="en-US" altLang="ja-JP"/>
               <a:t>3 </a:t>
             </a:r>
             <a:r>
-              <a:rPr lang="ja-JP" altLang="en-US" smtClean="0"/>
+              <a:rPr lang="ja-JP" altLang="en-US"/>
               <a:t>レベル</a:t>
             </a:r>
           </a:p>
           <a:p>
             <a:pPr lvl="3"/>
             <a:r>
-              <a:rPr lang="ja-JP" altLang="en-US" smtClean="0"/>
+              <a:rPr lang="ja-JP" altLang="en-US"/>
               <a:t>第 </a:t>
             </a:r>
             <a:r>
-              <a:rPr lang="en-US" altLang="ja-JP" smtClean="0"/>
+              <a:rPr lang="en-US" altLang="ja-JP"/>
               <a:t>4 </a:t>
             </a:r>
             <a:r>
-              <a:rPr lang="ja-JP" altLang="en-US" smtClean="0"/>
+              <a:rPr lang="ja-JP" altLang="en-US"/>
               <a:t>レベル</a:t>
             </a:r>
           </a:p>
           <a:p>
             <a:pPr lvl="4"/>
             <a:r>
-              <a:rPr lang="ja-JP" altLang="en-US" smtClean="0"/>
+              <a:rPr lang="ja-JP" altLang="en-US"/>
               <a:t>第 </a:t>
             </a:r>
             <a:r>
-              <a:rPr lang="en-US" altLang="ja-JP" smtClean="0"/>
+              <a:rPr lang="en-US" altLang="ja-JP"/>
               <a:t>5 </a:t>
             </a:r>
             <a:r>
-              <a:rPr lang="ja-JP" altLang="en-US" smtClean="0"/>
+              <a:rPr lang="ja-JP" altLang="en-US"/>
               <a:t>レベル</a:t>
             </a:r>
             <a:endParaRPr lang="en-US" dirty="0"/>
@@ -1825,7 +1825,7 @@
           <a:p>
             <a:fld id="{71D277D7-4148-D542-93DC-F1390B661C12}" type="datetimeFigureOut">
               <a:rPr kumimoji="1" lang="ja-JP" altLang="en-US" smtClean="0"/>
-              <a:t>2018/9/20</a:t>
+              <a:t>2019/5/3</a:t>
             </a:fld>
             <a:endParaRPr kumimoji="1" lang="ja-JP" altLang="en-US"/>
           </a:p>
@@ -1914,7 +1914,7 @@
           <a:lstStyle/>
           <a:p>
             <a:r>
-              <a:rPr lang="ja-JP" altLang="en-US" smtClean="0"/>
+              <a:rPr lang="ja-JP" altLang="en-US"/>
               <a:t>マスター タイトルの書式設定</a:t>
             </a:r>
             <a:endParaRPr lang="en-US" dirty="0"/>
@@ -1938,7 +1938,7 @@
           <a:p>
             <a:fld id="{71D277D7-4148-D542-93DC-F1390B661C12}" type="datetimeFigureOut">
               <a:rPr kumimoji="1" lang="ja-JP" altLang="en-US" smtClean="0"/>
-              <a:t>2018/9/20</a:t>
+              <a:t>2019/5/3</a:t>
             </a:fld>
             <a:endParaRPr kumimoji="1" lang="ja-JP" altLang="en-US"/>
           </a:p>
@@ -2028,7 +2028,7 @@
           <a:p>
             <a:fld id="{71D277D7-4148-D542-93DC-F1390B661C12}" type="datetimeFigureOut">
               <a:rPr kumimoji="1" lang="ja-JP" altLang="en-US" smtClean="0"/>
-              <a:t>2018/9/20</a:t>
+              <a:t>2019/5/3</a:t>
             </a:fld>
             <a:endParaRPr kumimoji="1" lang="ja-JP" altLang="en-US"/>
           </a:p>
@@ -2126,7 +2126,7 @@
           </a:lstStyle>
           <a:p>
             <a:r>
-              <a:rPr lang="ja-JP" altLang="en-US" smtClean="0"/>
+              <a:rPr lang="ja-JP" altLang="en-US"/>
               <a:t>マスター タイトルの書式設定</a:t>
             </a:r>
             <a:endParaRPr lang="en-US" dirty="0"/>
@@ -2183,67 +2183,67 @@
           <a:p>
             <a:pPr lvl="0"/>
             <a:r>
-              <a:rPr lang="ja-JP" altLang="en-US" smtClean="0"/>
+              <a:rPr lang="ja-JP" altLang="en-US"/>
               <a:t>マスター テキストの書式設定</a:t>
             </a:r>
           </a:p>
           <a:p>
             <a:pPr lvl="1"/>
             <a:r>
-              <a:rPr lang="ja-JP" altLang="en-US" smtClean="0"/>
+              <a:rPr lang="ja-JP" altLang="en-US"/>
               <a:t>第 </a:t>
             </a:r>
             <a:r>
-              <a:rPr lang="en-US" altLang="ja-JP" smtClean="0"/>
+              <a:rPr lang="en-US" altLang="ja-JP"/>
               <a:t>2 </a:t>
             </a:r>
             <a:r>
-              <a:rPr lang="ja-JP" altLang="en-US" smtClean="0"/>
+              <a:rPr lang="ja-JP" altLang="en-US"/>
               <a:t>レベル</a:t>
             </a:r>
           </a:p>
           <a:p>
             <a:pPr lvl="2"/>
             <a:r>
-              <a:rPr lang="ja-JP" altLang="en-US" smtClean="0"/>
+              <a:rPr lang="ja-JP" altLang="en-US"/>
               <a:t>第 </a:t>
             </a:r>
             <a:r>
-              <a:rPr lang="en-US" altLang="ja-JP" smtClean="0"/>
+              <a:rPr lang="en-US" altLang="ja-JP"/>
               <a:t>3 </a:t>
             </a:r>
             <a:r>
-              <a:rPr lang="ja-JP" altLang="en-US" smtClean="0"/>
+              <a:rPr lang="ja-JP" altLang="en-US"/>
               <a:t>レベル</a:t>
             </a:r>
           </a:p>
           <a:p>
             <a:pPr lvl="3"/>
             <a:r>
-              <a:rPr lang="ja-JP" altLang="en-US" smtClean="0"/>
+              <a:rPr lang="ja-JP" altLang="en-US"/>
               <a:t>第 </a:t>
             </a:r>
             <a:r>
-              <a:rPr lang="en-US" altLang="ja-JP" smtClean="0"/>
+              <a:rPr lang="en-US" altLang="ja-JP"/>
               <a:t>4 </a:t>
             </a:r>
             <a:r>
-              <a:rPr lang="ja-JP" altLang="en-US" smtClean="0"/>
+              <a:rPr lang="ja-JP" altLang="en-US"/>
               <a:t>レベル</a:t>
             </a:r>
           </a:p>
           <a:p>
             <a:pPr lvl="4"/>
             <a:r>
-              <a:rPr lang="ja-JP" altLang="en-US" smtClean="0"/>
+              <a:rPr lang="ja-JP" altLang="en-US"/>
               <a:t>第 </a:t>
             </a:r>
             <a:r>
-              <a:rPr lang="en-US" altLang="ja-JP" smtClean="0"/>
+              <a:rPr lang="en-US" altLang="ja-JP"/>
               <a:t>5 </a:t>
             </a:r>
             <a:r>
-              <a:rPr lang="ja-JP" altLang="en-US" smtClean="0"/>
+              <a:rPr lang="ja-JP" altLang="en-US"/>
               <a:t>レベル</a:t>
             </a:r>
             <a:endParaRPr lang="en-US" dirty="0"/>
@@ -2309,7 +2309,7 @@
           <a:p>
             <a:pPr lvl="0"/>
             <a:r>
-              <a:rPr lang="ja-JP" altLang="en-US" smtClean="0"/>
+              <a:rPr lang="ja-JP" altLang="en-US"/>
               <a:t>マスター テキストの書式設定</a:t>
             </a:r>
           </a:p>
@@ -2332,7 +2332,7 @@
           <a:p>
             <a:fld id="{71D277D7-4148-D542-93DC-F1390B661C12}" type="datetimeFigureOut">
               <a:rPr kumimoji="1" lang="ja-JP" altLang="en-US" smtClean="0"/>
-              <a:t>2018/9/20</a:t>
+              <a:t>2019/5/3</a:t>
             </a:fld>
             <a:endParaRPr kumimoji="1" lang="ja-JP" altLang="en-US"/>
           </a:p>
@@ -2430,7 +2430,7 @@
           </a:lstStyle>
           <a:p>
             <a:r>
-              <a:rPr lang="ja-JP" altLang="en-US" smtClean="0"/>
+              <a:rPr lang="ja-JP" altLang="en-US"/>
               <a:t>マスター タイトルの書式設定</a:t>
             </a:r>
             <a:endParaRPr lang="en-US" dirty="0"/>
@@ -2495,7 +2495,7 @@
           </a:lstStyle>
           <a:p>
             <a:r>
-              <a:rPr lang="ja-JP" altLang="en-US" smtClean="0"/>
+              <a:rPr lang="ja-JP" altLang="en-US"/>
               <a:t>プレースホルダーまでドラッグするかアイコンをクリックして図を追加</a:t>
             </a:r>
             <a:endParaRPr lang="en-US" dirty="0"/>
@@ -2561,7 +2561,7 @@
           <a:p>
             <a:pPr lvl="0"/>
             <a:r>
-              <a:rPr lang="ja-JP" altLang="en-US" smtClean="0"/>
+              <a:rPr lang="ja-JP" altLang="en-US"/>
               <a:t>マスター テキストの書式設定</a:t>
             </a:r>
           </a:p>
@@ -2584,7 +2584,7 @@
           <a:p>
             <a:fld id="{71D277D7-4148-D542-93DC-F1390B661C12}" type="datetimeFigureOut">
               <a:rPr kumimoji="1" lang="ja-JP" altLang="en-US" smtClean="0"/>
-              <a:t>2018/9/20</a:t>
+              <a:t>2019/5/3</a:t>
             </a:fld>
             <a:endParaRPr kumimoji="1" lang="ja-JP" altLang="en-US"/>
           </a:p>
@@ -2688,7 +2688,7 @@
           <a:lstStyle/>
           <a:p>
             <a:r>
-              <a:rPr lang="ja-JP" altLang="en-US" smtClean="0"/>
+              <a:rPr lang="ja-JP" altLang="en-US"/>
               <a:t>マスター タイトルの書式設定</a:t>
             </a:r>
             <a:endParaRPr lang="en-US" dirty="0"/>
@@ -2722,67 +2722,67 @@
           <a:p>
             <a:pPr lvl="0"/>
             <a:r>
-              <a:rPr lang="ja-JP" altLang="en-US" smtClean="0"/>
+              <a:rPr lang="ja-JP" altLang="en-US"/>
               <a:t>マスター テキストの書式設定</a:t>
             </a:r>
           </a:p>
           <a:p>
             <a:pPr lvl="1"/>
             <a:r>
-              <a:rPr lang="ja-JP" altLang="en-US" smtClean="0"/>
+              <a:rPr lang="ja-JP" altLang="en-US"/>
               <a:t>第 </a:t>
             </a:r>
             <a:r>
-              <a:rPr lang="en-US" altLang="ja-JP" smtClean="0"/>
+              <a:rPr lang="en-US" altLang="ja-JP"/>
               <a:t>2 </a:t>
             </a:r>
             <a:r>
-              <a:rPr lang="ja-JP" altLang="en-US" smtClean="0"/>
+              <a:rPr lang="ja-JP" altLang="en-US"/>
               <a:t>レベル</a:t>
             </a:r>
           </a:p>
           <a:p>
             <a:pPr lvl="2"/>
             <a:r>
-              <a:rPr lang="ja-JP" altLang="en-US" smtClean="0"/>
+              <a:rPr lang="ja-JP" altLang="en-US"/>
               <a:t>第 </a:t>
             </a:r>
             <a:r>
-              <a:rPr lang="en-US" altLang="ja-JP" smtClean="0"/>
+              <a:rPr lang="en-US" altLang="ja-JP"/>
               <a:t>3 </a:t>
             </a:r>
             <a:r>
-              <a:rPr lang="ja-JP" altLang="en-US" smtClean="0"/>
+              <a:rPr lang="ja-JP" altLang="en-US"/>
               <a:t>レベル</a:t>
             </a:r>
           </a:p>
           <a:p>
             <a:pPr lvl="3"/>
             <a:r>
-              <a:rPr lang="ja-JP" altLang="en-US" smtClean="0"/>
+              <a:rPr lang="ja-JP" altLang="en-US"/>
               <a:t>第 </a:t>
             </a:r>
             <a:r>
-              <a:rPr lang="en-US" altLang="ja-JP" smtClean="0"/>
+              <a:rPr lang="en-US" altLang="ja-JP"/>
               <a:t>4 </a:t>
             </a:r>
             <a:r>
-              <a:rPr lang="ja-JP" altLang="en-US" smtClean="0"/>
+              <a:rPr lang="ja-JP" altLang="en-US"/>
               <a:t>レベル</a:t>
             </a:r>
           </a:p>
           <a:p>
             <a:pPr lvl="4"/>
             <a:r>
-              <a:rPr lang="ja-JP" altLang="en-US" smtClean="0"/>
+              <a:rPr lang="ja-JP" altLang="en-US"/>
               <a:t>第 </a:t>
             </a:r>
             <a:r>
-              <a:rPr lang="en-US" altLang="ja-JP" smtClean="0"/>
+              <a:rPr lang="en-US" altLang="ja-JP"/>
               <a:t>5 </a:t>
             </a:r>
             <a:r>
-              <a:rPr lang="ja-JP" altLang="en-US" smtClean="0"/>
+              <a:rPr lang="ja-JP" altLang="en-US"/>
               <a:t>レベル</a:t>
             </a:r>
             <a:endParaRPr lang="en-US" dirty="0"/>
@@ -2824,7 +2824,7 @@
           <a:p>
             <a:fld id="{71D277D7-4148-D542-93DC-F1390B661C12}" type="datetimeFigureOut">
               <a:rPr kumimoji="1" lang="ja-JP" altLang="en-US" smtClean="0"/>
-              <a:t>2018/9/20</a:t>
+              <a:t>2019/5/3</a:t>
             </a:fld>
             <a:endParaRPr kumimoji="1" lang="ja-JP" altLang="en-US"/>
           </a:p>
@@ -3252,11 +3252,11 @@
           <a:lstStyle/>
           <a:p>
             <a:r>
-              <a:rPr kumimoji="1" lang="en-US" altLang="ja-JP" sz="4400" dirty="0" smtClean="0"/>
+              <a:rPr kumimoji="1" lang="en-US" altLang="ja-JP" sz="4400" dirty="0"/>
               <a:t>Users’ guide of </a:t>
             </a:r>
             <a:r>
-              <a:rPr kumimoji="1" lang="en-US" altLang="ja-JP" sz="4400" dirty="0" err="1" smtClean="0"/>
+              <a:rPr kumimoji="1" lang="en-US" altLang="ja-JP" sz="4400" dirty="0" err="1"/>
               <a:t>JSindo</a:t>
             </a:r>
             <a:endParaRPr kumimoji="1" lang="ja-JP" altLang="en-US" sz="4400" dirty="0"/>
@@ -3287,16 +3287,21 @@
           <a:p>
             <a:pPr algn="ctr"/>
             <a:r>
-              <a:rPr lang="en-US" altLang="ja-JP" dirty="0" smtClean="0"/>
+              <a:rPr lang="en-US" altLang="ja-JP" dirty="0"/>
               <a:t>Theoretical Molecular Science Laboratory</a:t>
             </a:r>
           </a:p>
           <a:p>
             <a:pPr algn="ctr"/>
             <a:r>
-              <a:rPr kumimoji="1" lang="en-US" altLang="ja-JP" dirty="0" smtClean="0"/>
-              <a:t>RIKEN Pioneering Research Cluster</a:t>
-            </a:r>
+              <a:rPr kumimoji="1" lang="en-US" altLang="ja-JP" dirty="0"/>
+              <a:t>RIKEN </a:t>
+            </a:r>
+            <a:r>
+              <a:rPr kumimoji="1" lang="en-US" altLang="ja-JP"/>
+              <a:t>Cluster for Pioneering Research</a:t>
+            </a:r>
+            <a:endParaRPr kumimoji="1" lang="en-US" altLang="ja-JP" dirty="0"/>
           </a:p>
           <a:p>
             <a:pPr algn="ctr"/>
@@ -3305,7 +3310,7 @@
           <a:p>
             <a:pPr algn="ctr"/>
             <a:r>
-              <a:rPr kumimoji="1" lang="en-US" altLang="ja-JP" smtClean="0"/>
+              <a:rPr kumimoji="1" lang="en-US" altLang="ja-JP" dirty="0"/>
               <a:t>2018/09/20</a:t>
             </a:r>
             <a:endParaRPr kumimoji="1" lang="ja-JP" altLang="en-US" dirty="0"/>
@@ -3336,17 +3341,17 @@
           <a:p>
             <a:pPr algn="ctr"/>
             <a:r>
-              <a:rPr kumimoji="1" lang="en-US" altLang="ja-JP" dirty="0" smtClean="0"/>
+              <a:rPr kumimoji="1" lang="en-US" altLang="ja-JP" dirty="0"/>
               <a:t>Kiyoshi Yagi</a:t>
             </a:r>
           </a:p>
           <a:p>
             <a:pPr algn="ctr"/>
             <a:r>
-              <a:rPr kumimoji="1" lang="en-US" altLang="ja-JP" dirty="0" err="1" smtClean="0"/>
+              <a:rPr kumimoji="1" lang="en-US" altLang="ja-JP" dirty="0" err="1"/>
               <a:t>kiyoshi.yagi@riken.jp</a:t>
             </a:r>
-            <a:endParaRPr kumimoji="1" lang="en-US" altLang="ja-JP" dirty="0" smtClean="0"/>
+            <a:endParaRPr kumimoji="1" lang="en-US" altLang="ja-JP" dirty="0"/>
           </a:p>
         </p:txBody>
       </p:sp>
@@ -3396,15 +3401,15 @@
           <a:lstStyle/>
           <a:p>
             <a:r>
-              <a:rPr kumimoji="1" lang="en-US" altLang="ja-JP" dirty="0" smtClean="0"/>
+              <a:rPr kumimoji="1" lang="en-US" altLang="ja-JP" dirty="0"/>
               <a:t>3. Format of a </a:t>
             </a:r>
             <a:r>
-              <a:rPr kumimoji="1" lang="en-US" altLang="ja-JP" dirty="0" err="1" smtClean="0"/>
+              <a:rPr kumimoji="1" lang="en-US" altLang="ja-JP" dirty="0" err="1"/>
               <a:t>minfo</a:t>
             </a:r>
             <a:r>
-              <a:rPr kumimoji="1" lang="en-US" altLang="ja-JP" dirty="0" smtClean="0"/>
+              <a:rPr kumimoji="1" lang="en-US" altLang="ja-JP" dirty="0"/>
               <a:t> file</a:t>
             </a:r>
             <a:endParaRPr kumimoji="1" lang="ja-JP" altLang="en-US" dirty="0"/>
@@ -3460,20 +3465,12 @@
                 <a:ea typeface="Courier" charset="0"/>
                 <a:cs typeface="Courier" charset="0"/>
               </a:rPr>
-              <a:t> File version 2</a:t>
-            </a:r>
-            <a:r>
-              <a:rPr lang="en-US" altLang="ja-JP" sz="1200" dirty="0" smtClean="0">
-                <a:latin typeface="Courier" charset="0"/>
-                <a:ea typeface="Courier" charset="0"/>
-                <a:cs typeface="Courier" charset="0"/>
-              </a:rPr>
-              <a:t>:</a:t>
-            </a:r>
-          </a:p>
-          <a:p>
-            <a:r>
-              <a:rPr lang="en-US" altLang="ja-JP" sz="1200" dirty="0" smtClean="0">
+              <a:t> File version 2:</a:t>
+            </a:r>
+          </a:p>
+          <a:p>
+            <a:r>
+              <a:rPr lang="en-US" altLang="ja-JP" sz="1200" dirty="0">
                 <a:latin typeface="Courier" charset="0"/>
                 <a:ea typeface="Courier" charset="0"/>
                 <a:cs typeface="Courier" charset="0"/>
@@ -3506,7 +3503,7 @@
           <a:lstStyle/>
           <a:p>
             <a:r>
-              <a:rPr lang="en-US" altLang="ja-JP" sz="2400" u="sng" dirty="0" smtClean="0"/>
+              <a:rPr lang="en-US" altLang="ja-JP" sz="2400" u="sng" dirty="0"/>
               <a:t>Version of the format.</a:t>
             </a:r>
             <a:endParaRPr kumimoji="1" lang="ja-JP" altLang="en-US" sz="2400" u="sng" dirty="0"/>
@@ -3586,7 +3583,7 @@
               <a:buChar char="•"/>
             </a:pPr>
             <a:r>
-              <a:rPr lang="en-US" altLang="ja-JP" dirty="0" smtClean="0"/>
+              <a:rPr lang="en-US" altLang="ja-JP" dirty="0"/>
               <a:t>The data is divided by sections indicated by [].</a:t>
             </a:r>
           </a:p>
@@ -3596,20 +3593,16 @@
               <a:buChar char="•"/>
             </a:pPr>
             <a:r>
-              <a:rPr lang="en-US" altLang="ja-JP" dirty="0" smtClean="0"/>
+              <a:rPr lang="en-US" altLang="ja-JP" dirty="0"/>
               <a:t>Each </a:t>
             </a:r>
             <a:r>
-              <a:rPr lang="en-US" altLang="ja-JP" dirty="0" err="1" smtClean="0"/>
+              <a:rPr lang="en-US" altLang="ja-JP" dirty="0" err="1"/>
               <a:t>colomn</a:t>
             </a:r>
             <a:r>
-              <a:rPr lang="en-US" altLang="ja-JP" dirty="0" smtClean="0"/>
-              <a:t> is </a:t>
-            </a:r>
-            <a:r>
               <a:rPr lang="en-US" altLang="ja-JP" dirty="0"/>
-              <a:t>separated by </a:t>
+              <a:t> is separated by </a:t>
             </a:r>
             <a:r>
               <a:rPr lang="en-US" altLang="ja-JP" dirty="0" err="1"/>
@@ -3619,7 +3612,6 @@
               <a:rPr lang="en-US" altLang="ja-JP" dirty="0"/>
               <a:t>. </a:t>
             </a:r>
-            <a:endParaRPr lang="en-US" altLang="ja-JP" dirty="0" smtClean="0"/>
           </a:p>
           <a:p>
             <a:pPr marL="285750" indent="-285750">
@@ -3627,7 +3619,7 @@
               <a:buChar char="•"/>
             </a:pPr>
             <a:r>
-              <a:rPr lang="en-US" altLang="ja-JP" dirty="0" smtClean="0"/>
+              <a:rPr lang="en-US" altLang="ja-JP" dirty="0"/>
               <a:t>Space and digit length is free.</a:t>
             </a:r>
             <a:endParaRPr lang="ja-JP" altLang="en-US" dirty="0"/>
@@ -3639,11 +3631,7 @@
             </a:pPr>
             <a:r>
               <a:rPr lang="en-US" altLang="ja-JP" dirty="0"/>
-              <a:t>Units </a:t>
-            </a:r>
-            <a:r>
-              <a:rPr lang="en-US" altLang="ja-JP" dirty="0" smtClean="0"/>
-              <a:t>in atomic unit unless noted.</a:t>
+              <a:t>Units in atomic unit unless noted.</a:t>
             </a:r>
           </a:p>
           <a:p>
@@ -3656,11 +3644,11 @@
               <a:t>Vector and matrix are stored in 5 </a:t>
             </a:r>
             <a:r>
-              <a:rPr lang="en-US" altLang="ja-JP" dirty="0" err="1" smtClean="0"/>
+              <a:rPr lang="en-US" altLang="ja-JP" dirty="0" err="1"/>
               <a:t>raws</a:t>
             </a:r>
             <a:r>
-              <a:rPr lang="en-US" altLang="ja-JP" dirty="0" smtClean="0"/>
+              <a:rPr lang="en-US" altLang="ja-JP" dirty="0"/>
               <a:t>.</a:t>
             </a:r>
             <a:endParaRPr lang="ja-JP" altLang="en-US" dirty="0"/>
@@ -3690,7 +3678,7 @@
           <a:lstStyle/>
           <a:p>
             <a:r>
-              <a:rPr lang="en-US" altLang="ja-JP" sz="2400" u="sng" dirty="0" smtClean="0"/>
+              <a:rPr lang="en-US" altLang="ja-JP" sz="2400" u="sng" dirty="0"/>
               <a:t>Overall rule:</a:t>
             </a:r>
             <a:endParaRPr kumimoji="1" lang="ja-JP" altLang="en-US" sz="2400" u="sng" dirty="0"/>
@@ -3756,7 +3744,7 @@
           <a:lstStyle/>
           <a:p>
             <a:r>
-              <a:rPr kumimoji="1" lang="en-US" altLang="ja-JP" dirty="0" smtClean="0"/>
+              <a:rPr kumimoji="1" lang="en-US" altLang="ja-JP" dirty="0"/>
               <a:t>currently latest version is 2.</a:t>
             </a:r>
             <a:endParaRPr kumimoji="1" lang="ja-JP" altLang="en-US" dirty="0"/>
@@ -3821,33 +3809,17 @@
           <a:lstStyle/>
           <a:p>
             <a:r>
-              <a:rPr lang="en-US" altLang="ja-JP" sz="1200" dirty="0" smtClean="0">
-                <a:latin typeface="Courier" charset="0"/>
-                <a:ea typeface="Courier" charset="0"/>
-                <a:cs typeface="Courier" charset="0"/>
-              </a:rPr>
-              <a:t>[ </a:t>
-            </a:r>
-            <a:r>
               <a:rPr lang="en-US" altLang="ja-JP" sz="1200" dirty="0">
                 <a:latin typeface="Courier" charset="0"/>
                 <a:ea typeface="Courier" charset="0"/>
                 <a:cs typeface="Courier" charset="0"/>
               </a:rPr>
-              <a:t>Atomic Data </a:t>
-            </a:r>
-            <a:r>
-              <a:rPr lang="en-US" altLang="ja-JP" sz="1200" dirty="0" smtClean="0">
-                <a:latin typeface="Courier" charset="0"/>
-                <a:ea typeface="Courier" charset="0"/>
-                <a:cs typeface="Courier" charset="0"/>
-              </a:rPr>
-              <a:t>]</a:t>
-            </a:r>
-          </a:p>
-          <a:p>
-            <a:r>
-              <a:rPr lang="en-US" altLang="ja-JP" sz="1200" dirty="0" smtClean="0">
+              <a:t>[ Atomic Data ]</a:t>
+            </a:r>
+          </a:p>
+          <a:p>
+            <a:r>
+              <a:rPr lang="en-US" altLang="ja-JP" sz="1200" dirty="0">
                 <a:latin typeface="Courier" charset="0"/>
                 <a:ea typeface="Courier" charset="0"/>
                 <a:cs typeface="Courier" charset="0"/>
@@ -3857,458 +3829,82 @@
           </a:p>
           <a:p>
             <a:r>
-              <a:rPr lang="en-US" altLang="ja-JP" sz="1200" dirty="0" smtClean="0">
-                <a:latin typeface="Courier" charset="0"/>
-                <a:ea typeface="Courier" charset="0"/>
-                <a:cs typeface="Courier" charset="0"/>
-              </a:rPr>
-              <a:t>   </a:t>
-            </a:r>
-            <a:r>
               <a:rPr lang="en-US" altLang="ja-JP" sz="1200" dirty="0">
                 <a:latin typeface="Courier" charset="0"/>
                 <a:ea typeface="Courier" charset="0"/>
                 <a:cs typeface="Courier" charset="0"/>
               </a:rPr>
-              <a:t>C,     6, </a:t>
-            </a:r>
-            <a:r>
-              <a:rPr lang="en-US" altLang="ja-JP" sz="1200" dirty="0" smtClean="0">
-                <a:latin typeface="Courier" charset="0"/>
-                <a:ea typeface="Courier" charset="0"/>
-                <a:cs typeface="Courier" charset="0"/>
-              </a:rPr>
-              <a:t>12.0000</a:t>
-            </a:r>
+              <a:t>   C,     6, 12.0000,  0.00000000,  0.00000000, -1.00940804</a:t>
+            </a:r>
+          </a:p>
+          <a:p>
             <a:r>
               <a:rPr lang="en-US" altLang="ja-JP" sz="1200" dirty="0">
                 <a:latin typeface="Courier" charset="0"/>
                 <a:ea typeface="Courier" charset="0"/>
                 <a:cs typeface="Courier" charset="0"/>
               </a:rPr>
-              <a:t>, </a:t>
-            </a:r>
-            <a:r>
-              <a:rPr lang="en-US" altLang="ja-JP" sz="1200" dirty="0" smtClean="0">
-                <a:latin typeface="Courier" charset="0"/>
-                <a:ea typeface="Courier" charset="0"/>
-                <a:cs typeface="Courier" charset="0"/>
-              </a:rPr>
-              <a:t> 0.00000000</a:t>
-            </a:r>
+              <a:t>   O,     8, 15.9949, -0.00000000, -0.00000000,  1.28265243</a:t>
+            </a:r>
+          </a:p>
+          <a:p>
             <a:r>
               <a:rPr lang="en-US" altLang="ja-JP" sz="1200" dirty="0">
                 <a:latin typeface="Courier" charset="0"/>
                 <a:ea typeface="Courier" charset="0"/>
                 <a:cs typeface="Courier" charset="0"/>
               </a:rPr>
-              <a:t>, </a:t>
-            </a:r>
-            <a:r>
-              <a:rPr lang="en-US" altLang="ja-JP" sz="1200" dirty="0" smtClean="0">
-                <a:latin typeface="Courier" charset="0"/>
-                <a:ea typeface="Courier" charset="0"/>
-                <a:cs typeface="Courier" charset="0"/>
-              </a:rPr>
-              <a:t> 0.00000000</a:t>
-            </a:r>
+              <a:t>   H,     1,  1.0078,  0.00000000,  1.76852012, -2.10238559</a:t>
+            </a:r>
+          </a:p>
+          <a:p>
             <a:r>
               <a:rPr lang="en-US" altLang="ja-JP" sz="1200" dirty="0">
                 <a:latin typeface="Courier" charset="0"/>
                 <a:ea typeface="Courier" charset="0"/>
                 <a:cs typeface="Courier" charset="0"/>
               </a:rPr>
-              <a:t>, </a:t>
-            </a:r>
-            <a:r>
-              <a:rPr lang="en-US" altLang="ja-JP" sz="1200" dirty="0" smtClean="0">
-                <a:latin typeface="Courier" charset="0"/>
-                <a:ea typeface="Courier" charset="0"/>
-                <a:cs typeface="Courier" charset="0"/>
-              </a:rPr>
-              <a:t>-1.00940804</a:t>
-            </a:r>
-          </a:p>
-          <a:p>
-            <a:r>
-              <a:rPr lang="en-US" altLang="ja-JP" sz="1200" dirty="0" smtClean="0">
-                <a:latin typeface="Courier" charset="0"/>
-                <a:ea typeface="Courier" charset="0"/>
-                <a:cs typeface="Courier" charset="0"/>
-              </a:rPr>
-              <a:t>   </a:t>
-            </a:r>
+              <a:t>   H,     1,  1.0078, -0.00000000, -1.76852012, -2.10238559</a:t>
+            </a:r>
+          </a:p>
+          <a:p>
             <a:r>
               <a:rPr lang="en-US" altLang="ja-JP" sz="1200" dirty="0">
                 <a:latin typeface="Courier" charset="0"/>
                 <a:ea typeface="Courier" charset="0"/>
                 <a:cs typeface="Courier" charset="0"/>
               </a:rPr>
-              <a:t>O,     8, </a:t>
-            </a:r>
-            <a:r>
-              <a:rPr lang="en-US" altLang="ja-JP" sz="1200" dirty="0" smtClean="0">
-                <a:latin typeface="Courier" charset="0"/>
-                <a:ea typeface="Courier" charset="0"/>
-                <a:cs typeface="Courier" charset="0"/>
-              </a:rPr>
-              <a:t>15.9949</a:t>
-            </a:r>
+              <a:t>146</a:t>
+            </a:r>
+          </a:p>
+          <a:p>
             <a:r>
               <a:rPr lang="en-US" altLang="ja-JP" sz="1200" dirty="0">
                 <a:latin typeface="Courier" charset="0"/>
                 <a:ea typeface="Courier" charset="0"/>
                 <a:cs typeface="Courier" charset="0"/>
               </a:rPr>
-              <a:t>, </a:t>
-            </a:r>
-            <a:r>
-              <a:rPr lang="en-US" altLang="ja-JP" sz="1200" dirty="0" smtClean="0">
-                <a:latin typeface="Courier" charset="0"/>
-                <a:ea typeface="Courier" charset="0"/>
-                <a:cs typeface="Courier" charset="0"/>
-              </a:rPr>
-              <a:t>-</a:t>
-            </a:r>
+              <a:t>  CG,     6, 12.0110, -4.64483751, 15.45444558, 10.32213350</a:t>
+            </a:r>
+          </a:p>
+          <a:p>
             <a:r>
               <a:rPr lang="en-US" altLang="ja-JP" sz="1200" dirty="0">
                 <a:latin typeface="Courier" charset="0"/>
                 <a:ea typeface="Courier" charset="0"/>
                 <a:cs typeface="Courier" charset="0"/>
               </a:rPr>
-              <a:t>0.00000000, </a:t>
-            </a:r>
-            <a:r>
-              <a:rPr lang="en-US" altLang="ja-JP" sz="1200" dirty="0" smtClean="0">
-                <a:latin typeface="Courier" charset="0"/>
-                <a:ea typeface="Courier" charset="0"/>
-                <a:cs typeface="Courier" charset="0"/>
-              </a:rPr>
-              <a:t>-</a:t>
-            </a:r>
+              <a:t> CD1,     6, 12.0110, -4.68245616, 13.36297734,  8.69397502</a:t>
+            </a:r>
+          </a:p>
+          <a:p>
             <a:r>
               <a:rPr lang="en-US" altLang="ja-JP" sz="1200" dirty="0">
                 <a:latin typeface="Courier" charset="0"/>
                 <a:ea typeface="Courier" charset="0"/>
                 <a:cs typeface="Courier" charset="0"/>
               </a:rPr>
-              <a:t>0.00000000, </a:t>
-            </a:r>
-            <a:r>
-              <a:rPr lang="en-US" altLang="ja-JP" sz="1200" dirty="0" smtClean="0">
-                <a:latin typeface="Courier" charset="0"/>
-                <a:ea typeface="Courier" charset="0"/>
-                <a:cs typeface="Courier" charset="0"/>
-              </a:rPr>
-              <a:t> 1.28265243</a:t>
-            </a:r>
-          </a:p>
-          <a:p>
-            <a:r>
-              <a:rPr lang="en-US" altLang="ja-JP" sz="1200" dirty="0" smtClean="0">
-                <a:latin typeface="Courier" charset="0"/>
-                <a:ea typeface="Courier" charset="0"/>
-                <a:cs typeface="Courier" charset="0"/>
-              </a:rPr>
-              <a:t>   </a:t>
-            </a:r>
-            <a:r>
-              <a:rPr lang="en-US" altLang="ja-JP" sz="1200" dirty="0">
-                <a:latin typeface="Courier" charset="0"/>
-                <a:ea typeface="Courier" charset="0"/>
-                <a:cs typeface="Courier" charset="0"/>
-              </a:rPr>
-              <a:t>H,     1, </a:t>
-            </a:r>
-            <a:r>
-              <a:rPr lang="en-US" altLang="ja-JP" sz="1200" dirty="0" smtClean="0">
-                <a:latin typeface="Courier" charset="0"/>
-                <a:ea typeface="Courier" charset="0"/>
-                <a:cs typeface="Courier" charset="0"/>
-              </a:rPr>
-              <a:t> 1.0078</a:t>
-            </a:r>
-            <a:r>
-              <a:rPr lang="en-US" altLang="ja-JP" sz="1200" dirty="0">
-                <a:latin typeface="Courier" charset="0"/>
-                <a:ea typeface="Courier" charset="0"/>
-                <a:cs typeface="Courier" charset="0"/>
-              </a:rPr>
-              <a:t>, </a:t>
-            </a:r>
-            <a:r>
-              <a:rPr lang="en-US" altLang="ja-JP" sz="1200" dirty="0" smtClean="0">
-                <a:latin typeface="Courier" charset="0"/>
-                <a:ea typeface="Courier" charset="0"/>
-                <a:cs typeface="Courier" charset="0"/>
-              </a:rPr>
-              <a:t> 0.00000000</a:t>
-            </a:r>
-            <a:r>
-              <a:rPr lang="en-US" altLang="ja-JP" sz="1200" dirty="0">
-                <a:latin typeface="Courier" charset="0"/>
-                <a:ea typeface="Courier" charset="0"/>
-                <a:cs typeface="Courier" charset="0"/>
-              </a:rPr>
-              <a:t>, </a:t>
-            </a:r>
-            <a:r>
-              <a:rPr lang="en-US" altLang="ja-JP" sz="1200" dirty="0" smtClean="0">
-                <a:latin typeface="Courier" charset="0"/>
-                <a:ea typeface="Courier" charset="0"/>
-                <a:cs typeface="Courier" charset="0"/>
-              </a:rPr>
-              <a:t> 1.76852012</a:t>
-            </a:r>
-            <a:r>
-              <a:rPr lang="en-US" altLang="ja-JP" sz="1200" dirty="0">
-                <a:latin typeface="Courier" charset="0"/>
-                <a:ea typeface="Courier" charset="0"/>
-                <a:cs typeface="Courier" charset="0"/>
-              </a:rPr>
-              <a:t>, </a:t>
-            </a:r>
-            <a:r>
-              <a:rPr lang="en-US" altLang="ja-JP" sz="1200" dirty="0" smtClean="0">
-                <a:latin typeface="Courier" charset="0"/>
-                <a:ea typeface="Courier" charset="0"/>
-                <a:cs typeface="Courier" charset="0"/>
-              </a:rPr>
-              <a:t>-2.10238559</a:t>
-            </a:r>
-          </a:p>
-          <a:p>
-            <a:r>
-              <a:rPr lang="en-US" altLang="ja-JP" sz="1200" dirty="0" smtClean="0">
-                <a:latin typeface="Courier" charset="0"/>
-                <a:ea typeface="Courier" charset="0"/>
-                <a:cs typeface="Courier" charset="0"/>
-              </a:rPr>
-              <a:t>   </a:t>
-            </a:r>
-            <a:r>
-              <a:rPr lang="en-US" altLang="ja-JP" sz="1200" dirty="0">
-                <a:latin typeface="Courier" charset="0"/>
-                <a:ea typeface="Courier" charset="0"/>
-                <a:cs typeface="Courier" charset="0"/>
-              </a:rPr>
-              <a:t>H,     1, </a:t>
-            </a:r>
-            <a:r>
-              <a:rPr lang="en-US" altLang="ja-JP" sz="1200" dirty="0" smtClean="0">
-                <a:latin typeface="Courier" charset="0"/>
-                <a:ea typeface="Courier" charset="0"/>
-                <a:cs typeface="Courier" charset="0"/>
-              </a:rPr>
-              <a:t> 1.0078</a:t>
-            </a:r>
-            <a:r>
-              <a:rPr lang="en-US" altLang="ja-JP" sz="1200" dirty="0">
-                <a:latin typeface="Courier" charset="0"/>
-                <a:ea typeface="Courier" charset="0"/>
-                <a:cs typeface="Courier" charset="0"/>
-              </a:rPr>
-              <a:t>, </a:t>
-            </a:r>
-            <a:r>
-              <a:rPr lang="en-US" altLang="ja-JP" sz="1200" dirty="0" smtClean="0">
-                <a:latin typeface="Courier" charset="0"/>
-                <a:ea typeface="Courier" charset="0"/>
-                <a:cs typeface="Courier" charset="0"/>
-              </a:rPr>
-              <a:t>-</a:t>
-            </a:r>
-            <a:r>
-              <a:rPr lang="en-US" altLang="ja-JP" sz="1200" dirty="0">
-                <a:latin typeface="Courier" charset="0"/>
-                <a:ea typeface="Courier" charset="0"/>
-                <a:cs typeface="Courier" charset="0"/>
-              </a:rPr>
-              <a:t>0.00000000, </a:t>
-            </a:r>
-            <a:r>
-              <a:rPr lang="en-US" altLang="ja-JP" sz="1200" dirty="0" smtClean="0">
-                <a:latin typeface="Courier" charset="0"/>
-                <a:ea typeface="Courier" charset="0"/>
-                <a:cs typeface="Courier" charset="0"/>
-              </a:rPr>
-              <a:t>-</a:t>
-            </a:r>
-            <a:r>
-              <a:rPr lang="en-US" altLang="ja-JP" sz="1200" dirty="0">
-                <a:latin typeface="Courier" charset="0"/>
-                <a:ea typeface="Courier" charset="0"/>
-                <a:cs typeface="Courier" charset="0"/>
-              </a:rPr>
-              <a:t>1.76852012, </a:t>
-            </a:r>
-            <a:r>
-              <a:rPr lang="en-US" altLang="ja-JP" sz="1200" dirty="0" smtClean="0">
-                <a:latin typeface="Courier" charset="0"/>
-                <a:ea typeface="Courier" charset="0"/>
-                <a:cs typeface="Courier" charset="0"/>
-              </a:rPr>
-              <a:t>-2.10238559</a:t>
-            </a:r>
-          </a:p>
-          <a:p>
-            <a:r>
-              <a:rPr lang="en-US" altLang="ja-JP" sz="1200" dirty="0" smtClean="0">
-                <a:latin typeface="Courier" charset="0"/>
-                <a:ea typeface="Courier" charset="0"/>
-                <a:cs typeface="Courier" charset="0"/>
-              </a:rPr>
-              <a:t>146</a:t>
-            </a:r>
-          </a:p>
-          <a:p>
-            <a:r>
-              <a:rPr lang="en-US" altLang="ja-JP" sz="1200" dirty="0" smtClean="0">
-                <a:latin typeface="Courier" charset="0"/>
-                <a:ea typeface="Courier" charset="0"/>
-                <a:cs typeface="Courier" charset="0"/>
-              </a:rPr>
-              <a:t>  </a:t>
-            </a:r>
-            <a:r>
-              <a:rPr lang="en-US" altLang="ja-JP" sz="1200" dirty="0">
-                <a:latin typeface="Courier" charset="0"/>
-                <a:ea typeface="Courier" charset="0"/>
-                <a:cs typeface="Courier" charset="0"/>
-              </a:rPr>
-              <a:t>CG,     6, </a:t>
-            </a:r>
-            <a:r>
-              <a:rPr lang="en-US" altLang="ja-JP" sz="1200" dirty="0" smtClean="0">
-                <a:latin typeface="Courier" charset="0"/>
-                <a:ea typeface="Courier" charset="0"/>
-                <a:cs typeface="Courier" charset="0"/>
-              </a:rPr>
-              <a:t>12.0110</a:t>
-            </a:r>
-            <a:r>
-              <a:rPr lang="en-US" altLang="ja-JP" sz="1200" dirty="0">
-                <a:latin typeface="Courier" charset="0"/>
-                <a:ea typeface="Courier" charset="0"/>
-                <a:cs typeface="Courier" charset="0"/>
-              </a:rPr>
-              <a:t>, </a:t>
-            </a:r>
-            <a:r>
-              <a:rPr lang="en-US" altLang="ja-JP" sz="1200" dirty="0" smtClean="0">
-                <a:latin typeface="Courier" charset="0"/>
-                <a:ea typeface="Courier" charset="0"/>
-                <a:cs typeface="Courier" charset="0"/>
-              </a:rPr>
-              <a:t>-</a:t>
-            </a:r>
-            <a:r>
-              <a:rPr lang="en-US" altLang="ja-JP" sz="1200" dirty="0">
-                <a:latin typeface="Courier" charset="0"/>
-                <a:ea typeface="Courier" charset="0"/>
-                <a:cs typeface="Courier" charset="0"/>
-              </a:rPr>
-              <a:t>4.64483751, </a:t>
-            </a:r>
-            <a:r>
-              <a:rPr lang="en-US" altLang="ja-JP" sz="1200" dirty="0" smtClean="0">
-                <a:latin typeface="Courier" charset="0"/>
-                <a:ea typeface="Courier" charset="0"/>
-                <a:cs typeface="Courier" charset="0"/>
-              </a:rPr>
-              <a:t>15.45444558, 10.32213350</a:t>
-            </a:r>
-          </a:p>
-          <a:p>
-            <a:r>
-              <a:rPr lang="en-US" altLang="ja-JP" sz="1200" dirty="0" smtClean="0">
-                <a:latin typeface="Courier" charset="0"/>
-                <a:ea typeface="Courier" charset="0"/>
-                <a:cs typeface="Courier" charset="0"/>
-              </a:rPr>
-              <a:t> </a:t>
-            </a:r>
-            <a:r>
-              <a:rPr lang="en-US" altLang="ja-JP" sz="1200" dirty="0">
-                <a:latin typeface="Courier" charset="0"/>
-                <a:ea typeface="Courier" charset="0"/>
-                <a:cs typeface="Courier" charset="0"/>
-              </a:rPr>
-              <a:t>CD1,     6, </a:t>
-            </a:r>
-            <a:r>
-              <a:rPr lang="en-US" altLang="ja-JP" sz="1200" dirty="0" smtClean="0">
-                <a:latin typeface="Courier" charset="0"/>
-                <a:ea typeface="Courier" charset="0"/>
-                <a:cs typeface="Courier" charset="0"/>
-              </a:rPr>
-              <a:t>12.0110</a:t>
-            </a:r>
-            <a:r>
-              <a:rPr lang="en-US" altLang="ja-JP" sz="1200" dirty="0">
-                <a:latin typeface="Courier" charset="0"/>
-                <a:ea typeface="Courier" charset="0"/>
-                <a:cs typeface="Courier" charset="0"/>
-              </a:rPr>
-              <a:t>, </a:t>
-            </a:r>
-            <a:r>
-              <a:rPr lang="en-US" altLang="ja-JP" sz="1200" dirty="0" smtClean="0">
-                <a:latin typeface="Courier" charset="0"/>
-                <a:ea typeface="Courier" charset="0"/>
-                <a:cs typeface="Courier" charset="0"/>
-              </a:rPr>
-              <a:t>-</a:t>
-            </a:r>
-            <a:r>
-              <a:rPr lang="en-US" altLang="ja-JP" sz="1200" dirty="0">
-                <a:latin typeface="Courier" charset="0"/>
-                <a:ea typeface="Courier" charset="0"/>
-                <a:cs typeface="Courier" charset="0"/>
-              </a:rPr>
-              <a:t>4.68245616, </a:t>
-            </a:r>
-            <a:r>
-              <a:rPr lang="en-US" altLang="ja-JP" sz="1200" dirty="0" smtClean="0">
-                <a:latin typeface="Courier" charset="0"/>
-                <a:ea typeface="Courier" charset="0"/>
-                <a:cs typeface="Courier" charset="0"/>
-              </a:rPr>
-              <a:t>13.36297734</a:t>
-            </a:r>
-            <a:r>
-              <a:rPr lang="en-US" altLang="ja-JP" sz="1200" dirty="0">
-                <a:latin typeface="Courier" charset="0"/>
-                <a:ea typeface="Courier" charset="0"/>
-                <a:cs typeface="Courier" charset="0"/>
-              </a:rPr>
-              <a:t>, </a:t>
-            </a:r>
-            <a:r>
-              <a:rPr lang="en-US" altLang="ja-JP" sz="1200" dirty="0" smtClean="0">
-                <a:latin typeface="Courier" charset="0"/>
-                <a:ea typeface="Courier" charset="0"/>
-                <a:cs typeface="Courier" charset="0"/>
-              </a:rPr>
-              <a:t> 8.69397502</a:t>
-            </a:r>
-          </a:p>
-          <a:p>
-            <a:r>
-              <a:rPr lang="en-US" altLang="ja-JP" sz="1200" dirty="0">
-                <a:latin typeface="Courier" charset="0"/>
-                <a:ea typeface="Courier" charset="0"/>
-                <a:cs typeface="Courier" charset="0"/>
-              </a:rPr>
-              <a:t> </a:t>
-            </a:r>
-            <a:r>
-              <a:rPr lang="en-US" altLang="ja-JP" sz="1200" dirty="0" smtClean="0">
-                <a:latin typeface="Courier" charset="0"/>
-                <a:ea typeface="Courier" charset="0"/>
-                <a:cs typeface="Courier" charset="0"/>
-              </a:rPr>
-              <a:t>  .</a:t>
+              <a:t>   .</a:t>
             </a:r>
           </a:p>
           <a:p>
@@ -4318,15 +3914,7 @@
                 <a:ea typeface="Courier" charset="0"/>
                 <a:cs typeface="Courier" charset="0"/>
               </a:rPr>
-              <a:t> </a:t>
-            </a:r>
-            <a:r>
-              <a:rPr kumimoji="1" lang="en-US" altLang="ja-JP" sz="1200" dirty="0" smtClean="0">
-                <a:latin typeface="Courier" charset="0"/>
-                <a:ea typeface="Courier" charset="0"/>
-                <a:cs typeface="Courier" charset="0"/>
-              </a:rPr>
-              <a:t>  .</a:t>
+              <a:t>   .</a:t>
             </a:r>
           </a:p>
           <a:p>
@@ -4361,7 +3949,7 @@
           <a:lstStyle/>
           <a:p>
             <a:r>
-              <a:rPr lang="en-US" altLang="ja-JP" sz="2400" u="sng" dirty="0" smtClean="0"/>
+              <a:rPr lang="en-US" altLang="ja-JP" sz="2400" u="sng" dirty="0"/>
               <a:t>[ Atomic Data ]</a:t>
             </a:r>
             <a:endParaRPr kumimoji="1" lang="ja-JP" altLang="en-US" sz="2400" u="sng" dirty="0"/>
@@ -4427,7 +4015,7 @@
           <a:lstStyle/>
           <a:p>
             <a:r>
-              <a:rPr kumimoji="1" lang="en-US" altLang="ja-JP" dirty="0" smtClean="0"/>
+              <a:rPr kumimoji="1" lang="en-US" altLang="ja-JP" dirty="0"/>
               <a:t># of atoms</a:t>
             </a:r>
             <a:endParaRPr kumimoji="1" lang="ja-JP" altLang="en-US" dirty="0"/>
@@ -4457,16 +4045,8 @@
           <a:lstStyle/>
           <a:p>
             <a:r>
-              <a:rPr lang="en-US" altLang="ja-JP" dirty="0" smtClean="0"/>
-              <a:t>Label</a:t>
-            </a:r>
-            <a:r>
               <a:rPr lang="en-US" altLang="ja-JP" dirty="0"/>
-              <a:t>, atomic number, mass, x, y, </a:t>
-            </a:r>
-            <a:r>
-              <a:rPr lang="en-US" altLang="ja-JP" dirty="0" smtClean="0"/>
-              <a:t>z</a:t>
+              <a:t>Label, atomic number, mass, x, y, z</a:t>
             </a:r>
             <a:endParaRPr lang="ja-JP" altLang="en-US" dirty="0"/>
           </a:p>
@@ -4613,21 +4193,21 @@
           <a:lstStyle/>
           <a:p>
             <a:r>
-              <a:rPr kumimoji="1" lang="en-US" altLang="ja-JP" dirty="0" smtClean="0"/>
+              <a:rPr kumimoji="1" lang="en-US" altLang="ja-JP" dirty="0"/>
               <a:t># </a:t>
             </a:r>
             <a:r>
-              <a:rPr kumimoji="1" lang="en-US" altLang="ja-JP" smtClean="0"/>
+              <a:rPr kumimoji="1" lang="en-US" altLang="ja-JP"/>
               <a:t>of </a:t>
             </a:r>
             <a:r>
-              <a:rPr lang="en-US" altLang="ja-JP" smtClean="0"/>
+              <a:rPr lang="en-US" altLang="ja-JP"/>
               <a:t>additional </a:t>
             </a:r>
           </a:p>
           <a:p>
             <a:r>
-              <a:rPr kumimoji="1" lang="en-US" altLang="ja-JP" dirty="0" smtClean="0"/>
+              <a:rPr kumimoji="1" lang="en-US" altLang="ja-JP" dirty="0"/>
               <a:t>atoms</a:t>
             </a:r>
             <a:endParaRPr kumimoji="1" lang="ja-JP" altLang="en-US" dirty="0"/>
@@ -4657,7 +4237,7 @@
           <a:lstStyle/>
           <a:p>
             <a:r>
-              <a:rPr kumimoji="1" lang="en-US" altLang="ja-JP" dirty="0" smtClean="0"/>
+              <a:rPr kumimoji="1" lang="en-US" altLang="ja-JP" dirty="0"/>
               <a:t>Mass in atomic mass unit.</a:t>
             </a:r>
             <a:endParaRPr kumimoji="1" lang="ja-JP" altLang="en-US" dirty="0"/>
@@ -4724,7 +4304,7 @@
           <a:lstStyle/>
           <a:p>
             <a:r>
-              <a:rPr kumimoji="1" lang="en-US" altLang="ja-JP" dirty="0" smtClean="0"/>
+              <a:rPr kumimoji="1" lang="en-US" altLang="ja-JP" dirty="0"/>
               <a:t>Additional atoms are visualized in the viewer as well. However, they are not counted for the data of the electronic and vibrational structure.</a:t>
             </a:r>
             <a:endParaRPr kumimoji="1" lang="ja-JP" altLang="en-US" dirty="0"/>
@@ -4784,7 +4364,7 @@
           <a:lstStyle/>
           <a:p>
             <a:r>
-              <a:rPr lang="en-US" altLang="ja-JP" sz="2400" u="sng" dirty="0" smtClean="0"/>
+              <a:rPr lang="en-US" altLang="ja-JP" sz="2400" u="sng" dirty="0"/>
               <a:t>[ Electronic Data ]</a:t>
             </a:r>
             <a:endParaRPr kumimoji="1" lang="ja-JP" altLang="en-US" sz="2400" u="sng" dirty="0"/>
@@ -4824,20 +4404,12 @@
                 <a:ea typeface="Courier" charset="0"/>
                 <a:cs typeface="Courier" charset="0"/>
               </a:rPr>
-              <a:t>[ Electronic Data </a:t>
-            </a:r>
-            <a:r>
-              <a:rPr lang="en-US" altLang="ja-JP" sz="1200" dirty="0" smtClean="0">
-                <a:latin typeface="Courier" charset="0"/>
-                <a:ea typeface="Courier" charset="0"/>
-                <a:cs typeface="Courier" charset="0"/>
-              </a:rPr>
-              <a:t>]</a:t>
-            </a:r>
-          </a:p>
-          <a:p>
-            <a:r>
-              <a:rPr lang="en-US" altLang="ja-JP" sz="1200" dirty="0" smtClean="0">
+              <a:t>[ Electronic Data ]</a:t>
+            </a:r>
+          </a:p>
+          <a:p>
+            <a:r>
+              <a:rPr lang="en-US" altLang="ja-JP" sz="1200" dirty="0">
                 <a:latin typeface="Courier" charset="0"/>
                 <a:ea typeface="Courier" charset="0"/>
                 <a:cs typeface="Courier" charset="0"/>
@@ -4847,7 +4419,7 @@
           </a:p>
           <a:p>
             <a:r>
-              <a:rPr lang="en-US" altLang="ja-JP" sz="1200" dirty="0" smtClean="0">
+              <a:rPr lang="en-US" altLang="ja-JP" sz="1200" dirty="0">
                 <a:latin typeface="Courier" charset="0"/>
                 <a:ea typeface="Courier" charset="0"/>
                 <a:cs typeface="Courier" charset="0"/>
@@ -4857,7 +4429,7 @@
           </a:p>
           <a:p>
             <a:r>
-              <a:rPr lang="en-US" altLang="ja-JP" sz="1200" dirty="0" smtClean="0">
+              <a:rPr lang="en-US" altLang="ja-JP" sz="1200" dirty="0">
                 <a:latin typeface="Courier" charset="0"/>
                 <a:ea typeface="Courier" charset="0"/>
                 <a:cs typeface="Courier" charset="0"/>
@@ -4867,7 +4439,7 @@
           </a:p>
           <a:p>
             <a:r>
-              <a:rPr lang="en-US" altLang="ja-JP" sz="1200" dirty="0" smtClean="0">
+              <a:rPr lang="en-US" altLang="ja-JP" sz="1200" dirty="0">
                 <a:latin typeface="Courier" charset="0"/>
                 <a:ea typeface="Courier" charset="0"/>
                 <a:cs typeface="Courier" charset="0"/>
@@ -4877,7 +4449,7 @@
           </a:p>
           <a:p>
             <a:r>
-              <a:rPr lang="en-US" altLang="ja-JP" sz="1200" dirty="0" smtClean="0">
+              <a:rPr lang="en-US" altLang="ja-JP" sz="1200" dirty="0">
                 <a:latin typeface="Courier" charset="0"/>
                 <a:ea typeface="Courier" charset="0"/>
                 <a:cs typeface="Courier" charset="0"/>
@@ -4887,7 +4459,7 @@
           </a:p>
           <a:p>
             <a:r>
-              <a:rPr lang="en-US" altLang="ja-JP" sz="1200" dirty="0" smtClean="0">
+              <a:rPr lang="en-US" altLang="ja-JP" sz="1200" dirty="0">
                 <a:latin typeface="Courier" charset="0"/>
                 <a:ea typeface="Courier" charset="0"/>
                 <a:cs typeface="Courier" charset="0"/>
@@ -4920,7 +4492,7 @@
           <a:lstStyle/>
           <a:p>
             <a:r>
-              <a:rPr kumimoji="1" lang="en-US" altLang="ja-JP" dirty="0" smtClean="0"/>
+              <a:rPr kumimoji="1" lang="en-US" altLang="ja-JP" dirty="0"/>
               <a:t>This section stores the data of electronic structure calculation. </a:t>
             </a:r>
             <a:endParaRPr kumimoji="1" lang="ja-JP" altLang="en-US" dirty="0"/>
@@ -4950,7 +4522,7 @@
           <a:lstStyle/>
           <a:p>
             <a:r>
-              <a:rPr kumimoji="1" lang="en-US" altLang="ja-JP" dirty="0" smtClean="0"/>
+              <a:rPr kumimoji="1" lang="en-US" altLang="ja-JP" dirty="0"/>
               <a:t>Lower half of Hessian: </a:t>
             </a:r>
           </a:p>
@@ -5021,7 +4593,7 @@
           <a:lstStyle/>
           <a:p>
             <a:r>
-              <a:rPr lang="en-US" altLang="ja-JP" sz="1050" dirty="0" smtClean="0">
+              <a:rPr lang="en-US" altLang="ja-JP" sz="1050" dirty="0">
                 <a:latin typeface="Courier" charset="0"/>
                 <a:ea typeface="Courier" charset="0"/>
                 <a:cs typeface="Courier" charset="0"/>
@@ -5031,7 +4603,7 @@
           </a:p>
           <a:p>
             <a:r>
-              <a:rPr lang="en-US" altLang="ja-JP" sz="1050" dirty="0" smtClean="0">
+              <a:rPr lang="en-US" altLang="ja-JP" sz="1050" dirty="0">
                 <a:latin typeface="Courier" charset="0"/>
                 <a:ea typeface="Courier" charset="0"/>
                 <a:cs typeface="Courier" charset="0"/>
@@ -5041,85 +4613,37 @@
           </a:p>
           <a:p>
             <a:r>
-              <a:rPr lang="en-US" altLang="ja-JP" sz="1050" dirty="0" smtClean="0">
-                <a:latin typeface="Courier" charset="0"/>
-                <a:ea typeface="Courier" charset="0"/>
-                <a:cs typeface="Courier" charset="0"/>
-              </a:rPr>
-              <a:t> </a:t>
-            </a:r>
-            <a:r>
               <a:rPr lang="en-US" altLang="ja-JP" sz="1050" dirty="0">
                 <a:latin typeface="Courier" charset="0"/>
                 <a:ea typeface="Courier" charset="0"/>
                 <a:cs typeface="Courier" charset="0"/>
               </a:rPr>
-              <a:t>6.08238873e-16, -1.23521925e-15,  8.72713047e-06,  2.96292226e-16,  </a:t>
-            </a:r>
-            <a:r>
-              <a:rPr lang="en-US" altLang="ja-JP" sz="1050" dirty="0" smtClean="0">
-                <a:latin typeface="Courier" charset="0"/>
-                <a:ea typeface="Courier" charset="0"/>
-                <a:cs typeface="Courier" charset="0"/>
-              </a:rPr>
-              <a:t>2.61768319e-17</a:t>
-            </a:r>
-          </a:p>
-          <a:p>
-            <a:r>
-              <a:rPr lang="en-US" altLang="ja-JP" sz="1050" dirty="0" smtClean="0">
-                <a:latin typeface="Courier" charset="0"/>
-                <a:ea typeface="Courier" charset="0"/>
-                <a:cs typeface="Courier" charset="0"/>
-              </a:rPr>
-              <a:t> </a:t>
-            </a:r>
+              <a:t> 6.08238873e-16, -1.23521925e-15,  8.72713047e-06,  2.96292226e-16,  2.61768319e-17</a:t>
+            </a:r>
+          </a:p>
+          <a:p>
             <a:r>
               <a:rPr lang="en-US" altLang="ja-JP" sz="1050" dirty="0">
                 <a:latin typeface="Courier" charset="0"/>
                 <a:ea typeface="Courier" charset="0"/>
                 <a:cs typeface="Courier" charset="0"/>
               </a:rPr>
-              <a:t>4.62326833e-05,  6.56879380e-17, -3.98085885e-05, -2.74799069e-05, -</a:t>
-            </a:r>
-            <a:r>
-              <a:rPr lang="en-US" altLang="ja-JP" sz="1050" dirty="0" smtClean="0">
-                <a:latin typeface="Courier" charset="0"/>
-                <a:ea typeface="Courier" charset="0"/>
-                <a:cs typeface="Courier" charset="0"/>
-              </a:rPr>
-              <a:t>9.70219037e-16</a:t>
-            </a:r>
-          </a:p>
-          <a:p>
-            <a:r>
-              <a:rPr lang="en-US" altLang="ja-JP" sz="1050" dirty="0" smtClean="0">
-                <a:latin typeface="Courier" charset="0"/>
-                <a:ea typeface="Courier" charset="0"/>
-                <a:cs typeface="Courier" charset="0"/>
-              </a:rPr>
-              <a:t> </a:t>
-            </a:r>
+              <a:t> 4.62326833e-05,  6.56879380e-17, -3.98085885e-05, -2.74799069e-05, -9.70219037e-16</a:t>
+            </a:r>
+          </a:p>
+          <a:p>
             <a:r>
               <a:rPr lang="en-US" altLang="ja-JP" sz="1050" dirty="0">
                 <a:latin typeface="Courier" charset="0"/>
                 <a:ea typeface="Courier" charset="0"/>
                 <a:cs typeface="Courier" charset="0"/>
               </a:rPr>
-              <a:t>3.98085885e-05, -</a:t>
-            </a:r>
-            <a:r>
-              <a:rPr lang="en-US" altLang="ja-JP" sz="1050" dirty="0" smtClean="0">
-                <a:latin typeface="Courier" charset="0"/>
-                <a:ea typeface="Courier" charset="0"/>
-                <a:cs typeface="Courier" charset="0"/>
-              </a:rPr>
-              <a:t>2.74799069e-05</a:t>
-            </a:r>
-          </a:p>
-          <a:p>
-            <a:r>
-              <a:rPr lang="en-US" altLang="ja-JP" sz="1050" dirty="0" smtClean="0">
+              <a:t> 3.98085885e-05, -2.74799069e-05</a:t>
+            </a:r>
+          </a:p>
+          <a:p>
+            <a:r>
+              <a:rPr lang="en-US" altLang="ja-JP" sz="1050" dirty="0">
                 <a:latin typeface="Courier" charset="0"/>
                 <a:ea typeface="Courier" charset="0"/>
                 <a:cs typeface="Courier" charset="0"/>
@@ -5129,7 +4653,7 @@
           </a:p>
           <a:p>
             <a:r>
-              <a:rPr lang="en-US" altLang="ja-JP" sz="1050" dirty="0" smtClean="0">
+              <a:rPr lang="en-US" altLang="ja-JP" sz="1050" dirty="0">
                 <a:latin typeface="Courier" charset="0"/>
                 <a:ea typeface="Courier" charset="0"/>
                 <a:cs typeface="Courier" charset="0"/>
@@ -5139,59 +4663,27 @@
           </a:p>
           <a:p>
             <a:r>
-              <a:rPr lang="en-US" altLang="ja-JP" sz="1050" dirty="0" smtClean="0">
-                <a:latin typeface="Courier" charset="0"/>
-                <a:ea typeface="Courier" charset="0"/>
-                <a:cs typeface="Courier" charset="0"/>
-              </a:rPr>
-              <a:t>1.70832787e-01</a:t>
-            </a:r>
-            <a:r>
               <a:rPr lang="en-US" altLang="ja-JP" sz="1050" dirty="0">
                 <a:latin typeface="Courier" charset="0"/>
                 <a:ea typeface="Courier" charset="0"/>
                 <a:cs typeface="Courier" charset="0"/>
               </a:rPr>
-              <a:t>, -1.58970728e-15,  6.08420051e-01, -8.70846734e-16,  </a:t>
-            </a:r>
-            <a:r>
-              <a:rPr lang="en-US" altLang="ja-JP" sz="1050" dirty="0" smtClean="0">
-                <a:latin typeface="Courier" charset="0"/>
-                <a:ea typeface="Courier" charset="0"/>
-                <a:cs typeface="Courier" charset="0"/>
-              </a:rPr>
-              <a:t>5.25585008e-13</a:t>
-            </a:r>
-          </a:p>
-          <a:p>
-            <a:r>
-              <a:rPr lang="en-US" altLang="ja-JP" sz="1050" dirty="0" smtClean="0">
-                <a:latin typeface="Courier" charset="0"/>
-                <a:ea typeface="Courier" charset="0"/>
-                <a:cs typeface="Courier" charset="0"/>
-              </a:rPr>
-              <a:t>9.34223231e-01</a:t>
-            </a:r>
+              <a:t>1.70832787e-01, -1.58970728e-15,  6.08420051e-01, -8.70846734e-16,  5.25585008e-13</a:t>
+            </a:r>
+          </a:p>
+          <a:p>
             <a:r>
               <a:rPr lang="en-US" altLang="ja-JP" sz="1050" dirty="0">
                 <a:latin typeface="Courier" charset="0"/>
                 <a:ea typeface="Courier" charset="0"/>
                 <a:cs typeface="Courier" charset="0"/>
               </a:rPr>
-              <a:t>, -5.51567063e-02,  9.21940113e-18, -6.78757444e-17,  </a:t>
-            </a:r>
-            <a:r>
-              <a:rPr lang="en-US" altLang="ja-JP" sz="1050" dirty="0" smtClean="0">
-                <a:latin typeface="Courier" charset="0"/>
-                <a:ea typeface="Courier" charset="0"/>
-                <a:cs typeface="Courier" charset="0"/>
-              </a:rPr>
-              <a:t>1.78229593e-02</a:t>
-            </a:r>
-          </a:p>
-          <a:p>
-            <a:r>
-              <a:rPr lang="en-US" altLang="ja-JP" sz="1050" dirty="0" smtClean="0">
+              <a:t>9.34223231e-01, -5.51567063e-02,  9.21940113e-18, -6.78757444e-17,  1.78229593e-02</a:t>
+            </a:r>
+          </a:p>
+          <a:p>
+            <a:r>
+              <a:rPr lang="en-US" altLang="ja-JP" sz="1050" dirty="0">
                 <a:latin typeface="Courier" charset="0"/>
                 <a:ea typeface="Courier" charset="0"/>
                 <a:cs typeface="Courier" charset="0"/>
@@ -5201,7 +4693,7 @@
           </a:p>
           <a:p>
             <a:r>
-              <a:rPr lang="en-US" altLang="ja-JP" sz="1050" dirty="0" smtClean="0">
+              <a:rPr lang="en-US" altLang="ja-JP" sz="1050" dirty="0">
                 <a:latin typeface="Courier" charset="0"/>
                 <a:ea typeface="Courier" charset="0"/>
                 <a:cs typeface="Courier" charset="0"/>
@@ -5270,7 +4762,7 @@
           <a:lstStyle/>
           <a:p>
             <a:r>
-              <a:rPr lang="en-US" altLang="ja-JP" dirty="0" smtClean="0"/>
+              <a:rPr lang="en-US" altLang="ja-JP" dirty="0"/>
               <a:t>Total Energy</a:t>
             </a:r>
             <a:endParaRPr kumimoji="1" lang="ja-JP" altLang="en-US" dirty="0"/>
@@ -5307,7 +4799,7 @@
           <a:lstStyle/>
           <a:p>
             <a:r>
-              <a:rPr kumimoji="1" lang="en-US" altLang="ja-JP" smtClean="0"/>
+              <a:rPr kumimoji="1" lang="en-US" altLang="ja-JP"/>
               <a:t>4x3</a:t>
             </a:r>
             <a:endParaRPr kumimoji="1" lang="ja-JP" altLang="en-US" dirty="0"/>
@@ -5380,7 +4872,7 @@
           <a:lstStyle/>
           <a:p>
             <a:r>
-              <a:rPr kumimoji="1" lang="en-US" altLang="ja-JP" smtClean="0"/>
+              <a:rPr kumimoji="1" lang="en-US" altLang="ja-JP"/>
               <a:t>12x13/2</a:t>
             </a:r>
             <a:endParaRPr kumimoji="1" lang="ja-JP" altLang="en-US" dirty="0"/>
@@ -5446,17 +4938,17 @@
           <a:lstStyle/>
           <a:p>
             <a:r>
-              <a:rPr kumimoji="1" lang="en-US" altLang="ja-JP" smtClean="0"/>
+              <a:rPr kumimoji="1" lang="en-US" altLang="ja-JP"/>
               <a:t>h11</a:t>
             </a:r>
             <a:r>
-              <a:rPr kumimoji="1" lang="en-US" altLang="ja-JP" dirty="0" smtClean="0"/>
+              <a:rPr kumimoji="1" lang="en-US" altLang="ja-JP" dirty="0"/>
               <a:t>, h21, h22, h31, h32, </a:t>
             </a:r>
           </a:p>
           <a:p>
             <a:r>
-              <a:rPr kumimoji="1" lang="en-US" altLang="ja-JP" dirty="0" smtClean="0"/>
+              <a:rPr kumimoji="1" lang="en-US" altLang="ja-JP" dirty="0"/>
               <a:t>h33, …</a:t>
             </a:r>
             <a:endParaRPr kumimoji="1" lang="ja-JP" altLang="en-US" dirty="0"/>
@@ -5572,7 +5064,7 @@
           <a:lstStyle/>
           <a:p>
             <a:r>
-              <a:rPr kumimoji="1" lang="en-US" altLang="ja-JP" smtClean="0"/>
+              <a:rPr kumimoji="1" lang="en-US" altLang="ja-JP"/>
               <a:t>Gradient</a:t>
             </a:r>
             <a:endParaRPr kumimoji="1" lang="ja-JP" altLang="en-US" dirty="0"/>
@@ -5602,7 +5094,7 @@
           <a:lstStyle/>
           <a:p>
             <a:r>
-              <a:rPr kumimoji="1" lang="en-US" altLang="ja-JP" smtClean="0"/>
+              <a:rPr kumimoji="1" lang="en-US" altLang="ja-JP"/>
               <a:t>Hessian</a:t>
             </a:r>
             <a:endParaRPr kumimoji="1" lang="ja-JP" altLang="en-US" dirty="0"/>
@@ -5667,7 +5159,7 @@
           <a:lstStyle/>
           <a:p>
             <a:r>
-              <a:rPr lang="en-US" altLang="ja-JP" sz="1050" dirty="0" smtClean="0">
+              <a:rPr lang="en-US" altLang="ja-JP" sz="1050" dirty="0">
                 <a:latin typeface="Courier" charset="0"/>
                 <a:ea typeface="Courier" charset="0"/>
                 <a:cs typeface="Courier" charset="0"/>
@@ -5677,7 +5169,7 @@
           </a:p>
           <a:p>
             <a:r>
-              <a:rPr lang="en-US" altLang="ja-JP" sz="1050" dirty="0" smtClean="0">
+              <a:rPr lang="en-US" altLang="ja-JP" sz="1050" dirty="0">
                 <a:latin typeface="Courier" charset="0"/>
                 <a:ea typeface="Courier" charset="0"/>
                 <a:cs typeface="Courier" charset="0"/>
@@ -5687,33 +5179,17 @@
           </a:p>
           <a:p>
             <a:r>
-              <a:rPr lang="en-US" altLang="ja-JP" sz="1050" dirty="0" smtClean="0">
-                <a:latin typeface="Courier" charset="0"/>
-                <a:ea typeface="Courier" charset="0"/>
-                <a:cs typeface="Courier" charset="0"/>
-              </a:rPr>
-              <a:t>-6.37682076e-17</a:t>
-            </a:r>
-            <a:r>
               <a:rPr lang="en-US" altLang="ja-JP" sz="1050" dirty="0">
                 <a:latin typeface="Courier" charset="0"/>
                 <a:ea typeface="Courier" charset="0"/>
                 <a:cs typeface="Courier" charset="0"/>
               </a:rPr>
-              <a:t>, -4.43373891e-16, -</a:t>
-            </a:r>
-            <a:r>
-              <a:rPr lang="en-US" altLang="ja-JP" sz="1050" dirty="0" smtClean="0">
-                <a:latin typeface="Courier" charset="0"/>
-                <a:ea typeface="Courier" charset="0"/>
-                <a:cs typeface="Courier" charset="0"/>
-              </a:rPr>
-              <a:t>9.43652021e-01</a:t>
-            </a:r>
-          </a:p>
-          <a:p>
-            <a:r>
-              <a:rPr lang="en-US" altLang="ja-JP" sz="1050" dirty="0" smtClean="0">
+              <a:t>-6.37682076e-17, -4.43373891e-16, -9.43652021e-01</a:t>
+            </a:r>
+          </a:p>
+          <a:p>
+            <a:r>
+              <a:rPr lang="en-US" altLang="ja-JP" sz="1050" dirty="0">
                 <a:latin typeface="Courier" charset="0"/>
                 <a:ea typeface="Courier" charset="0"/>
                 <a:cs typeface="Courier" charset="0"/>
@@ -5723,7 +5199,7 @@
           </a:p>
           <a:p>
             <a:r>
-              <a:rPr lang="en-US" altLang="ja-JP" sz="1050" dirty="0" smtClean="0">
+              <a:rPr lang="en-US" altLang="ja-JP" sz="1050" dirty="0">
                 <a:latin typeface="Courier" charset="0"/>
                 <a:ea typeface="Courier" charset="0"/>
                 <a:cs typeface="Courier" charset="0"/>
@@ -5733,33 +5209,17 @@
           </a:p>
           <a:p>
             <a:r>
-              <a:rPr lang="en-US" altLang="ja-JP" sz="1050" dirty="0" smtClean="0">
-                <a:latin typeface="Courier" charset="0"/>
-                <a:ea typeface="Courier" charset="0"/>
-                <a:cs typeface="Courier" charset="0"/>
-              </a:rPr>
-              <a:t> </a:t>
-            </a:r>
-            <a:r>
               <a:rPr lang="en-US" altLang="ja-JP" sz="1050" dirty="0">
                 <a:latin typeface="Courier" charset="0"/>
                 <a:ea typeface="Courier" charset="0"/>
                 <a:cs typeface="Courier" charset="0"/>
               </a:rPr>
-              <a:t>1.29463446e+01,  2.76306294e-16,  1.76999249e+01,  1.97531367e-16, -</a:t>
-            </a:r>
-            <a:r>
-              <a:rPr lang="en-US" altLang="ja-JP" sz="1050" dirty="0" smtClean="0">
-                <a:latin typeface="Courier" charset="0"/>
-                <a:ea typeface="Courier" charset="0"/>
-                <a:cs typeface="Courier" charset="0"/>
-              </a:rPr>
-              <a:t>7.91415445e-15</a:t>
-            </a:r>
-          </a:p>
-          <a:p>
-            <a:r>
-              <a:rPr lang="en-US" altLang="ja-JP" sz="1050" dirty="0" smtClean="0">
+              <a:t> 1.29463446e+01,  2.76306294e-16,  1.76999249e+01,  1.97531367e-16, -7.91415445e-15</a:t>
+            </a:r>
+          </a:p>
+          <a:p>
+            <a:r>
+              <a:rPr lang="en-US" altLang="ja-JP" sz="1050" dirty="0">
                 <a:latin typeface="Courier" charset="0"/>
                 <a:ea typeface="Courier" charset="0"/>
                 <a:cs typeface="Courier" charset="0"/>
@@ -5769,7 +5229,7 @@
           </a:p>
           <a:p>
             <a:r>
-              <a:rPr lang="en-US" altLang="ja-JP" sz="1050" dirty="0" smtClean="0">
+              <a:rPr lang="en-US" altLang="ja-JP" sz="1050" dirty="0">
                 <a:latin typeface="Courier" charset="0"/>
                 <a:ea typeface="Courier" charset="0"/>
                 <a:cs typeface="Courier" charset="0"/>
@@ -5779,7 +5239,7 @@
           </a:p>
           <a:p>
             <a:r>
-              <a:rPr lang="en-US" altLang="ja-JP" sz="1050" dirty="0" smtClean="0">
+              <a:rPr lang="en-US" altLang="ja-JP" sz="1050" dirty="0">
                 <a:latin typeface="Courier" charset="0"/>
                 <a:ea typeface="Courier" charset="0"/>
                 <a:cs typeface="Courier" charset="0"/>
@@ -5789,59 +5249,27 @@
           </a:p>
           <a:p>
             <a:r>
-              <a:rPr lang="en-US" altLang="ja-JP" sz="1050" dirty="0" smtClean="0">
-                <a:latin typeface="Courier" charset="0"/>
-                <a:ea typeface="Courier" charset="0"/>
-                <a:cs typeface="Courier" charset="0"/>
-              </a:rPr>
-              <a:t> </a:t>
-            </a:r>
-            <a:r>
               <a:rPr lang="en-US" altLang="ja-JP" sz="1050" dirty="0">
                 <a:latin typeface="Courier" charset="0"/>
                 <a:ea typeface="Courier" charset="0"/>
                 <a:cs typeface="Courier" charset="0"/>
               </a:rPr>
-              <a:t>1.26598783e-01,  7.23656891e-16, -3.15167754e-18, -7.52954113e-16,  </a:t>
-            </a:r>
-            <a:r>
-              <a:rPr lang="en-US" altLang="ja-JP" sz="1050" dirty="0" smtClean="0">
-                <a:latin typeface="Courier" charset="0"/>
-                <a:ea typeface="Courier" charset="0"/>
-                <a:cs typeface="Courier" charset="0"/>
-              </a:rPr>
-              <a:t>7.41115904e-01</a:t>
-            </a:r>
-          </a:p>
-          <a:p>
-            <a:r>
-              <a:rPr lang="en-US" altLang="ja-JP" sz="1050" dirty="0" smtClean="0">
-                <a:latin typeface="Courier" charset="0"/>
-                <a:ea typeface="Courier" charset="0"/>
-                <a:cs typeface="Courier" charset="0"/>
-              </a:rPr>
-              <a:t> </a:t>
-            </a:r>
+              <a:t> 1.26598783e-01,  7.23656891e-16, -3.15167754e-18, -7.52954113e-16,  7.41115904e-01</a:t>
+            </a:r>
+          </a:p>
+          <a:p>
             <a:r>
               <a:rPr lang="en-US" altLang="ja-JP" sz="1050" dirty="0">
                 <a:latin typeface="Courier" charset="0"/>
                 <a:ea typeface="Courier" charset="0"/>
                 <a:cs typeface="Courier" charset="0"/>
               </a:rPr>
-              <a:t>1.08317036e-13, -1.12642811e-15,  7.36576072e-14,  8.86128593e-01, -</a:t>
-            </a:r>
-            <a:r>
-              <a:rPr lang="en-US" altLang="ja-JP" sz="1050" dirty="0" smtClean="0">
-                <a:latin typeface="Courier" charset="0"/>
-                <a:ea typeface="Courier" charset="0"/>
-                <a:cs typeface="Courier" charset="0"/>
-              </a:rPr>
-              <a:t>3.19648292e-01</a:t>
-            </a:r>
-          </a:p>
-          <a:p>
-            <a:r>
-              <a:rPr lang="en-US" altLang="ja-JP" sz="1050" dirty="0" smtClean="0">
+              <a:t> 1.08317036e-13, -1.12642811e-15,  7.36576072e-14,  8.86128593e-01, -3.19648292e-01</a:t>
+            </a:r>
+          </a:p>
+          <a:p>
+            <a:r>
+              <a:rPr lang="en-US" altLang="ja-JP" sz="1050" dirty="0">
                 <a:latin typeface="Courier" charset="0"/>
                 <a:ea typeface="Courier" charset="0"/>
                 <a:cs typeface="Courier" charset="0"/>
@@ -5851,7 +5279,7 @@
           </a:p>
           <a:p>
             <a:r>
-              <a:rPr lang="en-US" altLang="ja-JP" sz="1050" dirty="0" smtClean="0">
+              <a:rPr lang="en-US" altLang="ja-JP" sz="1050" dirty="0">
                 <a:latin typeface="Courier" charset="0"/>
                 <a:ea typeface="Courier" charset="0"/>
                 <a:cs typeface="Courier" charset="0"/>
@@ -5891,45 +5319,45 @@
           <a:lstStyle/>
           <a:p>
             <a:r>
-              <a:rPr lang="en-US" altLang="ja-JP" dirty="0" smtClean="0"/>
+              <a:rPr lang="en-US" altLang="ja-JP" dirty="0"/>
               <a:t>xx, </a:t>
             </a:r>
             <a:r>
-              <a:rPr lang="en-US" altLang="ja-JP" dirty="0" err="1" smtClean="0"/>
+              <a:rPr lang="en-US" altLang="ja-JP" dirty="0" err="1"/>
               <a:t>xy</a:t>
             </a:r>
             <a:r>
-              <a:rPr lang="en-US" altLang="ja-JP" dirty="0" smtClean="0"/>
+              <a:rPr lang="en-US" altLang="ja-JP" dirty="0"/>
               <a:t>, </a:t>
             </a:r>
             <a:r>
-              <a:rPr lang="en-US" altLang="ja-JP" dirty="0" err="1" smtClean="0"/>
+              <a:rPr lang="en-US" altLang="ja-JP" dirty="0" err="1"/>
               <a:t>yy</a:t>
             </a:r>
             <a:r>
-              <a:rPr lang="en-US" altLang="ja-JP" dirty="0" smtClean="0"/>
+              <a:rPr lang="en-US" altLang="ja-JP" dirty="0"/>
               <a:t>, </a:t>
             </a:r>
             <a:r>
-              <a:rPr lang="en-US" altLang="ja-JP" dirty="0" err="1" smtClean="0"/>
+              <a:rPr lang="en-US" altLang="ja-JP" dirty="0" err="1"/>
               <a:t>xz</a:t>
             </a:r>
             <a:r>
-              <a:rPr lang="en-US" altLang="ja-JP" dirty="0" smtClean="0"/>
+              <a:rPr lang="en-US" altLang="ja-JP" dirty="0"/>
               <a:t>, </a:t>
             </a:r>
             <a:r>
-              <a:rPr lang="en-US" altLang="ja-JP" dirty="0" err="1" smtClean="0"/>
+              <a:rPr lang="en-US" altLang="ja-JP" dirty="0" err="1"/>
               <a:t>yz</a:t>
             </a:r>
             <a:r>
-              <a:rPr lang="en-US" altLang="ja-JP" dirty="0" smtClean="0"/>
+              <a:rPr lang="en-US" altLang="ja-JP" dirty="0"/>
               <a:t>, </a:t>
             </a:r>
           </a:p>
           <a:p>
             <a:r>
-              <a:rPr lang="en-US" altLang="ja-JP" dirty="0" err="1" smtClean="0"/>
+              <a:rPr lang="en-US" altLang="ja-JP" dirty="0" err="1"/>
               <a:t>zz</a:t>
             </a:r>
             <a:endParaRPr lang="en-US" altLang="ja-JP" dirty="0"/>
@@ -5964,60 +5392,55 @@
           <a:lstStyle/>
           <a:p>
             <a:r>
-              <a:rPr lang="fr-FR" altLang="ja-JP" dirty="0" err="1" smtClean="0"/>
+              <a:rPr lang="fr-FR" altLang="ja-JP" dirty="0" err="1"/>
               <a:t>ux</a:t>
             </a:r>
             <a:r>
-              <a:rPr lang="fr-FR" altLang="ja-JP" dirty="0" smtClean="0"/>
+              <a:rPr lang="fr-FR" altLang="ja-JP" dirty="0"/>
               <a:t>/x1, </a:t>
             </a:r>
             <a:r>
-              <a:rPr lang="fr-FR" altLang="ja-JP" dirty="0" err="1" smtClean="0"/>
+              <a:rPr lang="fr-FR" altLang="ja-JP" dirty="0" err="1"/>
               <a:t>uy</a:t>
             </a:r>
             <a:r>
-              <a:rPr lang="fr-FR" altLang="ja-JP" dirty="0" smtClean="0"/>
+              <a:rPr lang="fr-FR" altLang="ja-JP" dirty="0"/>
               <a:t>/x1, </a:t>
             </a:r>
             <a:r>
-              <a:rPr lang="fr-FR" altLang="ja-JP" dirty="0" err="1" smtClean="0"/>
+              <a:rPr lang="fr-FR" altLang="ja-JP" dirty="0" err="1"/>
               <a:t>uz</a:t>
             </a:r>
             <a:r>
-              <a:rPr lang="fr-FR" altLang="ja-JP" dirty="0" smtClean="0"/>
-              <a:t>/x1</a:t>
-            </a:r>
-            <a:r>
               <a:rPr lang="fr-FR" altLang="ja-JP" dirty="0"/>
-              <a:t>, </a:t>
-            </a:r>
-            <a:r>
-              <a:rPr lang="fr-FR" altLang="ja-JP" dirty="0" err="1" smtClean="0"/>
+              <a:t>/x1, </a:t>
+            </a:r>
+            <a:r>
+              <a:rPr lang="fr-FR" altLang="ja-JP" dirty="0" err="1"/>
               <a:t>ux</a:t>
             </a:r>
             <a:r>
-              <a:rPr lang="fr-FR" altLang="ja-JP" dirty="0" smtClean="0"/>
+              <a:rPr lang="fr-FR" altLang="ja-JP" dirty="0"/>
               <a:t>/y1, </a:t>
             </a:r>
             <a:r>
-              <a:rPr lang="fr-FR" altLang="ja-JP" dirty="0" err="1" smtClean="0"/>
+              <a:rPr lang="fr-FR" altLang="ja-JP" dirty="0" err="1"/>
               <a:t>uy</a:t>
             </a:r>
             <a:r>
-              <a:rPr lang="fr-FR" altLang="ja-JP" dirty="0" smtClean="0"/>
+              <a:rPr lang="fr-FR" altLang="ja-JP" dirty="0"/>
               <a:t>/y1</a:t>
             </a:r>
           </a:p>
           <a:p>
             <a:r>
-              <a:rPr lang="fr-FR" altLang="ja-JP" dirty="0" err="1" smtClean="0"/>
+              <a:rPr lang="fr-FR" altLang="ja-JP" dirty="0" err="1"/>
               <a:t>uz</a:t>
             </a:r>
             <a:r>
-              <a:rPr lang="fr-FR" altLang="ja-JP" dirty="0" smtClean="0"/>
+              <a:rPr lang="fr-FR" altLang="ja-JP" dirty="0"/>
               <a:t>/y1, ...</a:t>
             </a:r>
-            <a:endParaRPr lang="fr-FR" altLang="ja-JP" dirty="0"/>
           </a:p>
         </p:txBody>
       </p:sp>
@@ -6247,13 +5670,13 @@
           <a:lstStyle/>
           <a:p>
             <a:r>
-              <a:rPr kumimoji="1" lang="en-US" altLang="ja-JP" dirty="0" smtClean="0"/>
+              <a:rPr kumimoji="1" lang="en-US" altLang="ja-JP" dirty="0"/>
               <a:t>Dipole</a:t>
             </a:r>
           </a:p>
           <a:p>
             <a:r>
-              <a:rPr lang="en-US" altLang="ja-JP" dirty="0" smtClean="0"/>
+              <a:rPr lang="en-US" altLang="ja-JP" dirty="0"/>
               <a:t>Moment</a:t>
             </a:r>
             <a:endParaRPr kumimoji="1" lang="ja-JP" altLang="en-US" dirty="0"/>
@@ -6283,7 +5706,7 @@
           <a:lstStyle/>
           <a:p>
             <a:r>
-              <a:rPr kumimoji="1" lang="en-US" altLang="ja-JP" smtClean="0"/>
+              <a:rPr kumimoji="1" lang="en-US" altLang="ja-JP"/>
               <a:t>Polarizability</a:t>
             </a:r>
             <a:endParaRPr kumimoji="1" lang="ja-JP" altLang="en-US" dirty="0"/>
@@ -6313,13 +5736,13 @@
           <a:lstStyle/>
           <a:p>
             <a:r>
-              <a:rPr kumimoji="1" lang="en-US" altLang="ja-JP" dirty="0" smtClean="0"/>
+              <a:rPr kumimoji="1" lang="en-US" altLang="ja-JP" dirty="0"/>
               <a:t>Dipole</a:t>
             </a:r>
           </a:p>
           <a:p>
             <a:r>
-              <a:rPr lang="en-US" altLang="ja-JP" dirty="0" smtClean="0"/>
+              <a:rPr lang="en-US" altLang="ja-JP" dirty="0"/>
               <a:t>Derivatives</a:t>
             </a:r>
             <a:endParaRPr kumimoji="1" lang="ja-JP" altLang="en-US" dirty="0"/>
@@ -6349,47 +5772,23 @@
           <a:lstStyle/>
           <a:p>
             <a:r>
-              <a:rPr lang="en-US" altLang="ja-JP" dirty="0" smtClean="0"/>
-              <a:t>Even </a:t>
-            </a:r>
-            <a:r>
               <a:rPr lang="en-US" altLang="ja-JP" dirty="0"/>
-              <a:t>if some entries are </a:t>
-            </a:r>
-            <a:r>
-              <a:rPr lang="en-US" altLang="ja-JP" dirty="0" smtClean="0"/>
-              <a:t>absent, </a:t>
-            </a:r>
-            <a:r>
-              <a:rPr lang="en-US" altLang="ja-JP" dirty="0" err="1" smtClean="0"/>
+              <a:t>Even if some entries are absent, </a:t>
+            </a:r>
+            <a:r>
+              <a:rPr lang="en-US" altLang="ja-JP" dirty="0" err="1"/>
               <a:t>JSindo</a:t>
             </a:r>
             <a:r>
-              <a:rPr lang="en-US" altLang="ja-JP" dirty="0" smtClean="0"/>
-              <a:t> </a:t>
-            </a:r>
-            <a:r>
               <a:rPr lang="en-US" altLang="ja-JP" dirty="0"/>
-              <a:t>can </a:t>
-            </a:r>
-            <a:r>
-              <a:rPr lang="en-US" altLang="ja-JP" dirty="0" smtClean="0"/>
-              <a:t>still read </a:t>
+              <a:t> can still read the file and show the molecule. Note, however, that some functions may become </a:t>
+            </a:r>
+            <a:r>
+              <a:rPr lang="en-US" altLang="ja-JP" dirty="0" err="1"/>
+              <a:t>unavaliable</a:t>
             </a:r>
             <a:r>
               <a:rPr lang="en-US" altLang="ja-JP" dirty="0"/>
-              <a:t>the </a:t>
-            </a:r>
-            <a:r>
-              <a:rPr lang="en-US" altLang="ja-JP" dirty="0" smtClean="0"/>
-              <a:t>file and show the molecule. Note, however, that some functions may become </a:t>
-            </a:r>
-            <a:r>
-              <a:rPr lang="en-US" altLang="ja-JP" dirty="0" err="1" smtClean="0"/>
-              <a:t>unavaliable</a:t>
-            </a:r>
-            <a:r>
-              <a:rPr lang="en-US" altLang="ja-JP" dirty="0" smtClean="0"/>
               <a:t>. For example, ”Harmonic Analysis” is not feasible without Hessian. Also, infrared intensity don’t appear without dipole derivatives.</a:t>
             </a:r>
             <a:endParaRPr lang="ja-JP" altLang="en-US" dirty="0"/>
@@ -6449,11 +5848,11 @@
           <a:lstStyle/>
           <a:p>
             <a:r>
-              <a:rPr lang="en-US" altLang="ja-JP" sz="2400" u="sng" dirty="0" smtClean="0"/>
+              <a:rPr lang="en-US" altLang="ja-JP" sz="2400" u="sng" dirty="0"/>
               <a:t>[ Vibrational </a:t>
             </a:r>
             <a:r>
-              <a:rPr lang="en-US" altLang="ja-JP" sz="2400" u="sng" smtClean="0"/>
+              <a:rPr lang="en-US" altLang="ja-JP" sz="2400" u="sng"/>
               <a:t>Data ]</a:t>
             </a:r>
             <a:endParaRPr kumimoji="1" lang="ja-JP" altLang="en-US" sz="2400" u="sng" dirty="0"/>
@@ -6483,7 +5882,7 @@
           <a:lstStyle/>
           <a:p>
             <a:r>
-              <a:rPr kumimoji="1" lang="en-US" altLang="ja-JP" dirty="0" smtClean="0"/>
+              <a:rPr kumimoji="1" lang="en-US" altLang="ja-JP" dirty="0"/>
               <a:t>This section stores the data of vibrational modes and frequencies. For isolated systems, translational and rotational modes are printed, followed by vibrational modes. </a:t>
             </a:r>
             <a:endParaRPr kumimoji="1" lang="ja-JP" altLang="en-US" dirty="0"/>
@@ -6539,20 +5938,12 @@
                 <a:ea typeface="Courier" charset="0"/>
                 <a:cs typeface="Courier" charset="0"/>
               </a:rPr>
-              <a:t> Data </a:t>
-            </a:r>
-            <a:r>
-              <a:rPr lang="de-DE" altLang="ja-JP" sz="1050" dirty="0" smtClean="0">
-                <a:latin typeface="Courier" charset="0"/>
-                <a:ea typeface="Courier" charset="0"/>
-                <a:cs typeface="Courier" charset="0"/>
-              </a:rPr>
-              <a:t>]</a:t>
-            </a:r>
-          </a:p>
-          <a:p>
-            <a:r>
-              <a:rPr lang="de-DE" altLang="ja-JP" sz="1050" dirty="0" smtClean="0">
+              <a:t> Data ]</a:t>
+            </a:r>
+          </a:p>
+          <a:p>
+            <a:r>
+              <a:rPr lang="de-DE" altLang="ja-JP" sz="1050" dirty="0">
                 <a:latin typeface="Courier" charset="0"/>
                 <a:ea typeface="Courier" charset="0"/>
                 <a:cs typeface="Courier" charset="0"/>
@@ -6560,14 +5951,14 @@
               <a:t>Normal </a:t>
             </a:r>
             <a:r>
-              <a:rPr lang="de-DE" altLang="ja-JP" sz="1050" dirty="0" err="1" smtClean="0">
+              <a:rPr lang="de-DE" altLang="ja-JP" sz="1050" dirty="0" err="1">
                 <a:latin typeface="Courier" charset="0"/>
                 <a:ea typeface="Courier" charset="0"/>
                 <a:cs typeface="Courier" charset="0"/>
               </a:rPr>
               <a:t>modes</a:t>
             </a:r>
-            <a:endParaRPr lang="de-DE" altLang="ja-JP" sz="1050" dirty="0" smtClean="0">
+            <a:endParaRPr lang="de-DE" altLang="ja-JP" sz="1050" dirty="0">
               <a:latin typeface="Courier" charset="0"/>
               <a:ea typeface="Courier" charset="0"/>
               <a:cs typeface="Courier" charset="0"/>
@@ -6575,7 +5966,7 @@
           </a:p>
           <a:p>
             <a:r>
-              <a:rPr lang="de-DE" altLang="ja-JP" sz="1050" dirty="0" err="1" smtClean="0">
+              <a:rPr lang="de-DE" altLang="ja-JP" sz="1050" dirty="0" err="1">
                 <a:latin typeface="Courier" charset="0"/>
                 <a:ea typeface="Courier" charset="0"/>
                 <a:cs typeface="Courier" charset="0"/>
@@ -6583,7 +5974,7 @@
               <a:t>Translational</a:t>
             </a:r>
             <a:r>
-              <a:rPr lang="de-DE" altLang="ja-JP" sz="1050" dirty="0" smtClean="0">
+              <a:rPr lang="de-DE" altLang="ja-JP" sz="1050" dirty="0">
                 <a:latin typeface="Courier" charset="0"/>
                 <a:ea typeface="Courier" charset="0"/>
                 <a:cs typeface="Courier" charset="0"/>
@@ -6591,14 +5982,14 @@
               <a:t> </a:t>
             </a:r>
             <a:r>
-              <a:rPr lang="de-DE" altLang="ja-JP" sz="1050" dirty="0" err="1" smtClean="0">
+              <a:rPr lang="de-DE" altLang="ja-JP" sz="1050" dirty="0" err="1">
                 <a:latin typeface="Courier" charset="0"/>
                 <a:ea typeface="Courier" charset="0"/>
                 <a:cs typeface="Courier" charset="0"/>
               </a:rPr>
               <a:t>Frequency</a:t>
             </a:r>
-            <a:endParaRPr lang="de-DE" altLang="ja-JP" sz="1050" dirty="0" smtClean="0">
+            <a:endParaRPr lang="de-DE" altLang="ja-JP" sz="1050" dirty="0">
               <a:latin typeface="Courier" charset="0"/>
               <a:ea typeface="Courier" charset="0"/>
               <a:cs typeface="Courier" charset="0"/>
@@ -6606,7 +5997,7 @@
           </a:p>
           <a:p>
             <a:r>
-              <a:rPr lang="de-DE" altLang="ja-JP" sz="1050" dirty="0" smtClean="0">
+              <a:rPr lang="de-DE" altLang="ja-JP" sz="1050" dirty="0">
                 <a:latin typeface="Courier" charset="0"/>
                 <a:ea typeface="Courier" charset="0"/>
                 <a:cs typeface="Courier" charset="0"/>
@@ -6616,7 +6007,25 @@
           </a:p>
           <a:p>
             <a:r>
-              <a:rPr lang="de-DE" altLang="ja-JP" sz="1050" dirty="0" smtClean="0">
+              <a:rPr lang="de-DE" altLang="ja-JP" sz="1050" dirty="0">
+                <a:latin typeface="Courier" charset="0"/>
+                <a:ea typeface="Courier" charset="0"/>
+                <a:cs typeface="Courier" charset="0"/>
+              </a:rPr>
+              <a:t> 1.62527861e-02,  4.40127528e-02,  4.15427483e-02</a:t>
+            </a:r>
+          </a:p>
+          <a:p>
+            <a:r>
+              <a:rPr lang="de-DE" altLang="ja-JP" sz="1050" dirty="0" err="1">
+                <a:latin typeface="Courier" charset="0"/>
+                <a:ea typeface="Courier" charset="0"/>
+                <a:cs typeface="Courier" charset="0"/>
+              </a:rPr>
+              <a:t>Translational</a:t>
+            </a:r>
+            <a:r>
+              <a:rPr lang="de-DE" altLang="ja-JP" sz="1050" dirty="0">
                 <a:latin typeface="Courier" charset="0"/>
                 <a:ea typeface="Courier" charset="0"/>
                 <a:cs typeface="Courier" charset="0"/>
@@ -6624,66 +6033,32 @@
               <a:t> </a:t>
             </a:r>
             <a:r>
+              <a:rPr lang="de-DE" altLang="ja-JP" sz="1050" dirty="0" err="1">
+                <a:latin typeface="Courier" charset="0"/>
+                <a:ea typeface="Courier" charset="0"/>
+                <a:cs typeface="Courier" charset="0"/>
+              </a:rPr>
+              <a:t>vector</a:t>
+            </a:r>
+            <a:endParaRPr lang="de-DE" altLang="ja-JP" sz="1050" dirty="0">
+              <a:latin typeface="Courier" charset="0"/>
+              <a:ea typeface="Courier" charset="0"/>
+              <a:cs typeface="Courier" charset="0"/>
+            </a:endParaRPr>
+          </a:p>
+          <a:p>
+            <a:r>
               <a:rPr lang="de-DE" altLang="ja-JP" sz="1050" dirty="0">
                 <a:latin typeface="Courier" charset="0"/>
                 <a:ea typeface="Courier" charset="0"/>
                 <a:cs typeface="Courier" charset="0"/>
               </a:rPr>
-              <a:t>1.62527861e-02,  4.40127528e-02,  </a:t>
-            </a:r>
-            <a:r>
-              <a:rPr lang="de-DE" altLang="ja-JP" sz="1050" dirty="0" smtClean="0">
-                <a:latin typeface="Courier" charset="0"/>
-                <a:ea typeface="Courier" charset="0"/>
-                <a:cs typeface="Courier" charset="0"/>
-              </a:rPr>
-              <a:t>4.15427483e-02</a:t>
-            </a:r>
-          </a:p>
-          <a:p>
-            <a:r>
-              <a:rPr lang="de-DE" altLang="ja-JP" sz="1050" dirty="0" err="1" smtClean="0">
-                <a:latin typeface="Courier" charset="0"/>
-                <a:ea typeface="Courier" charset="0"/>
-                <a:cs typeface="Courier" charset="0"/>
-              </a:rPr>
-              <a:t>Translational</a:t>
-            </a:r>
-            <a:r>
-              <a:rPr lang="de-DE" altLang="ja-JP" sz="1050" dirty="0" smtClean="0">
-                <a:latin typeface="Courier" charset="0"/>
-                <a:ea typeface="Courier" charset="0"/>
-                <a:cs typeface="Courier" charset="0"/>
-              </a:rPr>
-              <a:t> </a:t>
-            </a:r>
-            <a:r>
-              <a:rPr lang="de-DE" altLang="ja-JP" sz="1050" dirty="0" err="1" smtClean="0">
-                <a:latin typeface="Courier" charset="0"/>
-                <a:ea typeface="Courier" charset="0"/>
-                <a:cs typeface="Courier" charset="0"/>
-              </a:rPr>
-              <a:t>vector</a:t>
-            </a:r>
-            <a:endParaRPr lang="de-DE" altLang="ja-JP" sz="1050" dirty="0" smtClean="0">
-              <a:latin typeface="Courier" charset="0"/>
-              <a:ea typeface="Courier" charset="0"/>
-              <a:cs typeface="Courier" charset="0"/>
-            </a:endParaRPr>
-          </a:p>
-          <a:p>
-            <a:r>
-              <a:rPr lang="de-DE" altLang="ja-JP" sz="1050" dirty="0" smtClean="0">
-                <a:latin typeface="Courier" charset="0"/>
-                <a:ea typeface="Courier" charset="0"/>
-                <a:cs typeface="Courier" charset="0"/>
-              </a:rPr>
               <a:t>T 1</a:t>
             </a:r>
           </a:p>
           <a:p>
             <a:r>
-              <a:rPr lang="de-DE" altLang="ja-JP" sz="1050" dirty="0" smtClean="0">
+              <a:rPr lang="de-DE" altLang="ja-JP" sz="1050" dirty="0">
                 <a:latin typeface="Courier" charset="0"/>
                 <a:ea typeface="Courier" charset="0"/>
                 <a:cs typeface="Courier" charset="0"/>
@@ -6693,38 +6068,12 @@
           </a:p>
           <a:p>
             <a:r>
-              <a:rPr lang="de-DE" altLang="ja-JP" sz="1050" dirty="0" smtClean="0">
-                <a:latin typeface="Courier" charset="0"/>
-                <a:ea typeface="Courier" charset="0"/>
-                <a:cs typeface="Courier" charset="0"/>
-              </a:rPr>
-              <a:t> </a:t>
-            </a:r>
-            <a:r>
               <a:rPr lang="de-DE" altLang="ja-JP" sz="1050" dirty="0">
                 <a:latin typeface="Courier" charset="0"/>
                 <a:ea typeface="Courier" charset="0"/>
                 <a:cs typeface="Courier" charset="0"/>
               </a:rPr>
-              <a:t>6.32344200e-01,  0.00000000e+00,  0.00000000e+00,  7.30052141e-01,  </a:t>
-            </a:r>
-            <a:r>
-              <a:rPr lang="de-DE" altLang="ja-JP" sz="1050" dirty="0" smtClean="0">
-                <a:latin typeface="Courier" charset="0"/>
-                <a:ea typeface="Courier" charset="0"/>
-                <a:cs typeface="Courier" charset="0"/>
-              </a:rPr>
-              <a:t>0.00000000e+00</a:t>
-            </a:r>
-          </a:p>
-          <a:p>
-            <a:r>
-              <a:rPr lang="de-DE" altLang="ja-JP" sz="1050" dirty="0" smtClean="0">
-                <a:latin typeface="Courier" charset="0"/>
-                <a:ea typeface="Courier" charset="0"/>
-                <a:cs typeface="Courier" charset="0"/>
-              </a:rPr>
-              <a:t>.</a:t>
+              <a:t> 6.32344200e-01,  0.00000000e+00,  0.00000000e+00,  7.30052141e-01,  0.00000000e+00</a:t>
             </a:r>
           </a:p>
           <a:p>
@@ -6736,11 +6085,16 @@
               </a:rPr>
               <a:t>.</a:t>
             </a:r>
-            <a:endParaRPr lang="de-DE" altLang="ja-JP" sz="1050" dirty="0" smtClean="0">
-              <a:latin typeface="Courier" charset="0"/>
-              <a:ea typeface="Courier" charset="0"/>
-              <a:cs typeface="Courier" charset="0"/>
-            </a:endParaRPr>
+          </a:p>
+          <a:p>
+            <a:r>
+              <a:rPr lang="de-DE" altLang="ja-JP" sz="1050" dirty="0">
+                <a:latin typeface="Courier" charset="0"/>
+                <a:ea typeface="Courier" charset="0"/>
+                <a:cs typeface="Courier" charset="0"/>
+              </a:rPr>
+              <a:t>.</a:t>
+            </a:r>
           </a:p>
           <a:p>
             <a:r>
@@ -6760,14 +6114,14 @@
               <a:t> </a:t>
             </a:r>
             <a:r>
-              <a:rPr lang="nl-NL" altLang="ja-JP" sz="1050" dirty="0" err="1" smtClean="0">
+              <a:rPr lang="nl-NL" altLang="ja-JP" sz="1050" dirty="0" err="1">
                 <a:latin typeface="Courier" charset="0"/>
                 <a:ea typeface="Courier" charset="0"/>
                 <a:cs typeface="Courier" charset="0"/>
               </a:rPr>
               <a:t>Frequency</a:t>
             </a:r>
-            <a:endParaRPr lang="nl-NL" altLang="ja-JP" sz="1050" dirty="0" smtClean="0">
+            <a:endParaRPr lang="nl-NL" altLang="ja-JP" sz="1050" dirty="0">
               <a:latin typeface="Courier" charset="0"/>
               <a:ea typeface="Courier" charset="0"/>
               <a:cs typeface="Courier" charset="0"/>
@@ -6775,7 +6129,7 @@
           </a:p>
           <a:p>
             <a:r>
-              <a:rPr lang="nl-NL" altLang="ja-JP" sz="1050" dirty="0" smtClean="0">
+              <a:rPr lang="nl-NL" altLang="ja-JP" sz="1050" dirty="0">
                 <a:latin typeface="Courier" charset="0"/>
                 <a:ea typeface="Courier" charset="0"/>
                 <a:cs typeface="Courier" charset="0"/>
@@ -6785,33 +6139,17 @@
           </a:p>
           <a:p>
             <a:r>
-              <a:rPr lang="nl-NL" altLang="ja-JP" sz="1050" dirty="0" smtClean="0">
-                <a:latin typeface="Courier" charset="0"/>
-                <a:ea typeface="Courier" charset="0"/>
-                <a:cs typeface="Courier" charset="0"/>
-              </a:rPr>
-              <a:t> </a:t>
-            </a:r>
-            <a:r>
               <a:rPr lang="nl-NL" altLang="ja-JP" sz="1050" dirty="0">
                 <a:latin typeface="Courier" charset="0"/>
                 <a:ea typeface="Courier" charset="0"/>
                 <a:cs typeface="Courier" charset="0"/>
               </a:rPr>
-              <a:t>3.54328808e+00,  9.69080902e+00, -</a:t>
-            </a:r>
-            <a:r>
-              <a:rPr lang="nl-NL" altLang="ja-JP" sz="1050" dirty="0" smtClean="0">
-                <a:latin typeface="Courier" charset="0"/>
-                <a:ea typeface="Courier" charset="0"/>
-                <a:cs typeface="Courier" charset="0"/>
-              </a:rPr>
-              <a:t>2.43125260e+01</a:t>
-            </a:r>
-          </a:p>
-          <a:p>
-            <a:r>
-              <a:rPr lang="nl-NL" altLang="ja-JP" sz="1050" dirty="0" err="1" smtClean="0">
+              <a:t> 3.54328808e+00,  9.69080902e+00, -2.43125260e+01</a:t>
+            </a:r>
+          </a:p>
+          <a:p>
+            <a:r>
+              <a:rPr lang="nl-NL" altLang="ja-JP" sz="1050" dirty="0" err="1">
                 <a:latin typeface="Courier" charset="0"/>
                 <a:ea typeface="Courier" charset="0"/>
                 <a:cs typeface="Courier" charset="0"/>
@@ -6819,7 +6157,7 @@
               <a:t>Rotational</a:t>
             </a:r>
             <a:r>
-              <a:rPr lang="nl-NL" altLang="ja-JP" sz="1050" dirty="0" smtClean="0">
+              <a:rPr lang="nl-NL" altLang="ja-JP" sz="1050" dirty="0">
                 <a:latin typeface="Courier" charset="0"/>
                 <a:ea typeface="Courier" charset="0"/>
                 <a:cs typeface="Courier" charset="0"/>
@@ -6829,7 +6167,7 @@
           </a:p>
           <a:p>
             <a:r>
-              <a:rPr lang="de-DE" altLang="ja-JP" sz="1050" dirty="0" smtClean="0">
+              <a:rPr lang="de-DE" altLang="ja-JP" sz="1050" dirty="0">
                 <a:latin typeface="Courier" charset="0"/>
                 <a:ea typeface="Courier" charset="0"/>
                 <a:cs typeface="Courier" charset="0"/>
@@ -6839,7 +6177,7 @@
           </a:p>
           <a:p>
             <a:r>
-              <a:rPr lang="de-DE" altLang="ja-JP" sz="1050" dirty="0" smtClean="0">
+              <a:rPr lang="de-DE" altLang="ja-JP" sz="1050" dirty="0">
                 <a:latin typeface="Courier" charset="0"/>
                 <a:ea typeface="Courier" charset="0"/>
                 <a:cs typeface="Courier" charset="0"/>
@@ -6854,20 +6192,12 @@
                 <a:ea typeface="Courier" charset="0"/>
                 <a:cs typeface="Courier" charset="0"/>
               </a:rPr>
-              <a:t>Vibrational </a:t>
-            </a:r>
-            <a:r>
-              <a:rPr lang="en-US" altLang="ja-JP" sz="1050" dirty="0" smtClean="0">
-                <a:latin typeface="Courier" charset="0"/>
-                <a:ea typeface="Courier" charset="0"/>
-                <a:cs typeface="Courier" charset="0"/>
-              </a:rPr>
-              <a:t>Frequency</a:t>
-            </a:r>
-          </a:p>
-          <a:p>
-            <a:r>
-              <a:rPr lang="en-US" altLang="ja-JP" sz="1050" dirty="0" smtClean="0">
+              <a:t>Vibrational Frequency</a:t>
+            </a:r>
+          </a:p>
+          <a:p>
+            <a:r>
+              <a:rPr lang="en-US" altLang="ja-JP" sz="1050" dirty="0">
                 <a:latin typeface="Courier" charset="0"/>
                 <a:ea typeface="Courier" charset="0"/>
                 <a:cs typeface="Courier" charset="0"/>
@@ -6877,46 +6207,22 @@
           </a:p>
           <a:p>
             <a:r>
-              <a:rPr lang="en-US" altLang="ja-JP" sz="1050" dirty="0" smtClean="0">
-                <a:latin typeface="Courier" charset="0"/>
-                <a:ea typeface="Courier" charset="0"/>
-                <a:cs typeface="Courier" charset="0"/>
-              </a:rPr>
-              <a:t> </a:t>
-            </a:r>
-            <a:r>
               <a:rPr lang="en-US" altLang="ja-JP" sz="1050" dirty="0">
                 <a:latin typeface="Courier" charset="0"/>
                 <a:ea typeface="Courier" charset="0"/>
                 <a:cs typeface="Courier" charset="0"/>
               </a:rPr>
-              <a:t>1.19690403e+03,  1.26675689e+03,  1.54013789e+03,  1.75293483e+03,  </a:t>
-            </a:r>
-            <a:r>
-              <a:rPr lang="en-US" altLang="ja-JP" sz="1050" dirty="0" smtClean="0">
-                <a:latin typeface="Courier" charset="0"/>
-                <a:ea typeface="Courier" charset="0"/>
-                <a:cs typeface="Courier" charset="0"/>
-              </a:rPr>
-              <a:t>2.97365303e+03</a:t>
-            </a:r>
-          </a:p>
-          <a:p>
-            <a:r>
-              <a:rPr lang="en-US" altLang="ja-JP" sz="1050" dirty="0" smtClean="0">
-                <a:latin typeface="Courier" charset="0"/>
-                <a:ea typeface="Courier" charset="0"/>
-                <a:cs typeface="Courier" charset="0"/>
-              </a:rPr>
-              <a:t> </a:t>
-            </a:r>
+              <a:t> 1.19690403e+03,  1.26675689e+03,  1.54013789e+03,  1.75293483e+03,  2.97365303e+03</a:t>
+            </a:r>
+          </a:p>
+          <a:p>
             <a:r>
               <a:rPr lang="en-US" altLang="ja-JP" sz="1050" dirty="0">
                 <a:latin typeface="Courier" charset="0"/>
                 <a:ea typeface="Courier" charset="0"/>
                 <a:cs typeface="Courier" charset="0"/>
               </a:rPr>
-              <a:t>3.04762239e+03</a:t>
+              <a:t> 3.04762239e+03</a:t>
             </a:r>
             <a:endParaRPr lang="de-DE" altLang="ja-JP" sz="1050" dirty="0">
               <a:latin typeface="Courier" charset="0"/>
@@ -6939,20 +6245,12 @@
                 <a:ea typeface="Courier" charset="0"/>
                 <a:cs typeface="Courier" charset="0"/>
               </a:rPr>
-              <a:t> </a:t>
-            </a:r>
-            <a:r>
-              <a:rPr lang="nl-NL" altLang="ja-JP" sz="1050" dirty="0" smtClean="0">
-                <a:latin typeface="Courier" charset="0"/>
-                <a:ea typeface="Courier" charset="0"/>
-                <a:cs typeface="Courier" charset="0"/>
-              </a:rPr>
-              <a:t>vector</a:t>
-            </a:r>
-          </a:p>
-          <a:p>
-            <a:r>
-              <a:rPr lang="nl-NL" altLang="ja-JP" sz="1050" dirty="0" smtClean="0">
+              <a:t> vector</a:t>
+            </a:r>
+          </a:p>
+          <a:p>
+            <a:r>
+              <a:rPr lang="nl-NL" altLang="ja-JP" sz="1050" dirty="0">
                 <a:latin typeface="Courier" charset="0"/>
                 <a:ea typeface="Courier" charset="0"/>
                 <a:cs typeface="Courier" charset="0"/>
@@ -6962,7 +6260,7 @@
           </a:p>
           <a:p>
             <a:r>
-              <a:rPr lang="en-US" altLang="ja-JP" sz="1050" dirty="0" smtClean="0">
+              <a:rPr lang="en-US" altLang="ja-JP" sz="1050" dirty="0">
                 <a:latin typeface="Courier" charset="0"/>
                 <a:ea typeface="Courier" charset="0"/>
                 <a:cs typeface="Courier" charset="0"/>
@@ -7036,7 +6334,7 @@
           <a:lstStyle/>
           <a:p>
             <a:r>
-              <a:rPr lang="en-US" altLang="ja-JP" dirty="0" smtClean="0"/>
+              <a:rPr lang="en-US" altLang="ja-JP" dirty="0"/>
               <a:t>Title</a:t>
             </a:r>
             <a:endParaRPr kumimoji="1" lang="ja-JP" altLang="en-US" dirty="0"/>
@@ -7109,13 +6407,13 @@
           <a:lstStyle/>
           <a:p>
             <a:r>
-              <a:rPr lang="en-US" altLang="ja-JP" dirty="0" smtClean="0"/>
+              <a:rPr lang="en-US" altLang="ja-JP" dirty="0"/>
               <a:t>dx1, dy1, dz1, dx2, dy2</a:t>
             </a:r>
           </a:p>
           <a:p>
             <a:r>
-              <a:rPr kumimoji="1" lang="en-US" altLang="ja-JP" dirty="0" smtClean="0"/>
+              <a:rPr kumimoji="1" lang="en-US" altLang="ja-JP" dirty="0"/>
               <a:t>dz2, …</a:t>
             </a:r>
             <a:endParaRPr kumimoji="1" lang="ja-JP" altLang="en-US" dirty="0"/>
@@ -7274,7 +6572,7 @@
           <a:lstStyle/>
           <a:p>
             <a:r>
-              <a:rPr kumimoji="1" lang="en-US" altLang="ja-JP" dirty="0" smtClean="0"/>
+              <a:rPr kumimoji="1" lang="en-US" altLang="ja-JP" dirty="0"/>
               <a:t>Translation</a:t>
             </a:r>
             <a:endParaRPr kumimoji="1" lang="ja-JP" altLang="en-US" dirty="0"/>
@@ -7304,7 +6602,7 @@
           <a:lstStyle/>
           <a:p>
             <a:r>
-              <a:rPr kumimoji="1" lang="en-US" altLang="ja-JP" dirty="0" smtClean="0"/>
+              <a:rPr kumimoji="1" lang="en-US" altLang="ja-JP" dirty="0"/>
               <a:t>Rotation</a:t>
             </a:r>
             <a:endParaRPr kumimoji="1" lang="ja-JP" altLang="en-US" dirty="0"/>
@@ -7334,7 +6632,7 @@
           <a:lstStyle/>
           <a:p>
             <a:r>
-              <a:rPr kumimoji="1" lang="en-US" altLang="ja-JP" dirty="0" smtClean="0"/>
+              <a:rPr kumimoji="1" lang="en-US" altLang="ja-JP" dirty="0"/>
               <a:t>Vibration</a:t>
             </a:r>
             <a:endParaRPr kumimoji="1" lang="ja-JP" altLang="en-US" dirty="0"/>
@@ -7405,7 +6703,7 @@
           <a:lstStyle/>
           <a:p>
             <a:r>
-              <a:rPr kumimoji="1" lang="en-US" altLang="ja-JP" smtClean="0"/>
+              <a:rPr kumimoji="1" lang="en-US" altLang="ja-JP"/>
               <a:t># of modes</a:t>
             </a:r>
             <a:endParaRPr kumimoji="1" lang="ja-JP" altLang="en-US" dirty="0"/>
@@ -7465,7 +6763,7 @@
           <a:lstStyle/>
           <a:p>
             <a:r>
-              <a:rPr kumimoji="1" lang="en-US" altLang="ja-JP" dirty="0" smtClean="0"/>
+              <a:rPr kumimoji="1" lang="en-US" altLang="ja-JP" dirty="0"/>
               <a:t>For domain local modes, vibrational data is printed for each domain after the definition of atom numbers in the domain. </a:t>
             </a:r>
             <a:endParaRPr kumimoji="1" lang="ja-JP" altLang="en-US" dirty="0"/>
@@ -7521,15 +6819,7 @@
                 <a:ea typeface="Courier" charset="0"/>
                 <a:cs typeface="Courier" charset="0"/>
               </a:rPr>
-              <a:t> Data </a:t>
-            </a:r>
-            <a:r>
-              <a:rPr lang="de-DE" altLang="ja-JP" sz="1050" dirty="0" smtClean="0">
-                <a:latin typeface="Courier" charset="0"/>
-                <a:ea typeface="Courier" charset="0"/>
-                <a:cs typeface="Courier" charset="0"/>
-              </a:rPr>
-              <a:t>]</a:t>
+              <a:t> Data ]</a:t>
             </a:r>
           </a:p>
           <a:p>
@@ -7539,20 +6829,12 @@
                 <a:ea typeface="Courier" charset="0"/>
                 <a:cs typeface="Courier" charset="0"/>
               </a:rPr>
-              <a:t>Number of </a:t>
-            </a:r>
-            <a:r>
-              <a:rPr lang="en-US" altLang="ja-JP" sz="1050" dirty="0" smtClean="0">
-                <a:latin typeface="Courier" charset="0"/>
-                <a:ea typeface="Courier" charset="0"/>
-                <a:cs typeface="Courier" charset="0"/>
-              </a:rPr>
-              <a:t>Domain</a:t>
-            </a:r>
-          </a:p>
-          <a:p>
-            <a:r>
-              <a:rPr lang="en-US" altLang="ja-JP" sz="1050" dirty="0" smtClean="0">
+              <a:t>Number of Domain</a:t>
+            </a:r>
+          </a:p>
+          <a:p>
+            <a:r>
+              <a:rPr lang="en-US" altLang="ja-JP" sz="1050" dirty="0">
                 <a:latin typeface="Courier" charset="0"/>
                 <a:ea typeface="Courier" charset="0"/>
                 <a:cs typeface="Courier" charset="0"/>
@@ -7562,7 +6844,7 @@
           </a:p>
           <a:p>
             <a:r>
-              <a:rPr lang="en-US" altLang="ja-JP" sz="1050" dirty="0" smtClean="0">
+              <a:rPr lang="en-US" altLang="ja-JP" sz="1050" dirty="0">
                 <a:latin typeface="Courier" charset="0"/>
                 <a:ea typeface="Courier" charset="0"/>
                 <a:cs typeface="Courier" charset="0"/>
@@ -7572,7 +6854,7 @@
           </a:p>
           <a:p>
             <a:r>
-              <a:rPr lang="en-US" altLang="ja-JP" sz="1050" dirty="0" smtClean="0">
+              <a:rPr lang="en-US" altLang="ja-JP" sz="1050" dirty="0">
                 <a:latin typeface="Courier" charset="0"/>
                 <a:ea typeface="Courier" charset="0"/>
                 <a:cs typeface="Courier" charset="0"/>
@@ -7582,7 +6864,7 @@
           </a:p>
           <a:p>
             <a:r>
-              <a:rPr lang="en-US" altLang="ja-JP" sz="1050" dirty="0" smtClean="0">
+              <a:rPr lang="en-US" altLang="ja-JP" sz="1050" dirty="0">
                 <a:latin typeface="Courier" charset="0"/>
                 <a:ea typeface="Courier" charset="0"/>
                 <a:cs typeface="Courier" charset="0"/>
@@ -7592,59 +6874,27 @@
           </a:p>
           <a:p>
             <a:r>
-              <a:rPr lang="en-US" altLang="ja-JP" sz="1050" dirty="0" smtClean="0">
-                <a:latin typeface="Courier" charset="0"/>
-                <a:ea typeface="Courier" charset="0"/>
-                <a:cs typeface="Courier" charset="0"/>
-              </a:rPr>
-              <a:t>              </a:t>
-            </a:r>
-            <a:r>
               <a:rPr lang="en-US" altLang="ja-JP" sz="1050" dirty="0">
                 <a:latin typeface="Courier" charset="0"/>
                 <a:ea typeface="Courier" charset="0"/>
                 <a:cs typeface="Courier" charset="0"/>
               </a:rPr>
-              <a:t>1,               3,               </a:t>
-            </a:r>
-            <a:r>
-              <a:rPr lang="en-US" altLang="ja-JP" sz="1050" dirty="0" smtClean="0">
-                <a:latin typeface="Courier" charset="0"/>
-                <a:ea typeface="Courier" charset="0"/>
-                <a:cs typeface="Courier" charset="0"/>
-              </a:rPr>
-              <a:t>4</a:t>
-            </a:r>
-          </a:p>
-          <a:p>
-            <a:r>
-              <a:rPr lang="en-US" altLang="ja-JP" sz="1050" dirty="0" smtClean="0">
-                <a:latin typeface="Courier" charset="0"/>
-                <a:ea typeface="Courier" charset="0"/>
-                <a:cs typeface="Courier" charset="0"/>
-              </a:rPr>
-              <a:t>Local </a:t>
-            </a:r>
+              <a:t>              1,               3,               4</a:t>
+            </a:r>
+          </a:p>
+          <a:p>
             <a:r>
               <a:rPr lang="en-US" altLang="ja-JP" sz="1050" dirty="0">
                 <a:latin typeface="Courier" charset="0"/>
                 <a:ea typeface="Courier" charset="0"/>
                 <a:cs typeface="Courier" charset="0"/>
               </a:rPr>
-              <a:t>Normal </a:t>
-            </a:r>
-            <a:r>
-              <a:rPr lang="en-US" altLang="ja-JP" sz="1050" dirty="0" smtClean="0">
-                <a:latin typeface="Courier" charset="0"/>
-                <a:ea typeface="Courier" charset="0"/>
-                <a:cs typeface="Courier" charset="0"/>
-              </a:rPr>
-              <a:t>modes</a:t>
-            </a:r>
-          </a:p>
-          <a:p>
-            <a:r>
-              <a:rPr lang="en-US" altLang="ja-JP" sz="1050" dirty="0" smtClean="0">
+              <a:t>Local Normal modes</a:t>
+            </a:r>
+          </a:p>
+          <a:p>
+            <a:r>
+              <a:rPr lang="en-US" altLang="ja-JP" sz="1050" dirty="0">
                 <a:latin typeface="Courier" charset="0"/>
                 <a:ea typeface="Courier" charset="0"/>
                 <a:cs typeface="Courier" charset="0"/>
@@ -7654,7 +6904,7 @@
           </a:p>
           <a:p>
             <a:r>
-              <a:rPr lang="en-US" altLang="ja-JP" sz="1050" dirty="0" smtClean="0">
+              <a:rPr lang="en-US" altLang="ja-JP" sz="1050" dirty="0">
                 <a:latin typeface="Courier" charset="0"/>
                 <a:ea typeface="Courier" charset="0"/>
                 <a:cs typeface="Courier" charset="0"/>
@@ -7664,59 +6914,27 @@
           </a:p>
           <a:p>
             <a:r>
-              <a:rPr lang="en-US" altLang="ja-JP" sz="1050" dirty="0" smtClean="0">
-                <a:latin typeface="Courier" charset="0"/>
-                <a:ea typeface="Courier" charset="0"/>
-                <a:cs typeface="Courier" charset="0"/>
-              </a:rPr>
-              <a:t>-2.43128280e+01</a:t>
-            </a:r>
-            <a:r>
               <a:rPr lang="en-US" altLang="ja-JP" sz="1050" dirty="0">
                 <a:latin typeface="Courier" charset="0"/>
                 <a:ea typeface="Courier" charset="0"/>
                 <a:cs typeface="Courier" charset="0"/>
               </a:rPr>
-              <a:t>,  2.68618727e+00,  7.14816266e+00,  1.18456867e+03,  </a:t>
-            </a:r>
-            <a:r>
-              <a:rPr lang="en-US" altLang="ja-JP" sz="1050" dirty="0" smtClean="0">
-                <a:latin typeface="Courier" charset="0"/>
-                <a:ea typeface="Courier" charset="0"/>
-                <a:cs typeface="Courier" charset="0"/>
-              </a:rPr>
-              <a:t>1.21881521e+03</a:t>
-            </a:r>
-          </a:p>
-          <a:p>
-            <a:r>
-              <a:rPr lang="en-US" altLang="ja-JP" sz="1050" dirty="0" smtClean="0">
-                <a:latin typeface="Courier" charset="0"/>
-                <a:ea typeface="Courier" charset="0"/>
-                <a:cs typeface="Courier" charset="0"/>
-              </a:rPr>
-              <a:t> </a:t>
-            </a:r>
+              <a:t>-2.43128280e+01,  2.68618727e+00,  7.14816266e+00,  1.18456867e+03,  1.21881521e+03</a:t>
+            </a:r>
+          </a:p>
+          <a:p>
             <a:r>
               <a:rPr lang="en-US" altLang="ja-JP" sz="1050" dirty="0">
                 <a:latin typeface="Courier" charset="0"/>
                 <a:ea typeface="Courier" charset="0"/>
                 <a:cs typeface="Courier" charset="0"/>
               </a:rPr>
-              <a:t>1.21933152e+03,  1.61714130e+03,  2.97368185e+03,  </a:t>
-            </a:r>
-            <a:r>
-              <a:rPr lang="en-US" altLang="ja-JP" sz="1050" dirty="0" smtClean="0">
-                <a:latin typeface="Courier" charset="0"/>
-                <a:ea typeface="Courier" charset="0"/>
-                <a:cs typeface="Courier" charset="0"/>
-              </a:rPr>
-              <a:t>3.04764597e+03</a:t>
-            </a:r>
-          </a:p>
-          <a:p>
-            <a:r>
-              <a:rPr lang="en-US" altLang="ja-JP" sz="1050" dirty="0" smtClean="0">
+              <a:t> 1.21933152e+03,  1.61714130e+03,  2.97368185e+03,  3.04764597e+03</a:t>
+            </a:r>
+          </a:p>
+          <a:p>
+            <a:r>
+              <a:rPr lang="en-US" altLang="ja-JP" sz="1050" dirty="0">
                 <a:latin typeface="Courier" charset="0"/>
                 <a:ea typeface="Courier" charset="0"/>
                 <a:cs typeface="Courier" charset="0"/>
@@ -7726,7 +6944,7 @@
           </a:p>
           <a:p>
             <a:r>
-              <a:rPr lang="en-US" altLang="ja-JP" sz="1050" dirty="0" smtClean="0">
+              <a:rPr lang="en-US" altLang="ja-JP" sz="1050" dirty="0">
                 <a:latin typeface="Courier" charset="0"/>
                 <a:ea typeface="Courier" charset="0"/>
                 <a:cs typeface="Courier" charset="0"/>
@@ -7736,7 +6954,7 @@
           </a:p>
           <a:p>
             <a:r>
-              <a:rPr lang="en-US" altLang="ja-JP" sz="1050" dirty="0" smtClean="0">
+              <a:rPr lang="en-US" altLang="ja-JP" sz="1050" dirty="0">
                 <a:latin typeface="Courier" charset="0"/>
                 <a:ea typeface="Courier" charset="0"/>
                 <a:cs typeface="Courier" charset="0"/>
@@ -7746,59 +6964,27 @@
           </a:p>
           <a:p>
             <a:r>
-              <a:rPr lang="en-US" altLang="ja-JP" sz="1050" dirty="0" smtClean="0">
-                <a:latin typeface="Courier" charset="0"/>
-                <a:ea typeface="Courier" charset="0"/>
-                <a:cs typeface="Courier" charset="0"/>
-              </a:rPr>
-              <a:t> </a:t>
-            </a:r>
-            <a:r>
               <a:rPr lang="en-US" altLang="ja-JP" sz="1050" dirty="0">
                 <a:latin typeface="Courier" charset="0"/>
                 <a:ea typeface="Courier" charset="0"/>
                 <a:cs typeface="Courier" charset="0"/>
               </a:rPr>
-              <a:t>5.33281141e-13, -1.87886496e-12,  1.30340137e-15, -7.07106781e-01, -</a:t>
-            </a:r>
-            <a:r>
-              <a:rPr lang="en-US" altLang="ja-JP" sz="1050" dirty="0" smtClean="0">
-                <a:latin typeface="Courier" charset="0"/>
-                <a:ea typeface="Courier" charset="0"/>
-                <a:cs typeface="Courier" charset="0"/>
-              </a:rPr>
-              <a:t>8.03650361e-13</a:t>
-            </a:r>
-          </a:p>
-          <a:p>
-            <a:r>
-              <a:rPr lang="en-US" altLang="ja-JP" sz="1050" dirty="0" smtClean="0">
-                <a:latin typeface="Courier" charset="0"/>
-                <a:ea typeface="Courier" charset="0"/>
-                <a:cs typeface="Courier" charset="0"/>
-              </a:rPr>
-              <a:t>-</a:t>
-            </a:r>
+              <a:t> 5.33281141e-13, -1.87886496e-12,  1.30340137e-15, -7.07106781e-01, -8.03650361e-13</a:t>
+            </a:r>
+          </a:p>
+          <a:p>
             <a:r>
               <a:rPr lang="en-US" altLang="ja-JP" sz="1050" dirty="0">
                 <a:latin typeface="Courier" charset="0"/>
                 <a:ea typeface="Courier" charset="0"/>
                 <a:cs typeface="Courier" charset="0"/>
               </a:rPr>
-              <a:t>4.21498697e-13,  7.07106781e-01, -8.05671490e-13,  </a:t>
-            </a:r>
-            <a:r>
-              <a:rPr lang="en-US" altLang="ja-JP" sz="1050" dirty="0" smtClean="0">
-                <a:latin typeface="Courier" charset="0"/>
-                <a:ea typeface="Courier" charset="0"/>
-                <a:cs typeface="Courier" charset="0"/>
-              </a:rPr>
-              <a:t>4.28566028e-13</a:t>
-            </a:r>
-          </a:p>
-          <a:p>
-            <a:r>
-              <a:rPr lang="nl-NL" altLang="ja-JP" sz="1050" dirty="0" smtClean="0">
+              <a:t>-4.21498697e-13,  7.07106781e-01, -8.05671490e-13,  4.28566028e-13</a:t>
+            </a:r>
+          </a:p>
+          <a:p>
+            <a:r>
+              <a:rPr lang="nl-NL" altLang="ja-JP" sz="1050" dirty="0">
                 <a:latin typeface="Courier" charset="0"/>
                 <a:ea typeface="Courier" charset="0"/>
                 <a:cs typeface="Courier" charset="0"/>
@@ -7808,7 +6994,7 @@
           </a:p>
           <a:p>
             <a:r>
-              <a:rPr lang="en-US" altLang="ja-JP" sz="1050" dirty="0" smtClean="0">
+              <a:rPr lang="en-US" altLang="ja-JP" sz="1050" dirty="0">
                 <a:latin typeface="Courier" charset="0"/>
                 <a:ea typeface="Courier" charset="0"/>
                 <a:cs typeface="Courier" charset="0"/>
@@ -7823,20 +7009,12 @@
                 <a:ea typeface="Courier" charset="0"/>
                 <a:cs typeface="Courier" charset="0"/>
               </a:rPr>
-              <a:t>Domain </a:t>
-            </a:r>
-            <a:r>
-              <a:rPr lang="en-US" altLang="ja-JP" sz="1050" dirty="0" smtClean="0">
-                <a:latin typeface="Courier" charset="0"/>
-                <a:ea typeface="Courier" charset="0"/>
-                <a:cs typeface="Courier" charset="0"/>
-              </a:rPr>
-              <a:t>2</a:t>
-            </a:r>
-          </a:p>
-          <a:p>
-            <a:r>
-              <a:rPr lang="en-US" altLang="ja-JP" sz="1050" dirty="0" smtClean="0">
+              <a:t>Domain 2</a:t>
+            </a:r>
+          </a:p>
+          <a:p>
+            <a:r>
+              <a:rPr lang="en-US" altLang="ja-JP" sz="1050" dirty="0">
                 <a:latin typeface="Courier" charset="0"/>
                 <a:ea typeface="Courier" charset="0"/>
                 <a:cs typeface="Courier" charset="0"/>
@@ -7846,7 +7024,7 @@
           </a:p>
           <a:p>
             <a:r>
-              <a:rPr lang="en-US" altLang="ja-JP" sz="1050" dirty="0" smtClean="0">
+              <a:rPr lang="en-US" altLang="ja-JP" sz="1050" dirty="0">
                 <a:latin typeface="Courier" charset="0"/>
                 <a:ea typeface="Courier" charset="0"/>
                 <a:cs typeface="Courier" charset="0"/>
@@ -7856,7 +7034,7 @@
           </a:p>
           <a:p>
             <a:r>
-              <a:rPr lang="en-US" altLang="ja-JP" sz="1050" dirty="0" smtClean="0">
+              <a:rPr lang="en-US" altLang="ja-JP" sz="1050" dirty="0">
                 <a:latin typeface="Courier" charset="0"/>
                 <a:ea typeface="Courier" charset="0"/>
                 <a:cs typeface="Courier" charset="0"/>
@@ -7865,7 +7043,7 @@
             </a:r>
           </a:p>
           <a:p>
-            <a:endParaRPr lang="en-US" altLang="ja-JP" sz="1050" dirty="0" smtClean="0">
+            <a:endParaRPr lang="en-US" altLang="ja-JP" sz="1050" dirty="0">
               <a:latin typeface="Courier" charset="0"/>
               <a:ea typeface="Courier" charset="0"/>
               <a:cs typeface="Courier" charset="0"/>
@@ -7937,7 +7115,7 @@
           <a:lstStyle/>
           <a:p>
             <a:r>
-              <a:rPr lang="en-US" altLang="ja-JP" dirty="0" smtClean="0"/>
+              <a:rPr lang="en-US" altLang="ja-JP" dirty="0"/>
               <a:t># of Domain</a:t>
             </a:r>
             <a:endParaRPr kumimoji="1" lang="ja-JP" altLang="en-US" dirty="0"/>
@@ -7972,7 +7150,7 @@
           <a:lstStyle/>
           <a:p>
             <a:r>
-              <a:rPr lang="en-US" altLang="ja-JP" smtClean="0"/>
+              <a:rPr lang="en-US" altLang="ja-JP"/>
               <a:t>atom number</a:t>
             </a:r>
             <a:endParaRPr kumimoji="1" lang="ja-JP" altLang="en-US" dirty="0"/>
@@ -8045,13 +7223,13 @@
           <a:lstStyle/>
           <a:p>
             <a:r>
-              <a:rPr lang="en-US" altLang="ja-JP" dirty="0" smtClean="0"/>
+              <a:rPr lang="en-US" altLang="ja-JP" dirty="0"/>
               <a:t>dx1, dy1, dz1, dx3, dy3,</a:t>
             </a:r>
           </a:p>
           <a:p>
             <a:r>
-              <a:rPr kumimoji="1" lang="en-US" altLang="ja-JP" dirty="0" smtClean="0"/>
+              <a:rPr kumimoji="1" lang="en-US" altLang="ja-JP" dirty="0"/>
               <a:t>dz3, dx4, dy4, dz4</a:t>
             </a:r>
             <a:endParaRPr kumimoji="1" lang="ja-JP" altLang="en-US" dirty="0"/>
@@ -8158,7 +7336,7 @@
           <a:lstStyle/>
           <a:p>
             <a:r>
-              <a:rPr lang="en-US" altLang="ja-JP" dirty="0" smtClean="0"/>
+              <a:rPr lang="en-US" altLang="ja-JP" dirty="0"/>
               <a:t>Title</a:t>
             </a:r>
             <a:endParaRPr kumimoji="1" lang="ja-JP" altLang="en-US" dirty="0"/>
@@ -8231,13 +7409,13 @@
           <a:lstStyle/>
           <a:p>
             <a:r>
-              <a:rPr kumimoji="1" lang="en-US" altLang="ja-JP" smtClean="0"/>
+              <a:rPr kumimoji="1" lang="en-US" altLang="ja-JP"/>
               <a:t>1st </a:t>
             </a:r>
           </a:p>
           <a:p>
             <a:r>
-              <a:rPr kumimoji="1" lang="en-US" altLang="ja-JP" dirty="0" smtClean="0"/>
+              <a:rPr kumimoji="1" lang="en-US" altLang="ja-JP" dirty="0"/>
               <a:t>Domain</a:t>
             </a:r>
             <a:endParaRPr kumimoji="1" lang="ja-JP" altLang="en-US" dirty="0"/>
@@ -8310,13 +7488,13 @@
           <a:lstStyle/>
           <a:p>
             <a:r>
-              <a:rPr kumimoji="1" lang="en-US" altLang="ja-JP" dirty="0" smtClean="0"/>
+              <a:rPr kumimoji="1" lang="en-US" altLang="ja-JP" dirty="0"/>
               <a:t>2nd </a:t>
             </a:r>
           </a:p>
           <a:p>
             <a:r>
-              <a:rPr kumimoji="1" lang="en-US" altLang="ja-JP" dirty="0" smtClean="0"/>
+              <a:rPr kumimoji="1" lang="en-US" altLang="ja-JP" dirty="0"/>
               <a:t>Domain</a:t>
             </a:r>
             <a:endParaRPr kumimoji="1" lang="ja-JP" altLang="en-US" dirty="0"/>
@@ -8430,7 +7608,7 @@
           <a:lstStyle/>
           <a:p>
             <a:r>
-              <a:rPr kumimoji="1" lang="en-US" altLang="ja-JP" smtClean="0"/>
+              <a:rPr kumimoji="1" lang="en-US" altLang="ja-JP"/>
               <a:t># of modes</a:t>
             </a:r>
             <a:endParaRPr kumimoji="1" lang="ja-JP" altLang="en-US" dirty="0"/>
@@ -8483,7 +7661,7 @@
           <a:lstStyle/>
           <a:p>
             <a:r>
-              <a:rPr kumimoji="1" lang="en-US" altLang="ja-JP" dirty="0" smtClean="0"/>
+              <a:rPr kumimoji="1" lang="en-US" altLang="ja-JP" dirty="0"/>
               <a:t>1. Basic Usage</a:t>
             </a:r>
             <a:endParaRPr kumimoji="1" lang="ja-JP" altLang="en-US" dirty="0"/>
@@ -8513,128 +7691,92 @@
           <a:lstStyle/>
           <a:p>
             <a:r>
-              <a:rPr kumimoji="1" lang="en-US" altLang="ja-JP" sz="1600" dirty="0" smtClean="0"/>
+              <a:rPr kumimoji="1" lang="en-US" altLang="ja-JP" sz="1600" dirty="0"/>
               <a:t>The first </a:t>
             </a:r>
             <a:r>
-              <a:rPr lang="en-US" altLang="ja-JP" sz="1600" dirty="0" smtClean="0"/>
+              <a:rPr lang="en-US" altLang="ja-JP" sz="1600" dirty="0"/>
               <a:t>window </a:t>
             </a:r>
             <a:r>
-              <a:rPr kumimoji="1" lang="en-US" altLang="ja-JP" sz="1600" dirty="0" smtClean="0"/>
+              <a:rPr kumimoji="1" lang="en-US" altLang="ja-JP" sz="1600" dirty="0"/>
               <a:t>you see </a:t>
             </a:r>
             <a:r>
-              <a:rPr lang="en-US" altLang="ja-JP" sz="1600" dirty="0" smtClean="0"/>
-              <a:t>when </a:t>
-            </a:r>
-            <a:r>
               <a:rPr lang="en-US" altLang="ja-JP" sz="1600" dirty="0"/>
-              <a:t>you start up </a:t>
-            </a:r>
-            <a:r>
-              <a:rPr lang="en-US" altLang="ja-JP" sz="1600" dirty="0" err="1" smtClean="0"/>
+              <a:t>when you start up </a:t>
+            </a:r>
+            <a:r>
+              <a:rPr lang="en-US" altLang="ja-JP" sz="1600" dirty="0" err="1"/>
               <a:t>JSindo</a:t>
-            </a:r>
-            <a:r>
-              <a:rPr lang="en-US" altLang="ja-JP" sz="1600" dirty="0" smtClean="0"/>
-              <a:t> </a:t>
-            </a:r>
-            <a:r>
-              <a:rPr kumimoji="1" lang="en-US" altLang="ja-JP" sz="1600" dirty="0" smtClean="0"/>
-              <a:t>is called a </a:t>
-            </a:r>
-            <a:r>
-              <a:rPr kumimoji="1" lang="en-US" altLang="ja-JP" sz="1600" dirty="0" err="1" smtClean="0"/>
-              <a:t>controler</a:t>
-            </a:r>
-            <a:r>
-              <a:rPr kumimoji="1" lang="en-US" altLang="ja-JP" sz="1600" dirty="0" smtClean="0"/>
-              <a:t> panel.</a:t>
             </a:r>
             <a:r>
               <a:rPr lang="en-US" altLang="ja-JP" sz="1600" dirty="0"/>
               <a:t> </a:t>
             </a:r>
             <a:r>
-              <a:rPr lang="en-US" altLang="ja-JP" sz="1600" dirty="0" smtClean="0"/>
-              <a:t>This panel provides an access to all functions of </a:t>
-            </a:r>
-            <a:r>
-              <a:rPr lang="en-US" altLang="ja-JP" sz="1600" dirty="0" err="1" smtClean="0"/>
-              <a:t>JSindo</a:t>
-            </a:r>
-            <a:r>
-              <a:rPr lang="en-US" altLang="ja-JP" sz="1600" dirty="0" smtClean="0"/>
-              <a:t>. </a:t>
-            </a:r>
-          </a:p>
-          <a:p>
-            <a:endParaRPr kumimoji="1" lang="en-US" altLang="ja-JP" sz="1600" dirty="0"/>
-          </a:p>
-          <a:p>
+              <a:rPr kumimoji="1" lang="en-US" altLang="ja-JP" sz="1600" dirty="0"/>
+              <a:t>is called a </a:t>
+            </a:r>
+            <a:r>
+              <a:rPr kumimoji="1" lang="en-US" altLang="ja-JP" sz="1600" dirty="0" err="1"/>
+              <a:t>controler</a:t>
+            </a:r>
+            <a:r>
+              <a:rPr kumimoji="1" lang="en-US" altLang="ja-JP" sz="1600" dirty="0"/>
+              <a:t> panel.</a:t>
+            </a:r>
+            <a:r>
+              <a:rPr lang="en-US" altLang="ja-JP" sz="1600" dirty="0"/>
+              <a:t> This panel provides an access to all functions of </a:t>
+            </a:r>
             <a:r>
               <a:rPr lang="en-US" altLang="ja-JP" sz="1600" dirty="0" err="1"/>
               <a:t>JSindo</a:t>
             </a:r>
             <a:r>
               <a:rPr lang="en-US" altLang="ja-JP" sz="1600" dirty="0"/>
-              <a:t> </a:t>
-            </a:r>
-            <a:r>
-              <a:rPr lang="en-US" altLang="ja-JP" sz="1600" dirty="0" smtClean="0"/>
-              <a:t>reads </a:t>
+              <a:t>. </a:t>
+            </a:r>
+          </a:p>
+          <a:p>
+            <a:endParaRPr kumimoji="1" lang="en-US" altLang="ja-JP" sz="1600" dirty="0"/>
+          </a:p>
+          <a:p>
+            <a:r>
+              <a:rPr lang="en-US" altLang="ja-JP" sz="1600" dirty="0" err="1"/>
+              <a:t>JSindo</a:t>
             </a:r>
             <a:r>
               <a:rPr lang="en-US" altLang="ja-JP" sz="1600" dirty="0"/>
-              <a:t>and </a:t>
-            </a:r>
-            <a:r>
-              <a:rPr lang="en-US" altLang="ja-JP" sz="1600" dirty="0" smtClean="0"/>
-              <a:t>stores </a:t>
+              <a:t> reads and stores the information of a system in a file called ”</a:t>
+            </a:r>
+            <a:r>
+              <a:rPr lang="en-US" altLang="ja-JP" sz="1600" dirty="0" err="1"/>
+              <a:t>minfo</a:t>
             </a:r>
             <a:r>
               <a:rPr lang="en-US" altLang="ja-JP" sz="1600" dirty="0"/>
-              <a:t>the information of </a:t>
-            </a:r>
-            <a:r>
-              <a:rPr lang="en-US" altLang="ja-JP" sz="1600" dirty="0" smtClean="0"/>
-              <a:t>a </a:t>
-            </a:r>
-            <a:r>
-              <a:rPr lang="en-US" altLang="ja-JP" sz="1600" dirty="0"/>
-              <a:t>system </a:t>
-            </a:r>
-            <a:r>
-              <a:rPr lang="en-US" altLang="ja-JP" sz="1600" dirty="0" smtClean="0"/>
-              <a:t>in a file called ”</a:t>
-            </a:r>
-            <a:r>
-              <a:rPr lang="en-US" altLang="ja-JP" sz="1600" dirty="0" err="1" smtClean="0"/>
+              <a:t>” (See Sec.3 for the format). </a:t>
+            </a:r>
+            <a:r>
+              <a:rPr kumimoji="1" lang="en-US" altLang="ja-JP" sz="1600" dirty="0"/>
+              <a:t>Let’s start using </a:t>
+            </a:r>
+            <a:r>
+              <a:rPr kumimoji="1" lang="en-US" altLang="ja-JP" sz="1600" dirty="0" err="1"/>
+              <a:t>JSindo</a:t>
+            </a:r>
+            <a:r>
+              <a:rPr kumimoji="1" lang="en-US" altLang="ja-JP" sz="1600" dirty="0"/>
+              <a:t> by opening a </a:t>
+            </a:r>
+            <a:r>
+              <a:rPr kumimoji="1" lang="en-US" altLang="ja-JP" sz="1600" dirty="0" err="1"/>
               <a:t>minfo</a:t>
             </a:r>
             <a:r>
-              <a:rPr lang="en-US" altLang="ja-JP" sz="1600" dirty="0" smtClean="0"/>
-              <a:t>” (See Sec.3 for the format). </a:t>
-            </a:r>
-            <a:r>
-              <a:rPr kumimoji="1" lang="en-US" altLang="ja-JP" sz="1600" dirty="0" smtClean="0"/>
-              <a:t>Let’s start using </a:t>
-            </a:r>
-            <a:r>
-              <a:rPr kumimoji="1" lang="en-US" altLang="ja-JP" sz="1600" dirty="0" err="1" smtClean="0"/>
-              <a:t>JSindo</a:t>
-            </a:r>
-            <a:r>
-              <a:rPr kumimoji="1" lang="en-US" altLang="ja-JP" sz="1600" dirty="0" smtClean="0"/>
-              <a:t> by opening a </a:t>
-            </a:r>
-            <a:r>
-              <a:rPr kumimoji="1" lang="en-US" altLang="ja-JP" sz="1600" dirty="0" err="1" smtClean="0"/>
-              <a:t>minfo</a:t>
-            </a:r>
-            <a:r>
-              <a:rPr kumimoji="1" lang="en-US" altLang="ja-JP" sz="1600" dirty="0" smtClean="0"/>
+              <a:rPr kumimoji="1" lang="en-US" altLang="ja-JP" sz="1600" dirty="0"/>
               <a:t> file. Sample files are provided along with this document</a:t>
             </a:r>
             <a:r>
@@ -8642,36 +7784,28 @@
               <a:t> in a “sample” folder</a:t>
             </a:r>
             <a:r>
-              <a:rPr kumimoji="1" lang="en-US" altLang="ja-JP" sz="1600" dirty="0" smtClean="0"/>
+              <a:rPr kumimoji="1" lang="en-US" altLang="ja-JP" sz="1600" dirty="0"/>
               <a:t>. You can open a </a:t>
             </a:r>
             <a:r>
-              <a:rPr kumimoji="1" lang="en-US" altLang="ja-JP" sz="1600" dirty="0" err="1" smtClean="0"/>
+              <a:rPr kumimoji="1" lang="en-US" altLang="ja-JP" sz="1600" dirty="0" err="1"/>
               <a:t>minfo</a:t>
             </a:r>
             <a:r>
-              <a:rPr kumimoji="1" lang="en-US" altLang="ja-JP" sz="1600" dirty="0" smtClean="0"/>
+              <a:rPr kumimoji="1" lang="en-US" altLang="ja-JP" sz="1600" dirty="0"/>
               <a:t> file </a:t>
             </a:r>
             <a:r>
-              <a:rPr lang="en-US" altLang="ja-JP" sz="1600" dirty="0" smtClean="0"/>
-              <a:t>in </a:t>
-            </a:r>
-            <a:r>
               <a:rPr lang="en-US" altLang="ja-JP" sz="1600" dirty="0"/>
-              <a:t>the following </a:t>
-            </a:r>
-            <a:r>
-              <a:rPr lang="en-US" altLang="ja-JP" sz="1600" dirty="0" smtClean="0"/>
-              <a:t>step (see Fig. 1, too)</a:t>
-            </a:r>
-            <a:r>
-              <a:rPr kumimoji="1" lang="en-US" altLang="ja-JP" sz="1600" dirty="0" smtClean="0"/>
+              <a:t>in the following step (see Fig. 1, too)</a:t>
+            </a:r>
+            <a:r>
+              <a:rPr kumimoji="1" lang="en-US" altLang="ja-JP" sz="1600" dirty="0"/>
               <a:t>:</a:t>
             </a:r>
           </a:p>
           <a:p>
-            <a:endParaRPr kumimoji="1" lang="en-US" altLang="ja-JP" sz="1600" dirty="0" smtClean="0"/>
+            <a:endParaRPr kumimoji="1" lang="en-US" altLang="ja-JP" sz="1600" dirty="0"/>
           </a:p>
           <a:p>
             <a:pPr marL="800100" lvl="1" indent="-342900">
@@ -8679,23 +7813,23 @@
               <a:buAutoNum type="arabicPeriod"/>
             </a:pPr>
             <a:r>
-              <a:rPr lang="en-US" altLang="ja-JP" sz="1600" dirty="0" smtClean="0"/>
+              <a:rPr lang="en-US" altLang="ja-JP" sz="1600" dirty="0"/>
               <a:t>“File -&gt; Open” pops up a </a:t>
             </a:r>
             <a:r>
-              <a:rPr lang="en-US" altLang="ja-JP" sz="1600" dirty="0" err="1" smtClean="0"/>
+              <a:rPr lang="en-US" altLang="ja-JP" sz="1600" dirty="0" err="1"/>
               <a:t>filechooser</a:t>
             </a:r>
             <a:r>
-              <a:rPr lang="en-US" altLang="ja-JP" sz="1600" dirty="0" smtClean="0"/>
+              <a:rPr lang="en-US" altLang="ja-JP" sz="1600" dirty="0"/>
               <a:t>. </a:t>
             </a:r>
             <a:r>
-              <a:rPr lang="en-US" altLang="ja-JP" sz="1600" dirty="0" err="1" smtClean="0"/>
+              <a:rPr lang="en-US" altLang="ja-JP" sz="1600" dirty="0" err="1"/>
               <a:t>Ctrl+o</a:t>
             </a:r>
             <a:r>
-              <a:rPr lang="en-US" altLang="ja-JP" sz="1600" dirty="0" smtClean="0"/>
+              <a:rPr lang="en-US" altLang="ja-JP" sz="1600" dirty="0"/>
               <a:t> is a shortcut.</a:t>
             </a:r>
           </a:p>
@@ -8705,12 +7839,20 @@
               <a:buAutoNum type="arabicPeriod"/>
             </a:pPr>
             <a:r>
-              <a:rPr lang="en-US" altLang="ja-JP" sz="1600" dirty="0" err="1" smtClean="0"/>
+              <a:rPr lang="en-US" altLang="ja-JP" sz="1600" dirty="0" err="1"/>
               <a:t>Goto</a:t>
             </a:r>
             <a:r>
-              <a:rPr lang="en-US" altLang="ja-JP" sz="1600" dirty="0" smtClean="0"/>
-              <a:t> “sample” folder, choose “c4h6.minfo”, and click open.</a:t>
+              <a:rPr lang="en-US" altLang="ja-JP" sz="1600" dirty="0"/>
+              <a:t> “</a:t>
+            </a:r>
+            <a:r>
+              <a:rPr lang="en-US" altLang="ja-JP" sz="1600" dirty="0" err="1"/>
+              <a:t>sample_JSindo</a:t>
+            </a:r>
+            <a:r>
+              <a:rPr lang="en-US" altLang="ja-JP" sz="1600" dirty="0"/>
+              <a:t>” folder, choose “c4h6.minfo”, and click open.</a:t>
             </a:r>
           </a:p>
           <a:p>
@@ -8719,31 +7861,23 @@
               <a:buAutoNum type="arabicPeriod"/>
             </a:pPr>
             <a:r>
-              <a:rPr lang="en-US" altLang="ja-JP" sz="1600" dirty="0" smtClean="0"/>
-              <a:t>Then, a viewer panel pops up</a:t>
-            </a:r>
-            <a:r>
               <a:rPr lang="en-US" altLang="ja-JP" sz="1600" dirty="0"/>
-              <a:t> </a:t>
-            </a:r>
-            <a:r>
-              <a:rPr lang="en-US" altLang="ja-JP" sz="1600" dirty="0" smtClean="0"/>
-              <a:t>to show C</a:t>
-            </a:r>
-            <a:r>
-              <a:rPr lang="en-US" altLang="ja-JP" sz="1600" baseline="-25000" dirty="0" smtClean="0"/>
+              <a:t>Then, a viewer panel pops up to show C</a:t>
+            </a:r>
+            <a:r>
+              <a:rPr lang="en-US" altLang="ja-JP" sz="1600" baseline="-25000" dirty="0"/>
               <a:t>4</a:t>
             </a:r>
             <a:r>
-              <a:rPr lang="en-US" altLang="ja-JP" sz="1600" dirty="0" smtClean="0"/>
+              <a:rPr lang="en-US" altLang="ja-JP" sz="1600" dirty="0"/>
               <a:t>H</a:t>
             </a:r>
             <a:r>
-              <a:rPr lang="en-US" altLang="ja-JP" sz="1600" baseline="-25000" dirty="0" smtClean="0"/>
+              <a:rPr lang="en-US" altLang="ja-JP" sz="1600" baseline="-25000" dirty="0"/>
               <a:t>6</a:t>
             </a:r>
             <a:r>
-              <a:rPr lang="en-US" altLang="ja-JP" sz="1600" dirty="0" smtClean="0"/>
+              <a:rPr lang="en-US" altLang="ja-JP" sz="1600" dirty="0"/>
               <a:t> (1,3-butadiene).</a:t>
             </a:r>
           </a:p>
@@ -8756,7 +7890,7 @@
           </a:p>
           <a:p>
             <a:r>
-              <a:rPr lang="en-US" altLang="ja-JP" sz="1600" dirty="0" smtClean="0"/>
+              <a:rPr lang="en-US" altLang="ja-JP" sz="1600" dirty="0"/>
               <a:t>You can rotate the molecule with a left button of your mouse, translate with a right button, and zoom up or out with a middle roller. </a:t>
             </a:r>
             <a:endParaRPr kumimoji="1" lang="ja-JP" altLang="en-US" sz="1600" dirty="0"/>
@@ -8786,23 +7920,23 @@
           <a:lstStyle/>
           <a:p>
             <a:r>
-              <a:rPr kumimoji="1" lang="en-US" altLang="ja-JP" sz="1600" dirty="0" smtClean="0"/>
+              <a:rPr kumimoji="1" lang="en-US" altLang="ja-JP" sz="1600" dirty="0"/>
               <a:t>Figure 1. (Left) </a:t>
             </a:r>
             <a:r>
-              <a:rPr kumimoji="1" lang="en-US" altLang="ja-JP" sz="1600" dirty="0" err="1" smtClean="0"/>
+              <a:rPr kumimoji="1" lang="en-US" altLang="ja-JP" sz="1600" dirty="0" err="1"/>
               <a:t>Controler</a:t>
             </a:r>
             <a:r>
-              <a:rPr kumimoji="1" lang="en-US" altLang="ja-JP" sz="1600" dirty="0" smtClean="0"/>
+              <a:rPr kumimoji="1" lang="en-US" altLang="ja-JP" sz="1600" dirty="0"/>
               <a:t> </a:t>
             </a:r>
             <a:r>
-              <a:rPr kumimoji="1" lang="en-US" altLang="ja-JP" sz="1600" dirty="0" err="1" smtClean="0"/>
+              <a:rPr kumimoji="1" lang="en-US" altLang="ja-JP" sz="1600" dirty="0" err="1"/>
               <a:t>panal</a:t>
             </a:r>
             <a:r>
-              <a:rPr kumimoji="1" lang="en-US" altLang="ja-JP" sz="1600" dirty="0" smtClean="0"/>
+              <a:rPr kumimoji="1" lang="en-US" altLang="ja-JP" sz="1600" dirty="0"/>
               <a:t>, (Middle) File chooser, and (Right) Molecule viewer panel.</a:t>
             </a:r>
             <a:endParaRPr kumimoji="1" lang="ja-JP" altLang="en-US" sz="1600" dirty="0"/>
@@ -8964,7 +8098,7 @@
             <a:lstStyle/>
             <a:p>
               <a:r>
-                <a:rPr kumimoji="1" lang="en-US" altLang="ja-JP" dirty="0" smtClean="0"/>
+                <a:rPr kumimoji="1" lang="en-US" altLang="ja-JP" dirty="0"/>
                 <a:t>click</a:t>
               </a:r>
               <a:endParaRPr kumimoji="1" lang="ja-JP" altLang="en-US" dirty="0"/>
@@ -9208,15 +8342,15 @@
           <a:lstStyle/>
           <a:p>
             <a:r>
-              <a:rPr kumimoji="1" lang="en-US" altLang="ja-JP" sz="2400" u="sng" dirty="0" smtClean="0"/>
+              <a:rPr kumimoji="1" lang="en-US" altLang="ja-JP" sz="2400" u="sng" dirty="0"/>
               <a:t>1.1. Open a </a:t>
             </a:r>
             <a:r>
-              <a:rPr kumimoji="1" lang="en-US" altLang="ja-JP" sz="2400" u="sng" dirty="0" err="1" smtClean="0"/>
+              <a:rPr kumimoji="1" lang="en-US" altLang="ja-JP" sz="2400" u="sng" dirty="0" err="1"/>
               <a:t>minfo</a:t>
             </a:r>
             <a:r>
-              <a:rPr kumimoji="1" lang="en-US" altLang="ja-JP" sz="2400" u="sng" dirty="0" smtClean="0"/>
+              <a:rPr kumimoji="1" lang="en-US" altLang="ja-JP" sz="2400" u="sng" dirty="0"/>
               <a:t> file</a:t>
             </a:r>
             <a:endParaRPr kumimoji="1" lang="ja-JP" altLang="en-US" sz="2400" u="sng" dirty="0"/>
@@ -9276,31 +8410,31 @@
           <a:lstStyle/>
           <a:p>
             <a:r>
-              <a:rPr kumimoji="1" lang="en-US" altLang="ja-JP" sz="1600" dirty="0" smtClean="0"/>
+              <a:rPr kumimoji="1" lang="en-US" altLang="ja-JP" sz="1600" dirty="0"/>
               <a:t>Now, click the “Show” </a:t>
             </a:r>
             <a:r>
-              <a:rPr lang="en-US" altLang="ja-JP" sz="1600" dirty="0" smtClean="0"/>
+              <a:rPr lang="en-US" altLang="ja-JP" sz="1600" dirty="0"/>
               <a:t>menu</a:t>
             </a:r>
             <a:r>
-              <a:rPr kumimoji="1" lang="en-US" altLang="ja-JP" sz="1600" dirty="0" smtClean="0"/>
+              <a:rPr kumimoji="1" lang="en-US" altLang="ja-JP" sz="1600" dirty="0"/>
               <a:t> in the control panel. You will find that “Vibrational Data” is active. This means that the </a:t>
             </a:r>
             <a:r>
-              <a:rPr kumimoji="1" lang="en-US" altLang="ja-JP" sz="1600" dirty="0" err="1" smtClean="0"/>
+              <a:rPr kumimoji="1" lang="en-US" altLang="ja-JP" sz="1600" dirty="0" err="1"/>
               <a:t>minfo</a:t>
             </a:r>
             <a:r>
-              <a:rPr kumimoji="1" lang="en-US" altLang="ja-JP" sz="1600" dirty="0" smtClean="0"/>
+              <a:rPr kumimoji="1" lang="en-US" altLang="ja-JP" sz="1600" dirty="0"/>
               <a:t> file you opened contains data of vibrational modes. Otherwise, the label is inactive (that is, </a:t>
             </a:r>
             <a:r>
-              <a:rPr kumimoji="1" lang="en-US" altLang="ja-JP" sz="1600" dirty="0" err="1" smtClean="0"/>
+              <a:rPr kumimoji="1" lang="en-US" altLang="ja-JP" sz="1600" dirty="0" err="1"/>
               <a:t>unclickable</a:t>
             </a:r>
             <a:r>
-              <a:rPr kumimoji="1" lang="en-US" altLang="ja-JP" sz="1600" dirty="0" smtClean="0"/>
+              <a:rPr kumimoji="1" lang="en-US" altLang="ja-JP" sz="1600" dirty="0"/>
               <a:t>). </a:t>
             </a:r>
           </a:p>
@@ -9309,23 +8443,23 @@
           </a:p>
           <a:p>
             <a:r>
-              <a:rPr kumimoji="1" lang="en-US" altLang="ja-JP" sz="1600" dirty="0" smtClean="0"/>
+              <a:rPr kumimoji="1" lang="en-US" altLang="ja-JP" sz="1600" dirty="0"/>
               <a:t>Click “Vibrational Data”, then a table of vibrational modes pops up which lists frequency, reduced mass, and infrared intensity. Click one of the mode, and you will see an arrow representation of the mode in the viewer panel. The example in Fig. 2 is one of the CH stretching modes of C</a:t>
             </a:r>
             <a:r>
-              <a:rPr kumimoji="1" lang="en-US" altLang="ja-JP" sz="1600" baseline="-25000" dirty="0" smtClean="0"/>
+              <a:rPr kumimoji="1" lang="en-US" altLang="ja-JP" sz="1600" baseline="-25000" dirty="0"/>
               <a:t>4</a:t>
             </a:r>
             <a:r>
-              <a:rPr kumimoji="1" lang="en-US" altLang="ja-JP" sz="1600" dirty="0" smtClean="0"/>
+              <a:rPr kumimoji="1" lang="en-US" altLang="ja-JP" sz="1600" dirty="0"/>
               <a:t>H</a:t>
             </a:r>
             <a:r>
-              <a:rPr kumimoji="1" lang="en-US" altLang="ja-JP" sz="1600" baseline="-25000" dirty="0" smtClean="0"/>
+              <a:rPr kumimoji="1" lang="en-US" altLang="ja-JP" sz="1600" baseline="-25000" dirty="0"/>
               <a:t>6</a:t>
             </a:r>
             <a:r>
-              <a:rPr kumimoji="1" lang="en-US" altLang="ja-JP" sz="1600" dirty="0" smtClean="0"/>
+              <a:rPr kumimoji="1" lang="en-US" altLang="ja-JP" sz="1600" dirty="0"/>
               <a:t>.</a:t>
             </a:r>
           </a:p>
@@ -9354,16 +8488,8 @@
           <a:lstStyle/>
           <a:p>
             <a:r>
-              <a:rPr lang="en-US" altLang="ja-JP" sz="1600" dirty="0" smtClean="0"/>
-              <a:t>The arrows can be inverted by a checkbox in front of “Invert </a:t>
-            </a:r>
-            <a:r>
               <a:rPr lang="en-US" altLang="ja-JP" sz="1600" dirty="0"/>
-              <a:t>the arrows</a:t>
-            </a:r>
-            <a:r>
-              <a:rPr lang="en-US" altLang="ja-JP" sz="1600" dirty="0" smtClean="0"/>
-              <a:t>”. Also, the size of arrows can be changed with a slider. </a:t>
+              <a:t>The arrows can be inverted by a checkbox in front of “Invert the arrows”. Also, the size of arrows can be changed with a slider. </a:t>
             </a:r>
             <a:endParaRPr lang="ja-JP" altLang="en-US" sz="1600" dirty="0"/>
           </a:p>
@@ -9392,31 +8518,31 @@
           <a:lstStyle/>
           <a:p>
             <a:r>
-              <a:rPr kumimoji="1" lang="en-US" altLang="ja-JP" sz="1600" dirty="0" smtClean="0"/>
+              <a:rPr kumimoji="1" lang="en-US" altLang="ja-JP" sz="1600" dirty="0"/>
               <a:t>Figure 2. (Left) </a:t>
             </a:r>
             <a:r>
-              <a:rPr kumimoji="1" lang="en-US" altLang="ja-JP" sz="1600" dirty="0" err="1" smtClean="0"/>
+              <a:rPr kumimoji="1" lang="en-US" altLang="ja-JP" sz="1600" dirty="0" err="1"/>
               <a:t>Controler</a:t>
             </a:r>
             <a:r>
-              <a:rPr kumimoji="1" lang="en-US" altLang="ja-JP" sz="1600" dirty="0" smtClean="0"/>
+              <a:rPr kumimoji="1" lang="en-US" altLang="ja-JP" sz="1600" dirty="0"/>
               <a:t> </a:t>
             </a:r>
             <a:r>
-              <a:rPr kumimoji="1" lang="en-US" altLang="ja-JP" sz="1600" dirty="0" err="1" smtClean="0"/>
+              <a:rPr kumimoji="1" lang="en-US" altLang="ja-JP" sz="1600" dirty="0" err="1"/>
               <a:t>panal</a:t>
             </a:r>
             <a:r>
-              <a:rPr kumimoji="1" lang="en-US" altLang="ja-JP" sz="1600" dirty="0" smtClean="0"/>
+              <a:rPr kumimoji="1" lang="en-US" altLang="ja-JP" sz="1600" dirty="0"/>
               <a:t>, (Middle) table of modes, and (Right)</a:t>
             </a:r>
             <a:r>
-              <a:rPr lang="en-US" altLang="ja-JP" sz="1600" dirty="0" smtClean="0"/>
+              <a:rPr lang="en-US" altLang="ja-JP" sz="1600" dirty="0"/>
               <a:t> mode 20 represented with arrows</a:t>
             </a:r>
             <a:r>
-              <a:rPr kumimoji="1" lang="en-US" altLang="ja-JP" sz="1600" dirty="0" smtClean="0"/>
+              <a:rPr kumimoji="1" lang="en-US" altLang="ja-JP" sz="1600" dirty="0"/>
               <a:t>.</a:t>
             </a:r>
             <a:endParaRPr kumimoji="1" lang="ja-JP" altLang="en-US" sz="1600" dirty="0"/>
@@ -9446,7 +8572,7 @@
           <a:lstStyle/>
           <a:p>
             <a:r>
-              <a:rPr kumimoji="1" lang="en-US" altLang="ja-JP" sz="2400" u="sng" dirty="0" smtClean="0"/>
+              <a:rPr kumimoji="1" lang="en-US" altLang="ja-JP" sz="2400" u="sng" dirty="0"/>
               <a:t>1.2. Visualize normal modes</a:t>
             </a:r>
             <a:endParaRPr kumimoji="1" lang="ja-JP" altLang="en-US" sz="2400" u="sng" dirty="0"/>
@@ -9526,7 +8652,7 @@
             <a:p>
               <a:pPr algn="ctr"/>
               <a:r>
-                <a:rPr kumimoji="1" lang="en-US" altLang="ja-JP" dirty="0" smtClean="0">
+                <a:rPr kumimoji="1" lang="en-US" altLang="ja-JP" dirty="0">
                   <a:effectLst>
                     <a:glow rad="101600">
                       <a:schemeClr val="bg1">
@@ -9905,7 +9031,7 @@
             <a:lstStyle/>
             <a:p>
               <a:r>
-                <a:rPr kumimoji="1" lang="en-US" altLang="ja-JP" dirty="0" smtClean="0"/>
+                <a:rPr kumimoji="1" lang="en-US" altLang="ja-JP" dirty="0"/>
                 <a:t>slider</a:t>
               </a:r>
               <a:endParaRPr kumimoji="1" lang="ja-JP" altLang="en-US" dirty="0"/>
@@ -9935,7 +9061,7 @@
             <a:lstStyle/>
             <a:p>
               <a:r>
-                <a:rPr kumimoji="1" lang="en-US" altLang="ja-JP" dirty="0" smtClean="0"/>
+                <a:rPr kumimoji="1" lang="en-US" altLang="ja-JP" dirty="0"/>
                 <a:t>checkbox</a:t>
               </a:r>
               <a:endParaRPr kumimoji="1" lang="ja-JP" altLang="en-US" dirty="0"/>
@@ -10104,43 +9230,43 @@
           <a:lstStyle/>
           <a:p>
             <a:r>
-              <a:rPr kumimoji="1" lang="en-US" altLang="ja-JP" sz="1600" dirty="0" err="1" smtClean="0"/>
+              <a:rPr kumimoji="1" lang="en-US" altLang="ja-JP" sz="1600" dirty="0" err="1"/>
               <a:t>JSindo</a:t>
             </a:r>
             <a:r>
-              <a:rPr kumimoji="1" lang="en-US" altLang="ja-JP" sz="1600" dirty="0" smtClean="0"/>
+              <a:rPr kumimoji="1" lang="en-US" altLang="ja-JP" sz="1600" dirty="0"/>
               <a:t> can import a formatted checkpoint (</a:t>
             </a:r>
             <a:r>
-              <a:rPr kumimoji="1" lang="en-US" altLang="ja-JP" sz="1600" dirty="0" err="1" smtClean="0"/>
+              <a:rPr kumimoji="1" lang="en-US" altLang="ja-JP" sz="1600" dirty="0" err="1"/>
               <a:t>fchk</a:t>
             </a:r>
             <a:r>
-              <a:rPr kumimoji="1" lang="en-US" altLang="ja-JP" sz="1600" dirty="0" smtClean="0"/>
+              <a:rPr kumimoji="1" lang="en-US" altLang="ja-JP" sz="1600" dirty="0"/>
               <a:t>) file of Gaussian09/16. The </a:t>
             </a:r>
             <a:r>
-              <a:rPr kumimoji="1" lang="en-US" altLang="ja-JP" sz="1600" dirty="0" err="1" smtClean="0"/>
+              <a:rPr kumimoji="1" lang="en-US" altLang="ja-JP" sz="1600" dirty="0" err="1"/>
               <a:t>fchk</a:t>
             </a:r>
             <a:r>
-              <a:rPr kumimoji="1" lang="en-US" altLang="ja-JP" sz="1600" dirty="0" smtClean="0"/>
+              <a:rPr kumimoji="1" lang="en-US" altLang="ja-JP" sz="1600" dirty="0"/>
               <a:t> file </a:t>
             </a:r>
             <a:r>
-              <a:rPr lang="en-US" altLang="ja-JP" sz="1600" dirty="0" smtClean="0"/>
+              <a:rPr lang="en-US" altLang="ja-JP" sz="1600" dirty="0"/>
               <a:t>is an archive of Gaussian job. It can be created by setting %</a:t>
             </a:r>
             <a:r>
-              <a:rPr lang="en-US" altLang="ja-JP" sz="1600" dirty="0" err="1" smtClean="0"/>
+              <a:rPr lang="en-US" altLang="ja-JP" sz="1600" dirty="0" err="1"/>
               <a:t>chk</a:t>
             </a:r>
             <a:r>
-              <a:rPr lang="en-US" altLang="ja-JP" sz="1600" dirty="0" smtClean="0"/>
+              <a:rPr lang="en-US" altLang="ja-JP" sz="1600" dirty="0"/>
               <a:t>=</a:t>
             </a:r>
             <a:r>
-              <a:rPr lang="en-US" altLang="ja-JP" sz="1600" dirty="0" err="1" smtClean="0">
+              <a:rPr lang="en-US" altLang="ja-JP" sz="1600" dirty="0" err="1">
                 <a:solidFill>
                   <a:srgbClr val="FF0000"/>
                 </a:solidFill>
@@ -10148,31 +9274,31 @@
               <a:t>xxx.chk</a:t>
             </a:r>
             <a:r>
-              <a:rPr lang="en-US" altLang="ja-JP" sz="1600" dirty="0" smtClean="0"/>
+              <a:rPr lang="en-US" altLang="ja-JP" sz="1600" dirty="0"/>
               <a:t> in the root section of Gaussian input, and by converting a binary file (</a:t>
             </a:r>
             <a:r>
-              <a:rPr lang="en-US" altLang="ja-JP" sz="1600" dirty="0" err="1" smtClean="0"/>
+              <a:rPr lang="en-US" altLang="ja-JP" sz="1600" dirty="0" err="1"/>
               <a:t>xxx.chk</a:t>
             </a:r>
             <a:r>
-              <a:rPr lang="en-US" altLang="ja-JP" sz="1600" dirty="0" smtClean="0"/>
+              <a:rPr lang="en-US" altLang="ja-JP" sz="1600" dirty="0"/>
               <a:t>) to an </a:t>
             </a:r>
             <a:r>
-              <a:rPr lang="en-US" altLang="ja-JP" sz="1600" dirty="0" err="1" smtClean="0"/>
+              <a:rPr lang="en-US" altLang="ja-JP" sz="1600" dirty="0" err="1"/>
               <a:t>ascii</a:t>
             </a:r>
             <a:r>
-              <a:rPr lang="en-US" altLang="ja-JP" sz="1600" dirty="0" smtClean="0"/>
+              <a:rPr lang="en-US" altLang="ja-JP" sz="1600" dirty="0"/>
               <a:t> file using </a:t>
             </a:r>
             <a:r>
-              <a:rPr lang="en-US" altLang="ja-JP" sz="1600" dirty="0" err="1" smtClean="0"/>
+              <a:rPr lang="en-US" altLang="ja-JP" sz="1600" dirty="0" err="1"/>
               <a:t>formchk</a:t>
             </a:r>
             <a:r>
-              <a:rPr lang="en-US" altLang="ja-JP" sz="1600" dirty="0" smtClean="0"/>
+              <a:rPr lang="en-US" altLang="ja-JP" sz="1600" dirty="0"/>
               <a:t> utility.  See the manual of Gaussian for more details.</a:t>
             </a:r>
           </a:p>
@@ -10182,35 +9308,15 @@
           <a:p>
             <a:r>
               <a:rPr lang="en-US" altLang="ja-JP" sz="1600" dirty="0"/>
-              <a:t>You can </a:t>
-            </a:r>
-            <a:r>
-              <a:rPr lang="en-US" altLang="ja-JP" sz="1600" dirty="0" smtClean="0"/>
-              <a:t>import </a:t>
+              <a:t>You can import a </a:t>
+            </a:r>
+            <a:r>
+              <a:rPr lang="en-US" altLang="ja-JP" sz="1600" dirty="0" err="1"/>
+              <a:t>fchk</a:t>
             </a:r>
             <a:r>
               <a:rPr lang="en-US" altLang="ja-JP" sz="1600" dirty="0"/>
-              <a:t>a </a:t>
-            </a:r>
-            <a:r>
-              <a:rPr lang="en-US" altLang="ja-JP" sz="1600" dirty="0" err="1" smtClean="0"/>
-              <a:t>fchk</a:t>
-            </a:r>
-            <a:r>
-              <a:rPr lang="en-US" altLang="ja-JP" sz="1600" dirty="0" smtClean="0"/>
-              <a:t> </a:t>
-            </a:r>
-            <a:r>
-              <a:rPr lang="en-US" altLang="ja-JP" sz="1600" dirty="0"/>
-              <a:t>file in the following step (see Fig. 3</a:t>
-            </a:r>
-            <a:r>
-              <a:rPr lang="en-US" altLang="ja-JP" sz="1600" dirty="0" smtClean="0"/>
-              <a:t>, </a:t>
-            </a:r>
-            <a:r>
-              <a:rPr lang="en-US" altLang="ja-JP" sz="1600" dirty="0"/>
-              <a:t>too):</a:t>
+              <a:t> file in the following step (see Fig. 3, too):</a:t>
             </a:r>
           </a:p>
           <a:p>
@@ -10223,15 +9329,7 @@
             </a:pPr>
             <a:r>
               <a:rPr lang="en-US" altLang="ja-JP" sz="1600" dirty="0"/>
-              <a:t>“File -&gt; </a:t>
-            </a:r>
-            <a:r>
-              <a:rPr lang="en-US" altLang="ja-JP" sz="1600" dirty="0" smtClean="0"/>
-              <a:t>Import” </a:t>
-            </a:r>
-            <a:r>
-              <a:rPr lang="en-US" altLang="ja-JP" sz="1600" dirty="0"/>
-              <a:t>pops up a </a:t>
+              <a:t>“File -&gt; Import” pops up a </a:t>
             </a:r>
             <a:r>
               <a:rPr lang="en-US" altLang="ja-JP" sz="1600" dirty="0" err="1"/>
@@ -10242,16 +9340,12 @@
               <a:t>. </a:t>
             </a:r>
             <a:r>
-              <a:rPr lang="en-US" altLang="ja-JP" sz="1600" dirty="0" err="1" smtClean="0"/>
+              <a:rPr lang="en-US" altLang="ja-JP" sz="1600" dirty="0" err="1"/>
               <a:t>Ctrl+i</a:t>
             </a:r>
             <a:r>
-              <a:rPr lang="en-US" altLang="ja-JP" sz="1600" dirty="0" smtClean="0"/>
-              <a:t> </a:t>
-            </a:r>
-            <a:r>
               <a:rPr lang="en-US" altLang="ja-JP" sz="1600" dirty="0"/>
-              <a:t>is a shortcut.</a:t>
+              <a:t> is a shortcut.</a:t>
             </a:r>
           </a:p>
           <a:p>
@@ -10265,23 +9359,7 @@
             </a:r>
             <a:r>
               <a:rPr lang="en-US" altLang="ja-JP" sz="1600" dirty="0"/>
-              <a:t> “sample” folder, choose </a:t>
-            </a:r>
-            <a:r>
-              <a:rPr lang="en-US" altLang="ja-JP" sz="1600" dirty="0" smtClean="0"/>
-              <a:t>“h2co-mp2.fchk”, </a:t>
-            </a:r>
-            <a:r>
-              <a:rPr lang="en-US" altLang="ja-JP" sz="1600" dirty="0"/>
-              <a:t>and click </a:t>
-            </a:r>
-            <a:r>
-              <a:rPr lang="en-US" altLang="ja-JP" sz="1600" dirty="0" smtClean="0"/>
-              <a:t>to open</a:t>
-            </a:r>
-            <a:r>
-              <a:rPr lang="en-US" altLang="ja-JP" sz="1600" dirty="0"/>
-              <a:t>.</a:t>
+              <a:t> “sample” folder, choose “h2co-mp2.fchk”, and click to open.</a:t>
             </a:r>
           </a:p>
           <a:p>
@@ -10291,29 +9369,16 @@
             </a:pPr>
             <a:r>
               <a:rPr lang="en-US" altLang="ja-JP" sz="1600" dirty="0"/>
-              <a:t>Then</a:t>
-            </a:r>
-            <a:r>
-              <a:rPr lang="en-US" altLang="ja-JP" sz="1600" dirty="0" smtClean="0"/>
-              <a:t>, you will see H</a:t>
-            </a:r>
-            <a:r>
-              <a:rPr lang="en-US" altLang="ja-JP" sz="1600" baseline="-25000" dirty="0" smtClean="0"/>
+              <a:t>Then, you will see H</a:t>
+            </a:r>
+            <a:r>
+              <a:rPr lang="en-US" altLang="ja-JP" sz="1600" baseline="-25000" dirty="0"/>
               <a:t>2</a:t>
             </a:r>
             <a:r>
-              <a:rPr lang="en-US" altLang="ja-JP" sz="1600" dirty="0" smtClean="0"/>
-              <a:t>CO (formaldehyde) in </a:t>
-            </a:r>
-            <a:r>
               <a:rPr lang="en-US" altLang="ja-JP" sz="1600" dirty="0"/>
-              <a:t>a viewer </a:t>
-            </a:r>
-            <a:r>
-              <a:rPr lang="en-US" altLang="ja-JP" sz="1600" dirty="0" smtClean="0"/>
-              <a:t>panel.</a:t>
-            </a:r>
-            <a:endParaRPr lang="en-US" altLang="ja-JP" sz="1600" dirty="0"/>
+              <a:t>CO (formaldehyde) in a viewer panel.</a:t>
+            </a:r>
           </a:p>
           <a:p>
             <a:pPr marL="800100" lvl="1" indent="-342900">
@@ -10324,31 +9389,31 @@
           </a:p>
           <a:p>
             <a:r>
-              <a:rPr lang="en-US" altLang="ja-JP" sz="1600" dirty="0" smtClean="0"/>
+              <a:rPr lang="en-US" altLang="ja-JP" sz="1600" dirty="0"/>
               <a:t>Note that the extension of the file must be </a:t>
             </a:r>
             <a:r>
-              <a:rPr lang="en-US" altLang="ja-JP" sz="1600" dirty="0" err="1" smtClean="0"/>
+              <a:rPr lang="en-US" altLang="ja-JP" sz="1600" dirty="0" err="1"/>
               <a:t>fchk</a:t>
             </a:r>
             <a:r>
-              <a:rPr lang="en-US" altLang="ja-JP" sz="1600" dirty="0" smtClean="0"/>
+              <a:rPr lang="en-US" altLang="ja-JP" sz="1600" dirty="0"/>
               <a:t> (case insensitive, </a:t>
             </a:r>
             <a:r>
-              <a:rPr lang="en-US" altLang="ja-JP" sz="1600" dirty="0" err="1" smtClean="0"/>
+              <a:rPr lang="en-US" altLang="ja-JP" sz="1600" dirty="0" err="1"/>
               <a:t>Fchk</a:t>
             </a:r>
             <a:r>
-              <a:rPr lang="en-US" altLang="ja-JP" sz="1600" dirty="0" smtClean="0"/>
+              <a:rPr lang="en-US" altLang="ja-JP" sz="1600" dirty="0"/>
               <a:t>, </a:t>
             </a:r>
             <a:r>
-              <a:rPr lang="en-US" altLang="ja-JP" sz="1600" dirty="0" err="1" smtClean="0"/>
+              <a:rPr lang="en-US" altLang="ja-JP" sz="1600" dirty="0" err="1"/>
               <a:t>FChk</a:t>
             </a:r>
             <a:r>
-              <a:rPr lang="en-US" altLang="ja-JP" sz="1600" dirty="0" smtClean="0"/>
+              <a:rPr lang="en-US" altLang="ja-JP" sz="1600" dirty="0"/>
               <a:t>, are OK) but not others.</a:t>
             </a:r>
             <a:endParaRPr kumimoji="1" lang="ja-JP" altLang="en-US" sz="1600" dirty="0"/>
@@ -10378,15 +9443,15 @@
           <a:lstStyle/>
           <a:p>
             <a:r>
-              <a:rPr kumimoji="1" lang="en-US" altLang="ja-JP" sz="1600" dirty="0" smtClean="0"/>
+              <a:rPr kumimoji="1" lang="en-US" altLang="ja-JP" sz="1600" dirty="0"/>
               <a:t>Figure 3. (Left) “Import” in File menu, (Middle) choose h2co-mp2.fchk, then (Right) the </a:t>
             </a:r>
             <a:r>
-              <a:rPr kumimoji="1" lang="en-US" altLang="ja-JP" sz="1600" dirty="0" err="1" smtClean="0"/>
+              <a:rPr kumimoji="1" lang="en-US" altLang="ja-JP" sz="1600" dirty="0" err="1"/>
               <a:t>gaussian</a:t>
             </a:r>
             <a:r>
-              <a:rPr kumimoji="1" lang="en-US" altLang="ja-JP" sz="1600" dirty="0" smtClean="0"/>
+              <a:rPr kumimoji="1" lang="en-US" altLang="ja-JP" sz="1600" dirty="0"/>
               <a:t> data for formaldehyde is imported.</a:t>
             </a:r>
             <a:endParaRPr kumimoji="1" lang="ja-JP" altLang="en-US" sz="1600" dirty="0"/>
@@ -10548,7 +9613,7 @@
             <a:lstStyle/>
             <a:p>
               <a:r>
-                <a:rPr kumimoji="1" lang="en-US" altLang="ja-JP" dirty="0" smtClean="0"/>
+                <a:rPr kumimoji="1" lang="en-US" altLang="ja-JP" dirty="0"/>
                 <a:t>click</a:t>
               </a:r>
               <a:endParaRPr kumimoji="1" lang="ja-JP" altLang="en-US" dirty="0"/>
@@ -10793,15 +9858,15 @@
           <a:lstStyle/>
           <a:p>
             <a:r>
-              <a:rPr kumimoji="1" lang="en-US" altLang="ja-JP" sz="2400" u="sng" dirty="0" smtClean="0"/>
+              <a:rPr kumimoji="1" lang="en-US" altLang="ja-JP" sz="2400" u="sng" dirty="0"/>
               <a:t>1.3. Import </a:t>
             </a:r>
             <a:r>
-              <a:rPr kumimoji="1" lang="en-US" altLang="ja-JP" sz="2400" u="sng" dirty="0" err="1" smtClean="0"/>
+              <a:rPr kumimoji="1" lang="en-US" altLang="ja-JP" sz="2400" u="sng" dirty="0" err="1"/>
               <a:t>fchk</a:t>
             </a:r>
             <a:r>
-              <a:rPr kumimoji="1" lang="en-US" altLang="ja-JP" sz="2400" u="sng" dirty="0" smtClean="0"/>
+              <a:rPr kumimoji="1" lang="en-US" altLang="ja-JP" sz="2400" u="sng" dirty="0"/>
               <a:t> file of Gaussian</a:t>
             </a:r>
             <a:endParaRPr kumimoji="1" lang="ja-JP" altLang="en-US" sz="2400" u="sng" dirty="0"/>
@@ -10861,39 +9926,23 @@
           <a:lstStyle/>
           <a:p>
             <a:r>
-              <a:rPr lang="en-US" altLang="ja-JP" sz="1600" dirty="0" smtClean="0"/>
-              <a:t>Now, let’s inspect the normal modes. You might have attempted “Show -&gt; Vibrational Data” to notice that the label is inactive</a:t>
-            </a:r>
-            <a:r>
               <a:rPr lang="en-US" altLang="ja-JP" sz="1600" dirty="0"/>
-              <a:t>. </a:t>
-            </a:r>
-            <a:r>
-              <a:rPr lang="en-US" altLang="ja-JP" sz="1600" dirty="0" smtClean="0"/>
-              <a:t>Although a bit confusing, “Vibrational </a:t>
+              <a:t>Now, let’s inspect the normal modes. You might have attempted “Show -&gt; Vibrational Data” to notice that the label is inactive. Although a bit confusing, “Vibrational Data” is initially inactive even if you feed </a:t>
+            </a:r>
+            <a:r>
+              <a:rPr lang="en-US" altLang="ja-JP" sz="1600" dirty="0" err="1"/>
+              <a:t>JSindo</a:t>
             </a:r>
             <a:r>
               <a:rPr lang="en-US" altLang="ja-JP" sz="1600" dirty="0"/>
-              <a:t>Data” is initially </a:t>
-            </a:r>
-            <a:r>
-              <a:rPr lang="en-US" altLang="ja-JP" sz="1600" dirty="0" smtClean="0"/>
-              <a:t>inactive even if you feed </a:t>
-            </a:r>
-            <a:r>
-              <a:rPr lang="en-US" altLang="ja-JP" sz="1600" dirty="0" err="1" smtClean="0"/>
-              <a:t>JSindo</a:t>
-            </a:r>
-            <a:r>
-              <a:rPr lang="en-US" altLang="ja-JP" sz="1600" dirty="0" smtClean="0"/>
               <a:t> the output of frequency calculation, because the </a:t>
             </a:r>
             <a:r>
-              <a:rPr lang="en-US" altLang="ja-JP" sz="1600" dirty="0" err="1" smtClean="0"/>
+              <a:rPr lang="en-US" altLang="ja-JP" sz="1600" dirty="0" err="1"/>
               <a:t>fchk</a:t>
             </a:r>
             <a:r>
-              <a:rPr lang="en-US" altLang="ja-JP" sz="1600" dirty="0" smtClean="0"/>
+              <a:rPr lang="en-US" altLang="ja-JP" sz="1600" dirty="0"/>
               <a:t> file contains the force constants (Hessian) matrix, but not the frequencies and normal displacement vectors themselves. </a:t>
             </a:r>
           </a:p>
@@ -10902,10 +9951,9 @@
           </a:p>
           <a:p>
             <a:r>
-              <a:rPr lang="en-US" altLang="ja-JP" sz="1600" dirty="0" smtClean="0"/>
+              <a:rPr lang="en-US" altLang="ja-JP" sz="1600" dirty="0"/>
               <a:t>Thus, we calculate the normal modes and frequencies from the Hessian matrix, which can be done by “Tools -&gt; Harmonic Analysis” (see Fig. 4). Once you create the normal modes, “Vibrational Data” becomes active. If you close the table, you can show it again by “Show -&gt; Vibrational Data” whenever you like. </a:t>
             </a:r>
-            <a:endParaRPr lang="en-US" altLang="ja-JP" sz="1600" dirty="0"/>
           </a:p>
         </p:txBody>
       </p:sp>
@@ -10980,27 +10028,23 @@
             <a:lstStyle/>
             <a:p>
               <a:r>
-                <a:rPr kumimoji="1" lang="en-US" altLang="ja-JP" sz="1600" dirty="0" smtClean="0"/>
+                <a:rPr kumimoji="1" lang="en-US" altLang="ja-JP" sz="1600" dirty="0"/>
                 <a:t>Figure 4. “Harmonic Analysis” in Tool </a:t>
               </a:r>
               <a:r>
                 <a:rPr lang="en-US" altLang="ja-JP" sz="1600" dirty="0"/>
-                <a:t>menu </a:t>
+                <a:t>menu calculates </a:t>
               </a:r>
               <a:r>
-                <a:rPr lang="en-US" altLang="ja-JP" sz="1600" dirty="0" smtClean="0"/>
-                <a:t>calculates </a:t>
-              </a:r>
-              <a:r>
-                <a:rPr kumimoji="1" lang="en-US" altLang="ja-JP" sz="1600" dirty="0" smtClean="0"/>
+                <a:rPr kumimoji="1" lang="en-US" altLang="ja-JP" sz="1600" dirty="0"/>
                 <a:t>the harmonic frequencies and norma</a:t>
               </a:r>
               <a:r>
-                <a:rPr lang="en-US" altLang="ja-JP" sz="1600" dirty="0" smtClean="0"/>
+                <a:rPr lang="en-US" altLang="ja-JP" sz="1600" dirty="0"/>
                 <a:t>l modes, which are shown in the table and </a:t>
               </a:r>
               <a:r>
-                <a:rPr kumimoji="1" lang="en-US" altLang="ja-JP" sz="1600" dirty="0" smtClean="0"/>
+                <a:rPr kumimoji="1" lang="en-US" altLang="ja-JP" sz="1600" dirty="0"/>
                 <a:t>the viewer panel.</a:t>
               </a:r>
               <a:endParaRPr kumimoji="1" lang="ja-JP" altLang="en-US" sz="1600" dirty="0"/>
@@ -11259,18 +10303,17 @@
           <a:lstStyle/>
           <a:p>
             <a:r>
-              <a:rPr lang="en-US" altLang="ja-JP" sz="1600" dirty="0" smtClean="0"/>
+              <a:rPr lang="en-US" altLang="ja-JP" sz="1600" dirty="0"/>
               <a:t>Finally, we save the data to a </a:t>
             </a:r>
             <a:r>
-              <a:rPr lang="en-US" altLang="ja-JP" sz="1600" dirty="0" err="1" smtClean="0"/>
+              <a:rPr lang="en-US" altLang="ja-JP" sz="1600" dirty="0" err="1"/>
               <a:t>minfo</a:t>
             </a:r>
             <a:r>
-              <a:rPr lang="en-US" altLang="ja-JP" sz="1600" dirty="0" smtClean="0"/>
+              <a:rPr lang="en-US" altLang="ja-JP" sz="1600" dirty="0"/>
               <a:t> file.</a:t>
             </a:r>
-            <a:endParaRPr lang="en-US" altLang="ja-JP" sz="1600" dirty="0"/>
           </a:p>
           <a:p>
             <a:endParaRPr lang="en-US" altLang="ja-JP" sz="1600" dirty="0"/>
@@ -11282,43 +10325,31 @@
             </a:pPr>
             <a:r>
               <a:rPr lang="en-US" altLang="ja-JP" sz="1600" dirty="0"/>
-              <a:t>“File -&gt; </a:t>
-            </a:r>
-            <a:r>
-              <a:rPr lang="en-US" altLang="ja-JP" sz="1600" dirty="0" smtClean="0"/>
-              <a:t>Save” or </a:t>
-            </a:r>
-            <a:r>
-              <a:rPr lang="en-US" altLang="ja-JP" sz="1600" dirty="0" err="1" smtClean="0"/>
+              <a:t>“File -&gt; Save” or </a:t>
+            </a:r>
+            <a:r>
+              <a:rPr lang="en-US" altLang="ja-JP" sz="1600" dirty="0" err="1"/>
               <a:t>Ctrl+s</a:t>
             </a:r>
             <a:r>
-              <a:rPr lang="en-US" altLang="ja-JP" sz="1600" dirty="0" smtClean="0"/>
+              <a:rPr lang="en-US" altLang="ja-JP" sz="1600" dirty="0"/>
               <a:t> saves the data to “h2co-mp2.minfo. The filename is automatically set by replacing </a:t>
             </a:r>
             <a:r>
-              <a:rPr lang="en-US" altLang="ja-JP" sz="1600" dirty="0" err="1" smtClean="0"/>
+              <a:rPr lang="en-US" altLang="ja-JP" sz="1600" dirty="0" err="1"/>
               <a:t>fchk</a:t>
             </a:r>
             <a:r>
-              <a:rPr lang="en-US" altLang="ja-JP" sz="1600" dirty="0" smtClean="0"/>
+              <a:rPr lang="en-US" altLang="ja-JP" sz="1600" dirty="0"/>
               <a:t> by </a:t>
             </a:r>
             <a:r>
-              <a:rPr lang="en-US" altLang="ja-JP" sz="1600" dirty="0" err="1" smtClean="0"/>
+              <a:rPr lang="en-US" altLang="ja-JP" sz="1600" dirty="0" err="1"/>
               <a:t>minfo</a:t>
             </a:r>
             <a:r>
-              <a:rPr lang="en-US" altLang="ja-JP" sz="1600" dirty="0" smtClean="0"/>
+              <a:rPr lang="en-US" altLang="ja-JP" sz="1600" dirty="0"/>
               <a:t>. Note that this procedure </a:t>
-            </a:r>
-            <a:r>
-              <a:rPr lang="en-US" altLang="ja-JP" sz="1600" u="sng" dirty="0" smtClean="0">
-                <a:solidFill>
-                  <a:srgbClr val="FF0000"/>
-                </a:solidFill>
-              </a:rPr>
-              <a:t>overwrites </a:t>
             </a:r>
             <a:r>
               <a:rPr lang="en-US" altLang="ja-JP" sz="1600" u="sng" dirty="0">
@@ -11326,7 +10357,7 @@
                   <a:srgbClr val="FF0000"/>
                 </a:solidFill>
               </a:rPr>
-              <a:t>an existing file</a:t>
+              <a:t>overwrites an existing file</a:t>
             </a:r>
             <a:r>
               <a:rPr lang="en-US" altLang="ja-JP" sz="1600" dirty="0"/>
@@ -11347,28 +10378,26 @@
               <a:buChar char="•"/>
             </a:pPr>
             <a:r>
-              <a:rPr lang="en-US" altLang="ja-JP" sz="1600" dirty="0" smtClean="0"/>
+              <a:rPr lang="en-US" altLang="ja-JP" sz="1600" dirty="0"/>
               <a:t>“File -&gt; Save as” saves the data to a file with your preferred name. It pops up a </a:t>
             </a:r>
             <a:r>
-              <a:rPr lang="en-US" altLang="ja-JP" sz="1600" dirty="0" err="1" smtClean="0"/>
+              <a:rPr lang="en-US" altLang="ja-JP" sz="1600" dirty="0" err="1"/>
               <a:t>filechooser</a:t>
             </a:r>
             <a:r>
-              <a:rPr lang="en-US" altLang="ja-JP" sz="1600" dirty="0" smtClean="0"/>
+              <a:rPr lang="en-US" altLang="ja-JP" sz="1600" dirty="0"/>
               <a:t> and you are asked to enter the name.</a:t>
             </a:r>
+          </a:p>
+          <a:p>
             <a:endParaRPr lang="en-US" altLang="ja-JP" sz="1600" dirty="0"/>
           </a:p>
           <a:p>
-            <a:endParaRPr lang="en-US" altLang="ja-JP" sz="1600" dirty="0" smtClean="0"/>
-          </a:p>
-          <a:p>
-            <a:r>
-              <a:rPr lang="en-US" altLang="ja-JP" sz="1600" dirty="0" smtClean="0"/>
+            <a:r>
+              <a:rPr lang="en-US" altLang="ja-JP" sz="1600" dirty="0"/>
               <a:t>This data contains not only the information of atoms and structure, but also that of vibrational modes and frequencies. </a:t>
             </a:r>
-            <a:endParaRPr lang="en-US" altLang="ja-JP" sz="1600" dirty="0"/>
           </a:p>
         </p:txBody>
       </p:sp>
@@ -11425,7 +10454,7 @@
           <a:lstStyle/>
           <a:p>
             <a:r>
-              <a:rPr kumimoji="1" lang="en-US" altLang="ja-JP" sz="2400" u="sng" dirty="0" smtClean="0"/>
+              <a:rPr kumimoji="1" lang="en-US" altLang="ja-JP" sz="2400" u="sng" dirty="0"/>
               <a:t>1.4. Creating local modes</a:t>
             </a:r>
             <a:endParaRPr kumimoji="1" lang="ja-JP" altLang="en-US" sz="2400" u="sng" dirty="0"/>
@@ -11455,19 +10484,19 @@
           <a:lstStyle/>
           <a:p>
             <a:r>
-              <a:rPr lang="en-US" altLang="ja-JP" sz="1600" dirty="0" err="1" smtClean="0"/>
+              <a:rPr lang="en-US" altLang="ja-JP" sz="1600" dirty="0" err="1"/>
               <a:t>JSindo</a:t>
             </a:r>
             <a:r>
-              <a:rPr lang="en-US" altLang="ja-JP" sz="1600" dirty="0" smtClean="0"/>
+              <a:rPr lang="en-US" altLang="ja-JP" sz="1600" dirty="0"/>
               <a:t> implements two methods to create local modes from normal modes. The first localizes the modes to a certain domain of a molecule specified by the user. The other creates local modes by a linear combination of normal modes using an algorithm proposed by Jacob and </a:t>
             </a:r>
             <a:r>
-              <a:rPr lang="en-US" altLang="ja-JP" sz="1600" dirty="0" err="1" smtClean="0"/>
+              <a:rPr lang="en-US" altLang="ja-JP" sz="1600" dirty="0" err="1"/>
               <a:t>Reiher</a:t>
             </a:r>
             <a:r>
-              <a:rPr lang="en-US" altLang="ja-JP" sz="1600" dirty="0" smtClean="0"/>
+              <a:rPr lang="en-US" altLang="ja-JP" sz="1600" dirty="0"/>
               <a:t> [1]. Here, we demonstrate the program using butadiene as an example. </a:t>
             </a:r>
           </a:p>
@@ -11485,56 +10514,16 @@
             </a:r>
             <a:r>
               <a:rPr lang="en-US" altLang="ja-JP" sz="1600" dirty="0"/>
-              <a:t> </a:t>
-            </a:r>
-            <a:r>
-              <a:rPr lang="en-US" altLang="ja-JP" sz="1600" dirty="0" smtClean="0"/>
-              <a:t>as in </a:t>
-            </a:r>
+              <a:t> as in Fig. 5 (a). The first domain is atom 1 to 5 and the other is 6 to 10. The number is shown by “Show -&gt; Atom Number”.</a:t>
+            </a:r>
+          </a:p>
+          <a:p>
+            <a:endParaRPr lang="en-US" altLang="ja-JP" sz="1600" dirty="0"/>
+          </a:p>
+          <a:p>
             <a:r>
               <a:rPr lang="en-US" altLang="ja-JP" sz="1600" dirty="0"/>
-              <a:t>Fig. 5 (a). The first domain </a:t>
-            </a:r>
-            <a:r>
-              <a:rPr lang="en-US" altLang="ja-JP" sz="1600" dirty="0" smtClean="0"/>
-              <a:t>is atom </a:t>
-            </a:r>
-            <a:r>
-              <a:rPr lang="en-US" altLang="ja-JP" sz="1600" dirty="0"/>
-              <a:t>1 to 5 and the other is </a:t>
-            </a:r>
-            <a:r>
-              <a:rPr lang="en-US" altLang="ja-JP" sz="1600" dirty="0" smtClean="0"/>
-              <a:t>6 </a:t>
-            </a:r>
-            <a:r>
-              <a:rPr lang="en-US" altLang="ja-JP" sz="1600" dirty="0"/>
-              <a:t>to 10. The number </a:t>
-            </a:r>
-            <a:r>
-              <a:rPr lang="en-US" altLang="ja-JP" sz="1600" dirty="0" smtClean="0"/>
-              <a:t>is </a:t>
-            </a:r>
-            <a:r>
-              <a:rPr lang="en-US" altLang="ja-JP" sz="1600" dirty="0"/>
-              <a:t>shown by “Show -&gt; Atom Number”.</a:t>
-            </a:r>
-          </a:p>
-          <a:p>
-            <a:endParaRPr lang="en-US" altLang="ja-JP" sz="1600" dirty="0"/>
-          </a:p>
-          <a:p>
-            <a:r>
-              <a:rPr lang="en-US" altLang="ja-JP" sz="1600" dirty="0"/>
-              <a:t>“Tools -&gt; Create Local Modes” opens a controller of local mode generator. We enter the domain in a text box as shown in Fig. 5 (b). </a:t>
-            </a:r>
-            <a:r>
-              <a:rPr lang="en-US" altLang="ja-JP" sz="1600" dirty="0" smtClean="0"/>
-              <a:t>The </a:t>
-            </a:r>
-            <a:r>
-              <a:rPr lang="en-US" altLang="ja-JP" sz="1600" dirty="0"/>
-              <a:t>domain is specified by atom numbers separated with </a:t>
+              <a:t>“Tools -&gt; Create Local Modes” opens a controller of local mode generator. We enter the domain in a text box as shown in Fig. 5 (b). The domain is specified by atom numbers separated with </a:t>
             </a:r>
             <a:r>
               <a:rPr lang="en-US" altLang="ja-JP" sz="1600" dirty="0" err="1"/>
@@ -11542,27 +10531,7 @@
             </a:r>
             <a:r>
               <a:rPr lang="en-US" altLang="ja-JP" sz="1600" dirty="0"/>
-              <a:t> or hyphen. </a:t>
-            </a:r>
-            <a:r>
-              <a:rPr lang="en-US" altLang="ja-JP" sz="1600" dirty="0" smtClean="0"/>
-              <a:t>“1,2,3,4,5” is the first domain. Then, the second domain follows after a space. Hyphen </a:t>
-            </a:r>
-            <a:r>
-              <a:rPr lang="en-US" altLang="ja-JP" sz="1600" dirty="0"/>
-              <a:t>means a sequence of numbers, that is, </a:t>
-            </a:r>
-            <a:r>
-              <a:rPr lang="en-US" altLang="ja-JP" sz="1600" dirty="0" smtClean="0"/>
-              <a:t>6-10 </a:t>
-            </a:r>
-            <a:r>
-              <a:rPr lang="en-US" altLang="ja-JP" sz="1600" dirty="0"/>
-              <a:t>is equivalent to </a:t>
-            </a:r>
-            <a:r>
-              <a:rPr lang="en-US" altLang="ja-JP" sz="1600" dirty="0" smtClean="0"/>
-              <a:t>“6,7,8,9,10”. </a:t>
+              <a:t> or hyphen. “1,2,3,4,5” is the first domain. Then, the second domain follows after a space. Hyphen means a sequence of numbers, that is, 6-10 is equivalent to “6,7,8,9,10”. </a:t>
             </a:r>
           </a:p>
         </p:txBody>
@@ -11590,23 +10559,23 @@
           <a:lstStyle/>
           <a:p>
             <a:r>
-              <a:rPr kumimoji="1" lang="en-US" altLang="ja-JP" sz="1200" dirty="0" smtClean="0"/>
+              <a:rPr kumimoji="1" lang="en-US" altLang="ja-JP" sz="1200" dirty="0"/>
               <a:t>[1] Jacob and </a:t>
             </a:r>
             <a:r>
-              <a:rPr kumimoji="1" lang="en-US" altLang="ja-JP" sz="1200" dirty="0" err="1" smtClean="0"/>
+              <a:rPr kumimoji="1" lang="en-US" altLang="ja-JP" sz="1200" dirty="0" err="1"/>
               <a:t>Reiher</a:t>
             </a:r>
             <a:r>
-              <a:rPr kumimoji="1" lang="en-US" altLang="ja-JP" sz="1200" dirty="0" smtClean="0"/>
+              <a:rPr kumimoji="1" lang="en-US" altLang="ja-JP" sz="1200" dirty="0"/>
               <a:t>, J. Chem. Phys. </a:t>
             </a:r>
             <a:r>
-              <a:rPr kumimoji="1" lang="en-US" altLang="ja-JP" sz="1200" b="1" dirty="0" smtClean="0"/>
+              <a:rPr kumimoji="1" lang="en-US" altLang="ja-JP" sz="1200" b="1" dirty="0"/>
               <a:t>130</a:t>
             </a:r>
             <a:r>
-              <a:rPr kumimoji="1" lang="en-US" altLang="ja-JP" sz="1200" dirty="0" smtClean="0"/>
+              <a:rPr kumimoji="1" lang="en-US" altLang="ja-JP" sz="1200" dirty="0"/>
               <a:t>, 084106 (2009).</a:t>
             </a:r>
             <a:endParaRPr kumimoji="1" lang="ja-JP" altLang="en-US" sz="1200" dirty="0"/>
@@ -11636,7 +10605,7 @@
           <a:lstStyle/>
           <a:p>
             <a:r>
-              <a:rPr kumimoji="1" lang="en-US" altLang="ja-JP" sz="1600" dirty="0" smtClean="0"/>
+              <a:rPr kumimoji="1" lang="en-US" altLang="ja-JP" sz="1600" dirty="0"/>
               <a:t>Figure 5. (a) Domains of butadiene, (b) Local mode controller, (c) One of CH stretching modes localized to domain 1 and 2. </a:t>
             </a:r>
             <a:endParaRPr kumimoji="1" lang="ja-JP" altLang="en-US" sz="1600" dirty="0"/>
@@ -13424,7 +12393,7 @@
             <a:lstStyle/>
             <a:p>
               <a:r>
-                <a:rPr kumimoji="1" lang="en-US" altLang="ja-JP" sz="1400" dirty="0" smtClean="0"/>
+                <a:rPr kumimoji="1" lang="en-US" altLang="ja-JP" sz="1400" dirty="0"/>
                 <a:t>(a)</a:t>
               </a:r>
               <a:endParaRPr kumimoji="1" lang="ja-JP" altLang="en-US" sz="1400" dirty="0"/>
@@ -13454,7 +12423,7 @@
             <a:lstStyle/>
             <a:p>
               <a:r>
-                <a:rPr kumimoji="1" lang="en-US" altLang="ja-JP" sz="1400" dirty="0" smtClean="0"/>
+                <a:rPr kumimoji="1" lang="en-US" altLang="ja-JP" sz="1400" dirty="0"/>
                 <a:t>(b)</a:t>
               </a:r>
               <a:endParaRPr kumimoji="1" lang="ja-JP" altLang="en-US" sz="1400" dirty="0"/>
@@ -13489,7 +12458,7 @@
             <a:lstStyle/>
             <a:p>
               <a:r>
-                <a:rPr kumimoji="1" lang="en-US" altLang="ja-JP" dirty="0" smtClean="0"/>
+                <a:rPr kumimoji="1" lang="en-US" altLang="ja-JP" dirty="0"/>
                 <a:t>1,2,3,4,5   6-10</a:t>
               </a:r>
               <a:endParaRPr kumimoji="1" lang="ja-JP" altLang="en-US" dirty="0"/>
@@ -13820,7 +12789,7 @@
             <a:lstStyle/>
             <a:p>
               <a:r>
-                <a:rPr kumimoji="1" lang="en-US" altLang="ja-JP" sz="1600" smtClean="0">
+                <a:rPr kumimoji="1" lang="en-US" altLang="ja-JP" sz="1600">
                   <a:solidFill>
                     <a:srgbClr val="FF0000"/>
                   </a:solidFill>
@@ -13858,7 +12827,7 @@
             <a:lstStyle/>
             <a:p>
               <a:r>
-                <a:rPr kumimoji="1" lang="en-US" altLang="ja-JP" sz="1600" smtClean="0">
+                <a:rPr kumimoji="1" lang="en-US" altLang="ja-JP" sz="1600">
                   <a:solidFill>
                     <a:srgbClr val="FF0000"/>
                   </a:solidFill>
@@ -13966,7 +12935,7 @@
             <a:lstStyle/>
             <a:p>
               <a:r>
-                <a:rPr kumimoji="1" lang="en-US" altLang="ja-JP" sz="1400" dirty="0" smtClean="0"/>
+                <a:rPr kumimoji="1" lang="en-US" altLang="ja-JP" sz="1400" dirty="0"/>
                 <a:t>(c)</a:t>
               </a:r>
               <a:endParaRPr kumimoji="1" lang="ja-JP" altLang="en-US" sz="1400" dirty="0"/>
@@ -14027,7 +12996,7 @@
           <a:lstStyle/>
           <a:p>
             <a:r>
-              <a:rPr lang="en-US" altLang="ja-JP" sz="1600" dirty="0" smtClean="0"/>
+              <a:rPr lang="en-US" altLang="ja-JP" sz="1600" dirty="0"/>
               <a:t>Click “run” to create local modes of each domain. Fig. 5 (c) shows one of the CH stretching modes localized to domain 1 and 2. Note that the two domains are equivalent by symmetry, and so are the resulting local modes.</a:t>
             </a:r>
           </a:p>
@@ -14036,23 +13005,23 @@
           </a:p>
           <a:p>
             <a:r>
-              <a:rPr lang="en-US" altLang="ja-JP" sz="1600" dirty="0" smtClean="0"/>
+              <a:rPr lang="en-US" altLang="ja-JP" sz="1600" dirty="0"/>
               <a:t>The domain normal modes can be further localized by Jacob/</a:t>
             </a:r>
             <a:r>
-              <a:rPr lang="en-US" altLang="ja-JP" sz="1600" dirty="0" err="1" smtClean="0"/>
+              <a:rPr lang="en-US" altLang="ja-JP" sz="1600" dirty="0" err="1"/>
               <a:t>Reiher</a:t>
             </a:r>
             <a:r>
-              <a:rPr lang="en-US" altLang="ja-JP" sz="1600" dirty="0" smtClean="0"/>
+              <a:rPr lang="en-US" altLang="ja-JP" sz="1600" dirty="0"/>
               <a:t> method [1]. In the local mode controller, check the radio button “local” and one of the two methods of localization, Boys or </a:t>
             </a:r>
             <a:r>
-              <a:rPr lang="en-US" altLang="ja-JP" sz="1600" dirty="0" err="1" smtClean="0"/>
+              <a:rPr lang="en-US" altLang="ja-JP" sz="1600" dirty="0" err="1"/>
               <a:t>Pipek-Mezey</a:t>
             </a:r>
             <a:r>
-              <a:rPr lang="en-US" altLang="ja-JP" sz="1600" dirty="0" smtClean="0"/>
+              <a:rPr lang="en-US" altLang="ja-JP" sz="1600" dirty="0"/>
               <a:t>, as in Fig. 6 (a). The text box is a window frequency to select the mode pairs to mix proposed by Steele and coworkers [2].  Fig. 6 (b), (c), and (d) shows that the locality increase as we increase the window.</a:t>
             </a:r>
           </a:p>
@@ -14081,37 +13050,37 @@
           <a:lstStyle/>
           <a:p>
             <a:r>
-              <a:rPr kumimoji="1" lang="en-US" altLang="ja-JP" sz="1200" dirty="0" smtClean="0"/>
+              <a:rPr kumimoji="1" lang="en-US" altLang="ja-JP" sz="1200" dirty="0"/>
               <a:t>[1] Jacob and </a:t>
             </a:r>
             <a:r>
-              <a:rPr kumimoji="1" lang="en-US" altLang="ja-JP" sz="1200" dirty="0" err="1" smtClean="0"/>
+              <a:rPr kumimoji="1" lang="en-US" altLang="ja-JP" sz="1200" dirty="0" err="1"/>
               <a:t>Reiher</a:t>
             </a:r>
             <a:r>
-              <a:rPr kumimoji="1" lang="en-US" altLang="ja-JP" sz="1200" dirty="0" smtClean="0"/>
+              <a:rPr kumimoji="1" lang="en-US" altLang="ja-JP" sz="1200" dirty="0"/>
               <a:t>, J. Chem. Phys. </a:t>
             </a:r>
             <a:r>
-              <a:rPr kumimoji="1" lang="en-US" altLang="ja-JP" sz="1200" b="1" dirty="0" smtClean="0"/>
+              <a:rPr kumimoji="1" lang="en-US" altLang="ja-JP" sz="1200" b="1" dirty="0"/>
               <a:t>130</a:t>
             </a:r>
             <a:r>
-              <a:rPr kumimoji="1" lang="en-US" altLang="ja-JP" sz="1200" dirty="0" smtClean="0"/>
+              <a:rPr kumimoji="1" lang="en-US" altLang="ja-JP" sz="1200" dirty="0"/>
               <a:t>, 084106 (2009).</a:t>
             </a:r>
           </a:p>
           <a:p>
             <a:r>
-              <a:rPr lang="en-US" altLang="ja-JP" sz="1200" dirty="0" smtClean="0"/>
+              <a:rPr lang="en-US" altLang="ja-JP" sz="1200" dirty="0"/>
               <a:t>[2] Cheng, Talbot, and Steele, J. Chem. Phys. </a:t>
             </a:r>
             <a:r>
-              <a:rPr lang="en-US" altLang="ja-JP" sz="1200" b="1" dirty="0" smtClean="0"/>
+              <a:rPr lang="en-US" altLang="ja-JP" sz="1200" b="1" dirty="0"/>
               <a:t>145</a:t>
             </a:r>
             <a:r>
-              <a:rPr lang="en-US" altLang="ja-JP" sz="1200" dirty="0" smtClean="0"/>
+              <a:rPr lang="en-US" altLang="ja-JP" sz="1200" dirty="0"/>
               <a:t>, 124112 (2016).</a:t>
             </a:r>
             <a:endParaRPr kumimoji="1" lang="ja-JP" altLang="en-US" sz="1200" dirty="0"/>
@@ -14141,23 +13110,23 @@
           <a:lstStyle/>
           <a:p>
             <a:r>
-              <a:rPr kumimoji="1" lang="en-US" altLang="ja-JP" sz="1600" dirty="0" smtClean="0"/>
+              <a:rPr kumimoji="1" lang="en-US" altLang="ja-JP" sz="1600" dirty="0"/>
               <a:t>Figure 6. (a) Local mode controller, (b) local normal mode, and localized modes using window frequency of (c) 30 cm</a:t>
             </a:r>
             <a:r>
-              <a:rPr kumimoji="1" lang="en-US" altLang="ja-JP" sz="1600" baseline="30000" dirty="0" smtClean="0"/>
+              <a:rPr kumimoji="1" lang="en-US" altLang="ja-JP" sz="1600" baseline="30000" dirty="0"/>
               <a:t>-1</a:t>
             </a:r>
             <a:r>
-              <a:rPr kumimoji="1" lang="en-US" altLang="ja-JP" sz="1600" dirty="0" smtClean="0"/>
+              <a:rPr kumimoji="1" lang="en-US" altLang="ja-JP" sz="1600" dirty="0"/>
               <a:t> and (d) 150 cm</a:t>
             </a:r>
             <a:r>
-              <a:rPr kumimoji="1" lang="en-US" altLang="ja-JP" sz="1600" baseline="30000" dirty="0" smtClean="0"/>
+              <a:rPr kumimoji="1" lang="en-US" altLang="ja-JP" sz="1600" baseline="30000" dirty="0"/>
               <a:t>-1</a:t>
             </a:r>
             <a:r>
-              <a:rPr kumimoji="1" lang="en-US" altLang="ja-JP" sz="1600" dirty="0" smtClean="0"/>
+              <a:rPr kumimoji="1" lang="en-US" altLang="ja-JP" sz="1600" dirty="0"/>
               <a:t>. </a:t>
             </a:r>
             <a:endParaRPr kumimoji="1" lang="ja-JP" altLang="en-US" sz="1600" dirty="0"/>
@@ -14272,7 +13241,7 @@
             <a:lstStyle/>
             <a:p>
               <a:r>
-                <a:rPr kumimoji="1" lang="en-US" altLang="ja-JP" dirty="0" smtClean="0"/>
+                <a:rPr kumimoji="1" lang="en-US" altLang="ja-JP" dirty="0"/>
                 <a:t>check</a:t>
               </a:r>
               <a:endParaRPr kumimoji="1" lang="ja-JP" altLang="en-US" dirty="0"/>
@@ -14338,7 +13307,7 @@
             <a:lstStyle/>
             <a:p>
               <a:r>
-                <a:rPr kumimoji="1" lang="en-US" altLang="ja-JP" dirty="0" smtClean="0"/>
+                <a:rPr kumimoji="1" lang="en-US" altLang="ja-JP" dirty="0"/>
                 <a:t>window</a:t>
               </a:r>
               <a:endParaRPr kumimoji="1" lang="ja-JP" altLang="en-US" dirty="0"/>
@@ -14368,7 +13337,7 @@
             <a:lstStyle/>
             <a:p>
               <a:r>
-                <a:rPr kumimoji="1" lang="en-US" altLang="ja-JP" sz="1400" dirty="0" smtClean="0"/>
+                <a:rPr kumimoji="1" lang="en-US" altLang="ja-JP" sz="1400" dirty="0"/>
                 <a:t>(a)</a:t>
               </a:r>
               <a:endParaRPr kumimoji="1" lang="ja-JP" altLang="en-US" sz="1400" dirty="0"/>
@@ -14398,7 +13367,7 @@
             <a:lstStyle/>
             <a:p>
               <a:r>
-                <a:rPr kumimoji="1" lang="en-US" altLang="ja-JP" sz="1400" dirty="0" smtClean="0"/>
+                <a:rPr kumimoji="1" lang="en-US" altLang="ja-JP" sz="1400" dirty="0"/>
                 <a:t>(b)</a:t>
               </a:r>
               <a:endParaRPr kumimoji="1" lang="ja-JP" altLang="en-US" sz="1400" dirty="0"/>
@@ -14533,7 +13502,7 @@
             <a:lstStyle/>
             <a:p>
               <a:r>
-                <a:rPr kumimoji="1" lang="en-US" altLang="ja-JP" sz="1400" smtClean="0"/>
+                <a:rPr kumimoji="1" lang="en-US" altLang="ja-JP" sz="1400"/>
                 <a:t>(c)</a:t>
               </a:r>
               <a:endParaRPr kumimoji="1" lang="ja-JP" altLang="en-US" sz="1400" dirty="0"/>
@@ -14563,7 +13532,7 @@
             <a:lstStyle/>
             <a:p>
               <a:r>
-                <a:rPr kumimoji="1" lang="en-US" altLang="ja-JP" sz="1400" dirty="0" smtClean="0"/>
+                <a:rPr kumimoji="1" lang="en-US" altLang="ja-JP" sz="1400" dirty="0"/>
                 <a:t>(d)</a:t>
               </a:r>
               <a:endParaRPr kumimoji="1" lang="ja-JP" altLang="en-US" sz="1400" dirty="0"/>
@@ -14617,7 +13586,7 @@
           <a:lstStyle/>
           <a:p>
             <a:r>
-              <a:rPr lang="en-US" altLang="ja-JP" dirty="0" smtClean="0"/>
+              <a:rPr lang="en-US" altLang="ja-JP" dirty="0"/>
               <a:t>2. A list of commands</a:t>
             </a:r>
             <a:endParaRPr kumimoji="1" lang="ja-JP" altLang="en-US" dirty="0"/>
@@ -14652,7 +13621,7 @@
               </a:tabLst>
             </a:pPr>
             <a:r>
-              <a:rPr kumimoji="1" lang="en-US" altLang="ja-JP" dirty="0" smtClean="0"/>
+              <a:rPr kumimoji="1" lang="en-US" altLang="ja-JP" dirty="0"/>
               <a:t>File</a:t>
             </a:r>
           </a:p>
@@ -14665,15 +13634,15 @@
               </a:tabLst>
             </a:pPr>
             <a:r>
-              <a:rPr kumimoji="1" lang="en-US" altLang="ja-JP" dirty="0" smtClean="0"/>
+              <a:rPr kumimoji="1" lang="en-US" altLang="ja-JP" dirty="0"/>
               <a:t>Open	: opens a </a:t>
             </a:r>
             <a:r>
-              <a:rPr kumimoji="1" lang="en-US" altLang="ja-JP" dirty="0" err="1" smtClean="0"/>
+              <a:rPr kumimoji="1" lang="en-US" altLang="ja-JP" dirty="0" err="1"/>
               <a:t>minfo</a:t>
             </a:r>
             <a:r>
-              <a:rPr kumimoji="1" lang="en-US" altLang="ja-JP" dirty="0" smtClean="0"/>
+              <a:rPr kumimoji="1" lang="en-US" altLang="ja-JP" dirty="0"/>
               <a:t> file</a:t>
             </a:r>
           </a:p>
@@ -14686,7 +13655,7 @@
               </a:tabLst>
             </a:pPr>
             <a:r>
-              <a:rPr kumimoji="1" lang="en-US" altLang="ja-JP" dirty="0" smtClean="0"/>
+              <a:rPr kumimoji="1" lang="en-US" altLang="ja-JP" dirty="0"/>
               <a:t>Close	: closes a currently active panel</a:t>
             </a:r>
           </a:p>
@@ -14699,12 +13668,8 @@
               </a:tabLst>
             </a:pPr>
             <a:r>
-              <a:rPr lang="en-US" altLang="ja-JP" dirty="0" smtClean="0"/>
-              <a:t>Save	: overwrites </a:t>
-            </a:r>
-            <a:r>
               <a:rPr lang="en-US" altLang="ja-JP" dirty="0"/>
-              <a:t>the data to a current </a:t>
+              <a:t>Save	: overwrites the data to a current </a:t>
             </a:r>
             <a:r>
               <a:rPr lang="en-US" altLang="ja-JP" dirty="0" err="1"/>
@@ -14725,16 +13690,8 @@
               </a:tabLst>
             </a:pPr>
             <a:r>
-              <a:rPr lang="en-US" altLang="ja-JP" dirty="0" smtClean="0"/>
-              <a:t>Save as	: </a:t>
-            </a:r>
-            <a:r>
               <a:rPr lang="en-US" altLang="ja-JP" dirty="0"/>
-              <a:t>saves the data to a </a:t>
-            </a:r>
-            <a:r>
-              <a:rPr lang="en-US" altLang="ja-JP" dirty="0" smtClean="0"/>
-              <a:t>new file</a:t>
+              <a:t>Save as	: saves the data to a new file</a:t>
             </a:r>
           </a:p>
           <a:p>
@@ -14746,7 +13703,7 @@
               </a:tabLst>
             </a:pPr>
             <a:r>
-              <a:rPr lang="en-US" altLang="ja-JP" dirty="0" smtClean="0"/>
+              <a:rPr lang="en-US" altLang="ja-JP" dirty="0"/>
               <a:t>Import	: imports the output of quantum chemistry program</a:t>
             </a:r>
           </a:p>
@@ -14759,18 +13716,17 @@
               </a:tabLst>
             </a:pPr>
             <a:r>
-              <a:rPr lang="en-US" altLang="ja-JP" dirty="0" smtClean="0"/>
+              <a:rPr lang="en-US" altLang="ja-JP" dirty="0"/>
               <a:t>Export	: exports the viewer panel to an image file (</a:t>
             </a:r>
             <a:r>
-              <a:rPr lang="en-US" altLang="ja-JP" dirty="0" err="1" smtClean="0"/>
+              <a:rPr lang="en-US" altLang="ja-JP" dirty="0" err="1"/>
               <a:t>png</a:t>
             </a:r>
             <a:r>
-              <a:rPr lang="en-US" altLang="ja-JP" dirty="0" smtClean="0"/>
+              <a:rPr lang="en-US" altLang="ja-JP" dirty="0"/>
               <a:t> format)</a:t>
             </a:r>
-            <a:endParaRPr lang="en-US" altLang="ja-JP" dirty="0"/>
           </a:p>
           <a:p>
             <a:pPr marL="285750" indent="-285750">
@@ -14781,10 +13737,9 @@
               </a:tabLst>
             </a:pPr>
             <a:r>
-              <a:rPr lang="en-US" altLang="ja-JP" dirty="0" smtClean="0"/>
+              <a:rPr lang="en-US" altLang="ja-JP" dirty="0"/>
               <a:t>Quit	: quits the program</a:t>
             </a:r>
-            <a:endParaRPr lang="en-US" altLang="ja-JP" dirty="0"/>
           </a:p>
           <a:p>
             <a:pPr>
@@ -14792,7 +13747,7 @@
                 <a:tab pos="1101725" algn="l"/>
               </a:tabLst>
             </a:pPr>
-            <a:endParaRPr lang="en-US" altLang="ja-JP" dirty="0" smtClean="0"/>
+            <a:endParaRPr lang="en-US" altLang="ja-JP" dirty="0"/>
           </a:p>
           <a:p>
             <a:pPr>
@@ -14801,10 +13756,9 @@
               </a:tabLst>
             </a:pPr>
             <a:r>
-              <a:rPr lang="en-US" altLang="ja-JP" dirty="0" smtClean="0"/>
+              <a:rPr lang="en-US" altLang="ja-JP" dirty="0"/>
               <a:t>Show</a:t>
             </a:r>
-            <a:endParaRPr lang="en-US" altLang="ja-JP" dirty="0"/>
           </a:p>
           <a:p>
             <a:pPr marL="285750" indent="-285750">
@@ -14851,7 +13805,7 @@
                 <a:tab pos="1101725" algn="l"/>
               </a:tabLst>
             </a:pPr>
-            <a:endParaRPr lang="en-US" altLang="ja-JP" dirty="0" smtClean="0"/>
+            <a:endParaRPr lang="en-US" altLang="ja-JP" dirty="0"/>
           </a:p>
           <a:p>
             <a:pPr>
@@ -14860,10 +13814,9 @@
               </a:tabLst>
             </a:pPr>
             <a:r>
-              <a:rPr lang="en-US" altLang="ja-JP" dirty="0" smtClean="0"/>
+              <a:rPr lang="en-US" altLang="ja-JP" dirty="0"/>
               <a:t>Tools</a:t>
             </a:r>
-            <a:endParaRPr lang="en-US" altLang="ja-JP" dirty="0"/>
           </a:p>
           <a:p>
             <a:pPr marL="285750" indent="-285750">
@@ -14875,13 +13828,8 @@
             </a:pPr>
             <a:r>
               <a:rPr lang="en-US" altLang="ja-JP" dirty="0"/>
-              <a:t>Harmonic Analysis	: </a:t>
-            </a:r>
-            <a:r>
-              <a:rPr lang="en-US" altLang="ja-JP" dirty="0" smtClean="0"/>
-              <a:t>Performs normal mode analysis</a:t>
-            </a:r>
-            <a:endParaRPr lang="en-US" altLang="ja-JP" dirty="0"/>
+              <a:t>Harmonic Analysis	: Performs normal mode analysis</a:t>
+            </a:r>
           </a:p>
           <a:p>
             <a:pPr marL="285750" indent="-285750">
@@ -14893,13 +13841,8 @@
             </a:pPr>
             <a:r>
               <a:rPr lang="en-US" altLang="ja-JP" dirty="0"/>
-              <a:t>Create Local Modes 	: </a:t>
-            </a:r>
-            <a:r>
-              <a:rPr lang="en-US" altLang="ja-JP" dirty="0" smtClean="0"/>
-              <a:t>Creates local modes</a:t>
-            </a:r>
-            <a:endParaRPr lang="en-US" altLang="ja-JP" dirty="0"/>
+              <a:t>Create Local Modes 	: Creates local modes</a:t>
+            </a:r>
           </a:p>
           <a:p>
             <a:pPr>
@@ -14907,7 +13850,7 @@
                 <a:tab pos="1101725" algn="l"/>
               </a:tabLst>
             </a:pPr>
-            <a:endParaRPr lang="en-US" altLang="ja-JP" dirty="0" smtClean="0"/>
+            <a:endParaRPr lang="en-US" altLang="ja-JP" dirty="0"/>
           </a:p>
           <a:p>
             <a:pPr>
@@ -14916,10 +13859,9 @@
               </a:tabLst>
             </a:pPr>
             <a:r>
-              <a:rPr lang="en-US" altLang="ja-JP" dirty="0" smtClean="0"/>
+              <a:rPr lang="en-US" altLang="ja-JP" dirty="0"/>
               <a:t>Help</a:t>
             </a:r>
-            <a:endParaRPr lang="en-US" altLang="ja-JP" dirty="0"/>
           </a:p>
           <a:p>
             <a:pPr marL="285750" indent="-285750">
@@ -14931,13 +13873,8 @@
             </a:pPr>
             <a:r>
               <a:rPr lang="en-US" altLang="ja-JP" dirty="0"/>
-              <a:t>About SINDO	: Shows a version </a:t>
-            </a:r>
-            <a:r>
-              <a:rPr lang="en-US" altLang="ja-JP" dirty="0" smtClean="0"/>
-              <a:t>info</a:t>
-            </a:r>
-            <a:endParaRPr lang="en-US" altLang="ja-JP" dirty="0"/>
+              <a:t>About SINDO	: Shows a version info</a:t>
+            </a:r>
           </a:p>
         </p:txBody>
       </p:sp>
